--- a/4- Data Governance at SneakerPark/DataGovernanceAtSneakerPark.pptx
+++ b/4- Data Governance at SneakerPark/DataGovernanceAtSneakerPark.pptx
@@ -12,43 +12,45 @@
   </p:notesMasterIdLst>
   <p:sldIdLst>
     <p:sldId id="256" r:id="rId6"/>
-    <p:sldId id="257" r:id="rId8"/>
-    <p:sldId id="258" r:id="rId9"/>
-    <p:sldId id="259" r:id="rId10"/>
-    <p:sldId id="260" r:id="rId11"/>
-    <p:sldId id="261" r:id="rId12"/>
-    <p:sldId id="262" r:id="rId13"/>
-    <p:sldId id="263" r:id="rId14"/>
-    <p:sldId id="264" r:id="rId15"/>
-    <p:sldId id="265" r:id="rId16"/>
-    <p:sldId id="266" r:id="rId17"/>
-    <p:sldId id="267" r:id="rId18"/>
-    <p:sldId id="268" r:id="rId19"/>
-    <p:sldId id="269" r:id="rId20"/>
+    <p:sldId id="259" r:id="rId8"/>
+    <p:sldId id="260" r:id="rId9"/>
+    <p:sldId id="261" r:id="rId10"/>
+    <p:sldId id="262" r:id="rId11"/>
+    <p:sldId id="263" r:id="rId12"/>
+    <p:sldId id="264" r:id="rId13"/>
+    <p:sldId id="265" r:id="rId14"/>
+    <p:sldId id="279" r:id="rId15"/>
+    <p:sldId id="266" r:id="rId16"/>
+    <p:sldId id="267" r:id="rId17"/>
+    <p:sldId id="268" r:id="rId18"/>
+    <p:sldId id="269" r:id="rId19"/>
+    <p:sldId id="280" r:id="rId20"/>
     <p:sldId id="270" r:id="rId21"/>
     <p:sldId id="271" r:id="rId22"/>
-    <p:sldId id="272" r:id="rId23"/>
-    <p:sldId id="273" r:id="rId24"/>
-    <p:sldId id="274" r:id="rId25"/>
-    <p:sldId id="275" r:id="rId26"/>
-    <p:sldId id="276" r:id="rId27"/>
-    <p:sldId id="277" r:id="rId28"/>
-    <p:sldId id="278" r:id="rId29"/>
+    <p:sldId id="273" r:id="rId23"/>
+    <p:sldId id="274" r:id="rId24"/>
+    <p:sldId id="275" r:id="rId25"/>
+    <p:sldId id="276" r:id="rId26"/>
+    <p:sldId id="277" r:id="rId27"/>
   </p:sldIdLst>
   <p:sldSz cx="7772400" cy="10058400"/>
   <p:notesSz cx="6858000" cy="9144000"/>
   <p:embeddedFontLst>
     <p:embeddedFont>
       <p:font typeface="Open Sans" panose="020B0606030504020204"/>
+      <p:regular r:id="rId31"/>
+    </p:embeddedFont>
+    <p:embeddedFont>
+      <p:font typeface="Helvetica Neue" panose="020B0403020202020204"/>
+      <p:regular r:id="rId32"/>
+    </p:embeddedFont>
+    <p:embeddedFont>
+      <p:font typeface="Open Sans Light" panose="020B0606030504020204"/>
       <p:regular r:id="rId33"/>
     </p:embeddedFont>
     <p:embeddedFont>
-      <p:font typeface="Helvetica Neue" panose="020B0403020202020204"/>
+      <p:font typeface="Open Sans" panose="020B0606030504020204" charset="0"/>
       <p:regular r:id="rId34"/>
-    </p:embeddedFont>
-    <p:embeddedFont>
-      <p:font typeface="Open Sans Light" panose="020B0606030504020204"/>
-      <p:regular r:id="rId35"/>
     </p:embeddedFont>
   </p:embeddedFontLst>
   <p:defaultTextStyle>
@@ -822,208 +824,6 @@
   <p:cSld>
     <p:spTree>
       <p:nvGrpSpPr>
-        <p:cNvPr id="237" name="Shape 237"/>
-        <p:cNvGrpSpPr/>
-        <p:nvPr/>
-      </p:nvGrpSpPr>
-      <p:grpSpPr>
-        <a:xfrm>
-          <a:off x="0" y="0"/>
-          <a:ext cx="0" cy="0"/>
-          <a:chOff x="0" y="0"/>
-          <a:chExt cx="0" cy="0"/>
-        </a:xfrm>
-      </p:grpSpPr>
-      <p:sp>
-        <p:nvSpPr>
-          <p:cNvPr id="238" name="Google Shape;238;g8d8c850c25_0_103:notes"/>
-          <p:cNvSpPr/>
-          <p:nvPr>
-            <p:ph type="sldImg" idx="2"/>
-          </p:nvPr>
-        </p:nvSpPr>
-        <p:spPr>
-          <a:xfrm>
-            <a:off x="2104459" y="685800"/>
-            <a:ext cx="2649600" cy="3429000"/>
-          </a:xfrm>
-          <a:custGeom>
-            <a:avLst/>
-            <a:gdLst/>
-            <a:ahLst/>
-            <a:cxnLst/>
-            <a:rect l="l" t="t" r="r" b="b"/>
-            <a:pathLst>
-              <a:path w="120000" h="120000" extrusionOk="0">
-                <a:moveTo>
-                  <a:pt x="0" y="0"/>
-                </a:moveTo>
-                <a:lnTo>
-                  <a:pt x="120000" y="0"/>
-                </a:lnTo>
-                <a:lnTo>
-                  <a:pt x="120000" y="120000"/>
-                </a:lnTo>
-                <a:lnTo>
-                  <a:pt x="0" y="120000"/>
-                </a:lnTo>
-                <a:close/>
-              </a:path>
-            </a:pathLst>
-          </a:custGeom>
-        </p:spPr>
-      </p:sp>
-      <p:sp>
-        <p:nvSpPr>
-          <p:cNvPr id="239" name="Google Shape;239;g8d8c850c25_0_103:notes"/>
-          <p:cNvSpPr txBox="1"/>
-          <p:nvPr>
-            <p:ph type="body" idx="1"/>
-          </p:nvPr>
-        </p:nvSpPr>
-        <p:spPr>
-          <a:xfrm>
-            <a:off x="685800" y="4343400"/>
-            <a:ext cx="5486400" cy="4114800"/>
-          </a:xfrm>
-          <a:prstGeom prst="rect">
-            <a:avLst/>
-          </a:prstGeom>
-        </p:spPr>
-        <p:txBody>
-          <a:bodyPr spcFirstLastPara="1" wrap="square" lIns="91425" tIns="91425" rIns="91425" bIns="91425" anchor="t" anchorCtr="0">
-            <a:noAutofit/>
-          </a:bodyPr>
-          <a:lstStyle/>
-          <a:p>
-            <a:pPr marL="0" lvl="0" indent="0" algn="l" rtl="0">
-              <a:spcBef>
-                <a:spcPts val="0"/>
-              </a:spcBef>
-              <a:spcAft>
-                <a:spcPts val="0"/>
-              </a:spcAft>
-              <a:buNone/>
-            </a:pPr>
-          </a:p>
-        </p:txBody>
-      </p:sp>
-    </p:spTree>
-  </p:cSld>
-  <p:clrMapOvr>
-    <a:masterClrMapping/>
-  </p:clrMapOvr>
-</p:notes>
-</file>
-
-<file path=ppt/notesSlides/notesSlide11.xml><?xml version="1.0" encoding="utf-8"?>
-<p:notes xmlns:a="http://schemas.openxmlformats.org/drawingml/2006/main" xmlns:r="http://schemas.openxmlformats.org/officeDocument/2006/relationships" xmlns:p="http://schemas.openxmlformats.org/presentationml/2006/main" showMasterPhAnim="0" showMasterSp="0">
-  <p:cSld>
-    <p:spTree>
-      <p:nvGrpSpPr>
-        <p:cNvPr id="242" name="Shape 242"/>
-        <p:cNvGrpSpPr/>
-        <p:nvPr/>
-      </p:nvGrpSpPr>
-      <p:grpSpPr>
-        <a:xfrm>
-          <a:off x="0" y="0"/>
-          <a:ext cx="0" cy="0"/>
-          <a:chOff x="0" y="0"/>
-          <a:chExt cx="0" cy="0"/>
-        </a:xfrm>
-      </p:grpSpPr>
-      <p:sp>
-        <p:nvSpPr>
-          <p:cNvPr id="243" name="Google Shape;243;g64b864f3db_0_1:notes"/>
-          <p:cNvSpPr txBox="1"/>
-          <p:nvPr>
-            <p:ph type="body" idx="1"/>
-          </p:nvPr>
-        </p:nvSpPr>
-        <p:spPr>
-          <a:xfrm>
-            <a:off x="914400" y="4343400"/>
-            <a:ext cx="5029200" cy="4114800"/>
-          </a:xfrm>
-          <a:prstGeom prst="rect">
-            <a:avLst/>
-          </a:prstGeom>
-          <a:noFill/>
-          <a:ln>
-            <a:noFill/>
-          </a:ln>
-        </p:spPr>
-        <p:txBody>
-          <a:bodyPr spcFirstLastPara="1" wrap="square" lIns="91425" tIns="91425" rIns="91425" bIns="91425" anchor="ctr" anchorCtr="0">
-            <a:noAutofit/>
-          </a:bodyPr>
-          <a:lstStyle/>
-          <a:p>
-            <a:pPr marL="0" lvl="0" indent="0" algn="l" rtl="0">
-              <a:spcBef>
-                <a:spcPts val="0"/>
-              </a:spcBef>
-              <a:spcAft>
-                <a:spcPts val="0"/>
-              </a:spcAft>
-              <a:buNone/>
-            </a:pPr>
-          </a:p>
-        </p:txBody>
-      </p:sp>
-      <p:sp>
-        <p:nvSpPr>
-          <p:cNvPr id="244" name="Google Shape;244;g64b864f3db_0_1:notes"/>
-          <p:cNvSpPr/>
-          <p:nvPr>
-            <p:ph type="sldImg" idx="2"/>
-          </p:nvPr>
-        </p:nvSpPr>
-        <p:spPr>
-          <a:xfrm>
-            <a:off x="2435369" y="685800"/>
-            <a:ext cx="1987200" cy="3429000"/>
-          </a:xfrm>
-          <a:custGeom>
-            <a:avLst/>
-            <a:gdLst/>
-            <a:ahLst/>
-            <a:cxnLst/>
-            <a:rect l="l" t="t" r="r" b="b"/>
-            <a:pathLst>
-              <a:path w="120000" h="120000" extrusionOk="0">
-                <a:moveTo>
-                  <a:pt x="0" y="0"/>
-                </a:moveTo>
-                <a:lnTo>
-                  <a:pt x="120000" y="0"/>
-                </a:lnTo>
-                <a:lnTo>
-                  <a:pt x="120000" y="120000"/>
-                </a:lnTo>
-                <a:lnTo>
-                  <a:pt x="0" y="120000"/>
-                </a:lnTo>
-                <a:close/>
-              </a:path>
-            </a:pathLst>
-          </a:custGeom>
-        </p:spPr>
-      </p:sp>
-    </p:spTree>
-  </p:cSld>
-  <p:clrMapOvr>
-    <a:masterClrMapping/>
-  </p:clrMapOvr>
-</p:notes>
-</file>
-
-<file path=ppt/notesSlides/notesSlide12.xml><?xml version="1.0" encoding="utf-8"?>
-<p:notes xmlns:a="http://schemas.openxmlformats.org/drawingml/2006/main" xmlns:r="http://schemas.openxmlformats.org/officeDocument/2006/relationships" xmlns:p="http://schemas.openxmlformats.org/presentationml/2006/main" showMasterPhAnim="0" showMasterSp="0">
-  <p:cSld>
-    <p:spTree>
-      <p:nvGrpSpPr>
         <p:cNvPr id="248" name="Shape 248"/>
         <p:cNvGrpSpPr/>
         <p:nvPr/>
@@ -1118,7 +918,7 @@
 </p:notes>
 </file>
 
-<file path=ppt/notesSlides/notesSlide13.xml><?xml version="1.0" encoding="utf-8"?>
+<file path=ppt/notesSlides/notesSlide11.xml><?xml version="1.0" encoding="utf-8"?>
 <p:notes xmlns:a="http://schemas.openxmlformats.org/drawingml/2006/main" xmlns:r="http://schemas.openxmlformats.org/officeDocument/2006/relationships" xmlns:p="http://schemas.openxmlformats.org/presentationml/2006/main" showMasterPhAnim="0" showMasterSp="0">
   <p:cSld>
     <p:spTree>
@@ -1221,7 +1021,7 @@
 </p:notes>
 </file>
 
-<file path=ppt/notesSlides/notesSlide14.xml><?xml version="1.0" encoding="utf-8"?>
+<file path=ppt/notesSlides/notesSlide12.xml><?xml version="1.0" encoding="utf-8"?>
 <p:notes xmlns:a="http://schemas.openxmlformats.org/drawingml/2006/main" xmlns:r="http://schemas.openxmlformats.org/officeDocument/2006/relationships" xmlns:p="http://schemas.openxmlformats.org/presentationml/2006/main" showMasterPhAnim="0" showMasterSp="0">
   <p:cSld>
     <p:spTree>
@@ -1320,7 +1120,7 @@
 </p:notes>
 </file>
 
-<file path=ppt/notesSlides/notesSlide15.xml><?xml version="1.0" encoding="utf-8"?>
+<file path=ppt/notesSlides/notesSlide13.xml><?xml version="1.0" encoding="utf-8"?>
 <p:notes xmlns:a="http://schemas.openxmlformats.org/drawingml/2006/main" xmlns:r="http://schemas.openxmlformats.org/officeDocument/2006/relationships" xmlns:p="http://schemas.openxmlformats.org/presentationml/2006/main" showMasterPhAnim="0" showMasterSp="0">
   <p:cSld>
     <p:spTree>
@@ -1423,7 +1223,7 @@
 </p:notes>
 </file>
 
-<file path=ppt/notesSlides/notesSlide16.xml><?xml version="1.0" encoding="utf-8"?>
+<file path=ppt/notesSlides/notesSlide14.xml><?xml version="1.0" encoding="utf-8"?>
 <p:notes xmlns:a="http://schemas.openxmlformats.org/drawingml/2006/main" xmlns:r="http://schemas.openxmlformats.org/officeDocument/2006/relationships" xmlns:p="http://schemas.openxmlformats.org/presentationml/2006/main" showMasterPhAnim="0" showMasterSp="0">
   <p:cSld>
     <p:spTree>
@@ -1522,106 +1322,7 @@
 </p:notes>
 </file>
 
-<file path=ppt/notesSlides/notesSlide17.xml><?xml version="1.0" encoding="utf-8"?>
-<p:notes xmlns:a="http://schemas.openxmlformats.org/drawingml/2006/main" xmlns:r="http://schemas.openxmlformats.org/officeDocument/2006/relationships" xmlns:p="http://schemas.openxmlformats.org/presentationml/2006/main" showMasterPhAnim="0" showMasterSp="0">
-  <p:cSld>
-    <p:spTree>
-      <p:nvGrpSpPr>
-        <p:cNvPr id="277" name="Shape 277"/>
-        <p:cNvGrpSpPr/>
-        <p:nvPr/>
-      </p:nvGrpSpPr>
-      <p:grpSpPr>
-        <a:xfrm>
-          <a:off x="0" y="0"/>
-          <a:ext cx="0" cy="0"/>
-          <a:chOff x="0" y="0"/>
-          <a:chExt cx="0" cy="0"/>
-        </a:xfrm>
-      </p:grpSpPr>
-      <p:sp>
-        <p:nvSpPr>
-          <p:cNvPr id="278" name="Google Shape;278;g9c24cf9085_0_71:notes"/>
-          <p:cNvSpPr/>
-          <p:nvPr>
-            <p:ph type="sldImg" idx="2"/>
-          </p:nvPr>
-        </p:nvSpPr>
-        <p:spPr>
-          <a:xfrm>
-            <a:off x="2104459" y="685800"/>
-            <a:ext cx="2649600" cy="3429000"/>
-          </a:xfrm>
-          <a:custGeom>
-            <a:avLst/>
-            <a:gdLst/>
-            <a:ahLst/>
-            <a:cxnLst/>
-            <a:rect l="l" t="t" r="r" b="b"/>
-            <a:pathLst>
-              <a:path w="120000" h="120000" extrusionOk="0">
-                <a:moveTo>
-                  <a:pt x="0" y="0"/>
-                </a:moveTo>
-                <a:lnTo>
-                  <a:pt x="120000" y="0"/>
-                </a:lnTo>
-                <a:lnTo>
-                  <a:pt x="120000" y="120000"/>
-                </a:lnTo>
-                <a:lnTo>
-                  <a:pt x="0" y="120000"/>
-                </a:lnTo>
-                <a:close/>
-              </a:path>
-            </a:pathLst>
-          </a:custGeom>
-        </p:spPr>
-      </p:sp>
-      <p:sp>
-        <p:nvSpPr>
-          <p:cNvPr id="279" name="Google Shape;279;g9c24cf9085_0_71:notes"/>
-          <p:cNvSpPr txBox="1"/>
-          <p:nvPr>
-            <p:ph type="body" idx="1"/>
-          </p:nvPr>
-        </p:nvSpPr>
-        <p:spPr>
-          <a:xfrm>
-            <a:off x="685800" y="4343400"/>
-            <a:ext cx="5486400" cy="4114800"/>
-          </a:xfrm>
-          <a:prstGeom prst="rect">
-            <a:avLst/>
-          </a:prstGeom>
-        </p:spPr>
-        <p:txBody>
-          <a:bodyPr spcFirstLastPara="1" wrap="square" lIns="91425" tIns="91425" rIns="91425" bIns="91425" anchor="t" anchorCtr="0">
-            <a:noAutofit/>
-          </a:bodyPr>
-          <a:lstStyle/>
-          <a:p>
-            <a:pPr marL="0" lvl="0" indent="0" algn="l" rtl="0">
-              <a:spcBef>
-                <a:spcPts val="0"/>
-              </a:spcBef>
-              <a:spcAft>
-                <a:spcPts val="0"/>
-              </a:spcAft>
-              <a:buNone/>
-            </a:pPr>
-          </a:p>
-        </p:txBody>
-      </p:sp>
-    </p:spTree>
-  </p:cSld>
-  <p:clrMapOvr>
-    <a:masterClrMapping/>
-  </p:clrMapOvr>
-</p:notes>
-</file>
-
-<file path=ppt/notesSlides/notesSlide18.xml><?xml version="1.0" encoding="utf-8"?>
+<file path=ppt/notesSlides/notesSlide15.xml><?xml version="1.0" encoding="utf-8"?>
 <p:notes xmlns:a="http://schemas.openxmlformats.org/drawingml/2006/main" xmlns:r="http://schemas.openxmlformats.org/officeDocument/2006/relationships" xmlns:p="http://schemas.openxmlformats.org/presentationml/2006/main" showMasterPhAnim="0" showMasterSp="0">
   <p:cSld>
     <p:spTree>
@@ -1724,7 +1425,7 @@
 </p:notes>
 </file>
 
-<file path=ppt/notesSlides/notesSlide19.xml><?xml version="1.0" encoding="utf-8"?>
+<file path=ppt/notesSlides/notesSlide16.xml><?xml version="1.0" encoding="utf-8"?>
 <p:notes xmlns:a="http://schemas.openxmlformats.org/drawingml/2006/main" xmlns:r="http://schemas.openxmlformats.org/officeDocument/2006/relationships" xmlns:p="http://schemas.openxmlformats.org/presentationml/2006/main" showMasterPhAnim="0" showMasterSp="0">
   <p:cSld>
     <p:spTree>
@@ -1823,106 +1524,7 @@
 </p:notes>
 </file>
 
-<file path=ppt/notesSlides/notesSlide2.xml><?xml version="1.0" encoding="utf-8"?>
-<p:notes xmlns:a="http://schemas.openxmlformats.org/drawingml/2006/main" xmlns:r="http://schemas.openxmlformats.org/officeDocument/2006/relationships" xmlns:p="http://schemas.openxmlformats.org/presentationml/2006/main" showMasterPhAnim="0" showMasterSp="0">
-  <p:cSld>
-    <p:spTree>
-      <p:nvGrpSpPr>
-        <p:cNvPr id="181" name="Shape 181"/>
-        <p:cNvGrpSpPr/>
-        <p:nvPr/>
-      </p:nvGrpSpPr>
-      <p:grpSpPr>
-        <a:xfrm>
-          <a:off x="0" y="0"/>
-          <a:ext cx="0" cy="0"/>
-          <a:chOff x="0" y="0"/>
-          <a:chExt cx="0" cy="0"/>
-        </a:xfrm>
-      </p:grpSpPr>
-      <p:sp>
-        <p:nvSpPr>
-          <p:cNvPr id="182" name="Google Shape;182;g9cfc2a9a8d_0_5:notes"/>
-          <p:cNvSpPr/>
-          <p:nvPr>
-            <p:ph type="sldImg" idx="2"/>
-          </p:nvPr>
-        </p:nvSpPr>
-        <p:spPr>
-          <a:xfrm>
-            <a:off x="2104459" y="685800"/>
-            <a:ext cx="2649600" cy="3429000"/>
-          </a:xfrm>
-          <a:custGeom>
-            <a:avLst/>
-            <a:gdLst/>
-            <a:ahLst/>
-            <a:cxnLst/>
-            <a:rect l="l" t="t" r="r" b="b"/>
-            <a:pathLst>
-              <a:path w="120000" h="120000" extrusionOk="0">
-                <a:moveTo>
-                  <a:pt x="0" y="0"/>
-                </a:moveTo>
-                <a:lnTo>
-                  <a:pt x="120000" y="0"/>
-                </a:lnTo>
-                <a:lnTo>
-                  <a:pt x="120000" y="120000"/>
-                </a:lnTo>
-                <a:lnTo>
-                  <a:pt x="0" y="120000"/>
-                </a:lnTo>
-                <a:close/>
-              </a:path>
-            </a:pathLst>
-          </a:custGeom>
-        </p:spPr>
-      </p:sp>
-      <p:sp>
-        <p:nvSpPr>
-          <p:cNvPr id="183" name="Google Shape;183;g9cfc2a9a8d_0_5:notes"/>
-          <p:cNvSpPr txBox="1"/>
-          <p:nvPr>
-            <p:ph type="body" idx="1"/>
-          </p:nvPr>
-        </p:nvSpPr>
-        <p:spPr>
-          <a:xfrm>
-            <a:off x="685800" y="4343400"/>
-            <a:ext cx="5486400" cy="4114800"/>
-          </a:xfrm>
-          <a:prstGeom prst="rect">
-            <a:avLst/>
-          </a:prstGeom>
-        </p:spPr>
-        <p:txBody>
-          <a:bodyPr spcFirstLastPara="1" wrap="square" lIns="91425" tIns="91425" rIns="91425" bIns="91425" anchor="t" anchorCtr="0">
-            <a:noAutofit/>
-          </a:bodyPr>
-          <a:lstStyle/>
-          <a:p>
-            <a:pPr marL="0" lvl="0" indent="0" algn="l" rtl="0">
-              <a:spcBef>
-                <a:spcPts val="0"/>
-              </a:spcBef>
-              <a:spcAft>
-                <a:spcPts val="0"/>
-              </a:spcAft>
-              <a:buNone/>
-            </a:pPr>
-          </a:p>
-        </p:txBody>
-      </p:sp>
-    </p:spTree>
-  </p:cSld>
-  <p:clrMapOvr>
-    <a:masterClrMapping/>
-  </p:clrMapOvr>
-</p:notes>
-</file>
-
-<file path=ppt/notesSlides/notesSlide20.xml><?xml version="1.0" encoding="utf-8"?>
+<file path=ppt/notesSlides/notesSlide17.xml><?xml version="1.0" encoding="utf-8"?>
 <p:notes xmlns:a="http://schemas.openxmlformats.org/drawingml/2006/main" xmlns:r="http://schemas.openxmlformats.org/officeDocument/2006/relationships" xmlns:p="http://schemas.openxmlformats.org/presentationml/2006/main" showMasterPhAnim="0" showMasterSp="0">
   <p:cSld>
     <p:spTree>
@@ -2025,7 +1627,7 @@
 </p:notes>
 </file>
 
-<file path=ppt/notesSlides/notesSlide21.xml><?xml version="1.0" encoding="utf-8"?>
+<file path=ppt/notesSlides/notesSlide18.xml><?xml version="1.0" encoding="utf-8"?>
 <p:notes xmlns:a="http://schemas.openxmlformats.org/drawingml/2006/main" xmlns:r="http://schemas.openxmlformats.org/officeDocument/2006/relationships" xmlns:p="http://schemas.openxmlformats.org/presentationml/2006/main" showMasterPhAnim="0" showMasterSp="0">
   <p:cSld>
     <p:spTree>
@@ -2124,7 +1726,7 @@
 </p:notes>
 </file>
 
-<file path=ppt/notesSlides/notesSlide22.xml><?xml version="1.0" encoding="utf-8"?>
+<file path=ppt/notesSlides/notesSlide19.xml><?xml version="1.0" encoding="utf-8"?>
 <p:notes xmlns:a="http://schemas.openxmlformats.org/drawingml/2006/main" xmlns:r="http://schemas.openxmlformats.org/officeDocument/2006/relationships" xmlns:p="http://schemas.openxmlformats.org/presentationml/2006/main" showMasterPhAnim="0" showMasterSp="0">
   <p:cSld>
     <p:spTree>
@@ -2227,205 +1829,7 @@
 </p:notes>
 </file>
 
-<file path=ppt/notesSlides/notesSlide23.xml><?xml version="1.0" encoding="utf-8"?>
-<p:notes xmlns:a="http://schemas.openxmlformats.org/drawingml/2006/main" xmlns:r="http://schemas.openxmlformats.org/officeDocument/2006/relationships" xmlns:p="http://schemas.openxmlformats.org/presentationml/2006/main" showMasterPhAnim="0" showMasterSp="0">
-  <p:cSld>
-    <p:spTree>
-      <p:nvGrpSpPr>
-        <p:cNvPr id="310" name="Shape 310"/>
-        <p:cNvGrpSpPr/>
-        <p:nvPr/>
-      </p:nvGrpSpPr>
-      <p:grpSpPr>
-        <a:xfrm>
-          <a:off x="0" y="0"/>
-          <a:ext cx="0" cy="0"/>
-          <a:chOff x="0" y="0"/>
-          <a:chExt cx="0" cy="0"/>
-        </a:xfrm>
-      </p:grpSpPr>
-      <p:sp>
-        <p:nvSpPr>
-          <p:cNvPr id="311" name="Google Shape;311;g9dd260ecd2_0_98:notes"/>
-          <p:cNvSpPr/>
-          <p:nvPr>
-            <p:ph type="sldImg" idx="2"/>
-          </p:nvPr>
-        </p:nvSpPr>
-        <p:spPr>
-          <a:xfrm>
-            <a:off x="2104459" y="685800"/>
-            <a:ext cx="2649600" cy="3429000"/>
-          </a:xfrm>
-          <a:custGeom>
-            <a:avLst/>
-            <a:gdLst/>
-            <a:ahLst/>
-            <a:cxnLst/>
-            <a:rect l="l" t="t" r="r" b="b"/>
-            <a:pathLst>
-              <a:path w="120000" h="120000" extrusionOk="0">
-                <a:moveTo>
-                  <a:pt x="0" y="0"/>
-                </a:moveTo>
-                <a:lnTo>
-                  <a:pt x="120000" y="0"/>
-                </a:lnTo>
-                <a:lnTo>
-                  <a:pt x="120000" y="120000"/>
-                </a:lnTo>
-                <a:lnTo>
-                  <a:pt x="0" y="120000"/>
-                </a:lnTo>
-                <a:close/>
-              </a:path>
-            </a:pathLst>
-          </a:custGeom>
-        </p:spPr>
-      </p:sp>
-      <p:sp>
-        <p:nvSpPr>
-          <p:cNvPr id="312" name="Google Shape;312;g9dd260ecd2_0_98:notes"/>
-          <p:cNvSpPr txBox="1"/>
-          <p:nvPr>
-            <p:ph type="body" idx="1"/>
-          </p:nvPr>
-        </p:nvSpPr>
-        <p:spPr>
-          <a:xfrm>
-            <a:off x="685800" y="4343400"/>
-            <a:ext cx="5486400" cy="4114800"/>
-          </a:xfrm>
-          <a:prstGeom prst="rect">
-            <a:avLst/>
-          </a:prstGeom>
-        </p:spPr>
-        <p:txBody>
-          <a:bodyPr spcFirstLastPara="1" wrap="square" lIns="91425" tIns="91425" rIns="91425" bIns="91425" anchor="t" anchorCtr="0">
-            <a:noAutofit/>
-          </a:bodyPr>
-          <a:lstStyle/>
-          <a:p>
-            <a:pPr marL="0" lvl="0" indent="0" algn="l" rtl="0">
-              <a:spcBef>
-                <a:spcPts val="0"/>
-              </a:spcBef>
-              <a:spcAft>
-                <a:spcPts val="0"/>
-              </a:spcAft>
-              <a:buNone/>
-            </a:pPr>
-          </a:p>
-        </p:txBody>
-      </p:sp>
-    </p:spTree>
-  </p:cSld>
-  <p:clrMapOvr>
-    <a:masterClrMapping/>
-  </p:clrMapOvr>
-</p:notes>
-</file>
-
-<file path=ppt/notesSlides/notesSlide3.xml><?xml version="1.0" encoding="utf-8"?>
-<p:notes xmlns:a="http://schemas.openxmlformats.org/drawingml/2006/main" xmlns:r="http://schemas.openxmlformats.org/officeDocument/2006/relationships" xmlns:p="http://schemas.openxmlformats.org/presentationml/2006/main" showMasterPhAnim="0" showMasterSp="0">
-  <p:cSld>
-    <p:spTree>
-      <p:nvGrpSpPr>
-        <p:cNvPr id="189" name="Shape 189"/>
-        <p:cNvGrpSpPr/>
-        <p:nvPr/>
-      </p:nvGrpSpPr>
-      <p:grpSpPr>
-        <a:xfrm>
-          <a:off x="0" y="0"/>
-          <a:ext cx="0" cy="0"/>
-          <a:chOff x="0" y="0"/>
-          <a:chExt cx="0" cy="0"/>
-        </a:xfrm>
-      </p:grpSpPr>
-      <p:sp>
-        <p:nvSpPr>
-          <p:cNvPr id="190" name="Google Shape;190;g53cf50bd16_0_1:notes"/>
-          <p:cNvSpPr/>
-          <p:nvPr>
-            <p:ph type="sldImg" idx="2"/>
-          </p:nvPr>
-        </p:nvSpPr>
-        <p:spPr>
-          <a:xfrm>
-            <a:off x="2104459" y="685800"/>
-            <a:ext cx="2649600" cy="3429000"/>
-          </a:xfrm>
-          <a:custGeom>
-            <a:avLst/>
-            <a:gdLst/>
-            <a:ahLst/>
-            <a:cxnLst/>
-            <a:rect l="l" t="t" r="r" b="b"/>
-            <a:pathLst>
-              <a:path w="120000" h="120000" extrusionOk="0">
-                <a:moveTo>
-                  <a:pt x="0" y="0"/>
-                </a:moveTo>
-                <a:lnTo>
-                  <a:pt x="120000" y="0"/>
-                </a:lnTo>
-                <a:lnTo>
-                  <a:pt x="120000" y="120000"/>
-                </a:lnTo>
-                <a:lnTo>
-                  <a:pt x="0" y="120000"/>
-                </a:lnTo>
-                <a:close/>
-              </a:path>
-            </a:pathLst>
-          </a:custGeom>
-        </p:spPr>
-      </p:sp>
-      <p:sp>
-        <p:nvSpPr>
-          <p:cNvPr id="191" name="Google Shape;191;g53cf50bd16_0_1:notes"/>
-          <p:cNvSpPr txBox="1"/>
-          <p:nvPr>
-            <p:ph type="body" idx="1"/>
-          </p:nvPr>
-        </p:nvSpPr>
-        <p:spPr>
-          <a:xfrm>
-            <a:off x="685800" y="4343400"/>
-            <a:ext cx="5486400" cy="4114800"/>
-          </a:xfrm>
-          <a:prstGeom prst="rect">
-            <a:avLst/>
-          </a:prstGeom>
-        </p:spPr>
-        <p:txBody>
-          <a:bodyPr spcFirstLastPara="1" wrap="square" lIns="91425" tIns="91425" rIns="91425" bIns="91425" anchor="t" anchorCtr="0">
-            <a:noAutofit/>
-          </a:bodyPr>
-          <a:lstStyle/>
-          <a:p>
-            <a:pPr marL="0" lvl="0" indent="0" algn="l" rtl="0">
-              <a:spcBef>
-                <a:spcPts val="0"/>
-              </a:spcBef>
-              <a:spcAft>
-                <a:spcPts val="0"/>
-              </a:spcAft>
-              <a:buNone/>
-            </a:pPr>
-          </a:p>
-        </p:txBody>
-      </p:sp>
-    </p:spTree>
-  </p:cSld>
-  <p:clrMapOvr>
-    <a:masterClrMapping/>
-  </p:clrMapOvr>
-</p:notes>
-</file>
-
-<file path=ppt/notesSlides/notesSlide4.xml><?xml version="1.0" encoding="utf-8"?>
+<file path=ppt/notesSlides/notesSlide2.xml><?xml version="1.0" encoding="utf-8"?>
 <p:notes xmlns:a="http://schemas.openxmlformats.org/drawingml/2006/main" xmlns:r="http://schemas.openxmlformats.org/officeDocument/2006/relationships" xmlns:p="http://schemas.openxmlformats.org/presentationml/2006/main" showMasterPhAnim="0" showMasterSp="0">
   <p:cSld>
     <p:spTree>
@@ -2524,7 +1928,7 @@
 </p:notes>
 </file>
 
-<file path=ppt/notesSlides/notesSlide5.xml><?xml version="1.0" encoding="utf-8"?>
+<file path=ppt/notesSlides/notesSlide3.xml><?xml version="1.0" encoding="utf-8"?>
 <p:notes xmlns:a="http://schemas.openxmlformats.org/drawingml/2006/main" xmlns:r="http://schemas.openxmlformats.org/officeDocument/2006/relationships" xmlns:p="http://schemas.openxmlformats.org/presentationml/2006/main" showMasterPhAnim="0" showMasterSp="0">
   <p:cSld>
     <p:spTree>
@@ -2623,7 +2027,7 @@
 </p:notes>
 </file>
 
-<file path=ppt/notesSlides/notesSlide6.xml><?xml version="1.0" encoding="utf-8"?>
+<file path=ppt/notesSlides/notesSlide4.xml><?xml version="1.0" encoding="utf-8"?>
 <p:notes xmlns:a="http://schemas.openxmlformats.org/drawingml/2006/main" xmlns:r="http://schemas.openxmlformats.org/officeDocument/2006/relationships" xmlns:p="http://schemas.openxmlformats.org/presentationml/2006/main" showMasterPhAnim="0" showMasterSp="0">
   <p:cSld>
     <p:spTree>
@@ -2726,7 +2130,7 @@
 </p:notes>
 </file>
 
-<file path=ppt/notesSlides/notesSlide7.xml><?xml version="1.0" encoding="utf-8"?>
+<file path=ppt/notesSlides/notesSlide5.xml><?xml version="1.0" encoding="utf-8"?>
 <p:notes xmlns:a="http://schemas.openxmlformats.org/drawingml/2006/main" xmlns:r="http://schemas.openxmlformats.org/officeDocument/2006/relationships" xmlns:p="http://schemas.openxmlformats.org/presentationml/2006/main" showMasterPhAnim="0" showMasterSp="0">
   <p:cSld>
     <p:spTree>
@@ -2825,7 +2229,7 @@
 </p:notes>
 </file>
 
-<file path=ppt/notesSlides/notesSlide8.xml><?xml version="1.0" encoding="utf-8"?>
+<file path=ppt/notesSlides/notesSlide6.xml><?xml version="1.0" encoding="utf-8"?>
 <p:notes xmlns:a="http://schemas.openxmlformats.org/drawingml/2006/main" xmlns:r="http://schemas.openxmlformats.org/officeDocument/2006/relationships" xmlns:p="http://schemas.openxmlformats.org/presentationml/2006/main" showMasterPhAnim="0" showMasterSp="0">
   <p:cSld>
     <p:spTree>
@@ -2924,7 +2328,7 @@
 </p:notes>
 </file>
 
-<file path=ppt/notesSlides/notesSlide9.xml><?xml version="1.0" encoding="utf-8"?>
+<file path=ppt/notesSlides/notesSlide7.xml><?xml version="1.0" encoding="utf-8"?>
 <p:notes xmlns:a="http://schemas.openxmlformats.org/drawingml/2006/main" xmlns:r="http://schemas.openxmlformats.org/officeDocument/2006/relationships" xmlns:p="http://schemas.openxmlformats.org/presentationml/2006/main" showMasterPhAnim="0" showMasterSp="0">
   <p:cSld>
     <p:spTree>
@@ -2983,6 +2387,208 @@
       <p:sp>
         <p:nvSpPr>
           <p:cNvPr id="233" name="Google Shape;233;g62fb0d8af8_0_0:notes"/>
+          <p:cNvSpPr/>
+          <p:nvPr>
+            <p:ph type="sldImg" idx="2"/>
+          </p:nvPr>
+        </p:nvSpPr>
+        <p:spPr>
+          <a:xfrm>
+            <a:off x="2435369" y="685800"/>
+            <a:ext cx="1987200" cy="3429000"/>
+          </a:xfrm>
+          <a:custGeom>
+            <a:avLst/>
+            <a:gdLst/>
+            <a:ahLst/>
+            <a:cxnLst/>
+            <a:rect l="l" t="t" r="r" b="b"/>
+            <a:pathLst>
+              <a:path w="120000" h="120000" extrusionOk="0">
+                <a:moveTo>
+                  <a:pt x="0" y="0"/>
+                </a:moveTo>
+                <a:lnTo>
+                  <a:pt x="120000" y="0"/>
+                </a:lnTo>
+                <a:lnTo>
+                  <a:pt x="120000" y="120000"/>
+                </a:lnTo>
+                <a:lnTo>
+                  <a:pt x="0" y="120000"/>
+                </a:lnTo>
+                <a:close/>
+              </a:path>
+            </a:pathLst>
+          </a:custGeom>
+        </p:spPr>
+      </p:sp>
+    </p:spTree>
+  </p:cSld>
+  <p:clrMapOvr>
+    <a:masterClrMapping/>
+  </p:clrMapOvr>
+</p:notes>
+</file>
+
+<file path=ppt/notesSlides/notesSlide8.xml><?xml version="1.0" encoding="utf-8"?>
+<p:notes xmlns:a="http://schemas.openxmlformats.org/drawingml/2006/main" xmlns:r="http://schemas.openxmlformats.org/officeDocument/2006/relationships" xmlns:p="http://schemas.openxmlformats.org/presentationml/2006/main" showMasterPhAnim="0" showMasterSp="0">
+  <p:cSld>
+    <p:spTree>
+      <p:nvGrpSpPr>
+        <p:cNvPr id="237" name="Shape 237"/>
+        <p:cNvGrpSpPr/>
+        <p:nvPr/>
+      </p:nvGrpSpPr>
+      <p:grpSpPr>
+        <a:xfrm>
+          <a:off x="0" y="0"/>
+          <a:ext cx="0" cy="0"/>
+          <a:chOff x="0" y="0"/>
+          <a:chExt cx="0" cy="0"/>
+        </a:xfrm>
+      </p:grpSpPr>
+      <p:sp>
+        <p:nvSpPr>
+          <p:cNvPr id="238" name="Google Shape;238;g8d8c850c25_0_103:notes"/>
+          <p:cNvSpPr/>
+          <p:nvPr>
+            <p:ph type="sldImg" idx="2"/>
+          </p:nvPr>
+        </p:nvSpPr>
+        <p:spPr>
+          <a:xfrm>
+            <a:off x="2104459" y="685800"/>
+            <a:ext cx="2649600" cy="3429000"/>
+          </a:xfrm>
+          <a:custGeom>
+            <a:avLst/>
+            <a:gdLst/>
+            <a:ahLst/>
+            <a:cxnLst/>
+            <a:rect l="l" t="t" r="r" b="b"/>
+            <a:pathLst>
+              <a:path w="120000" h="120000" extrusionOk="0">
+                <a:moveTo>
+                  <a:pt x="0" y="0"/>
+                </a:moveTo>
+                <a:lnTo>
+                  <a:pt x="120000" y="0"/>
+                </a:lnTo>
+                <a:lnTo>
+                  <a:pt x="120000" y="120000"/>
+                </a:lnTo>
+                <a:lnTo>
+                  <a:pt x="0" y="120000"/>
+                </a:lnTo>
+                <a:close/>
+              </a:path>
+            </a:pathLst>
+          </a:custGeom>
+        </p:spPr>
+      </p:sp>
+      <p:sp>
+        <p:nvSpPr>
+          <p:cNvPr id="239" name="Google Shape;239;g8d8c850c25_0_103:notes"/>
+          <p:cNvSpPr txBox="1"/>
+          <p:nvPr>
+            <p:ph type="body" idx="1"/>
+          </p:nvPr>
+        </p:nvSpPr>
+        <p:spPr>
+          <a:xfrm>
+            <a:off x="685800" y="4343400"/>
+            <a:ext cx="5486400" cy="4114800"/>
+          </a:xfrm>
+          <a:prstGeom prst="rect">
+            <a:avLst/>
+          </a:prstGeom>
+        </p:spPr>
+        <p:txBody>
+          <a:bodyPr spcFirstLastPara="1" wrap="square" lIns="91425" tIns="91425" rIns="91425" bIns="91425" anchor="t" anchorCtr="0">
+            <a:noAutofit/>
+          </a:bodyPr>
+          <a:lstStyle/>
+          <a:p>
+            <a:pPr marL="0" lvl="0" indent="0" algn="l" rtl="0">
+              <a:spcBef>
+                <a:spcPts val="0"/>
+              </a:spcBef>
+              <a:spcAft>
+                <a:spcPts val="0"/>
+              </a:spcAft>
+              <a:buNone/>
+            </a:pPr>
+          </a:p>
+        </p:txBody>
+      </p:sp>
+    </p:spTree>
+  </p:cSld>
+  <p:clrMapOvr>
+    <a:masterClrMapping/>
+  </p:clrMapOvr>
+</p:notes>
+</file>
+
+<file path=ppt/notesSlides/notesSlide9.xml><?xml version="1.0" encoding="utf-8"?>
+<p:notes xmlns:a="http://schemas.openxmlformats.org/drawingml/2006/main" xmlns:r="http://schemas.openxmlformats.org/officeDocument/2006/relationships" xmlns:p="http://schemas.openxmlformats.org/presentationml/2006/main" showMasterPhAnim="0" showMasterSp="0">
+  <p:cSld>
+    <p:spTree>
+      <p:nvGrpSpPr>
+        <p:cNvPr id="242" name="Shape 242"/>
+        <p:cNvGrpSpPr/>
+        <p:nvPr/>
+      </p:nvGrpSpPr>
+      <p:grpSpPr>
+        <a:xfrm>
+          <a:off x="0" y="0"/>
+          <a:ext cx="0" cy="0"/>
+          <a:chOff x="0" y="0"/>
+          <a:chExt cx="0" cy="0"/>
+        </a:xfrm>
+      </p:grpSpPr>
+      <p:sp>
+        <p:nvSpPr>
+          <p:cNvPr id="243" name="Google Shape;243;g64b864f3db_0_1:notes"/>
+          <p:cNvSpPr txBox="1"/>
+          <p:nvPr>
+            <p:ph type="body" idx="1"/>
+          </p:nvPr>
+        </p:nvSpPr>
+        <p:spPr>
+          <a:xfrm>
+            <a:off x="914400" y="4343400"/>
+            <a:ext cx="5029200" cy="4114800"/>
+          </a:xfrm>
+          <a:prstGeom prst="rect">
+            <a:avLst/>
+          </a:prstGeom>
+          <a:noFill/>
+          <a:ln>
+            <a:noFill/>
+          </a:ln>
+        </p:spPr>
+        <p:txBody>
+          <a:bodyPr spcFirstLastPara="1" wrap="square" lIns="91425" tIns="91425" rIns="91425" bIns="91425" anchor="ctr" anchorCtr="0">
+            <a:noAutofit/>
+          </a:bodyPr>
+          <a:lstStyle/>
+          <a:p>
+            <a:pPr marL="0" lvl="0" indent="0" algn="l" rtl="0">
+              <a:spcBef>
+                <a:spcPts val="0"/>
+              </a:spcBef>
+              <a:spcAft>
+                <a:spcPts val="0"/>
+              </a:spcAft>
+              <a:buNone/>
+            </a:pPr>
+          </a:p>
+        </p:txBody>
+      </p:sp>
+      <p:sp>
+        <p:nvSpPr>
+          <p:cNvPr id="244" name="Google Shape;244;g64b864f3db_0_1:notes"/>
           <p:cNvSpPr/>
           <p:nvPr>
             <p:ph type="sldImg" idx="2"/>
@@ -26665,6 +26271,18 @@
               </a:rPr>
               <a:t>Prepared by:</a:t>
             </a:r>
+            <a:r>
+              <a:rPr lang="en-US" altLang="en-GB" i="1">
+                <a:solidFill>
+                  <a:srgbClr val="EEEEEE"/>
+                </a:solidFill>
+                <a:latin typeface="Open Sans" panose="020B0606030504020204"/>
+                <a:ea typeface="Open Sans" panose="020B0606030504020204"/>
+                <a:cs typeface="Open Sans" panose="020B0606030504020204"/>
+                <a:sym typeface="Open Sans" panose="020B0606030504020204"/>
+              </a:rPr>
+              <a:t> Cao Hoai Phuong</a:t>
+            </a:r>
             <a:endParaRPr i="1">
               <a:solidFill>
                 <a:srgbClr val="EEEEEE"/>
@@ -26729,192 +26347,28 @@
           </a:p>
         </p:txBody>
       </p:sp>
-    </p:spTree>
-  </p:cSld>
-  <p:clrMapOvr>
-    <a:masterClrMapping/>
-  </p:clrMapOvr>
-</p:sld>
-</file>
-
-<file path=ppt/slides/slide10.xml><?xml version="1.0" encoding="utf-8"?>
-<p:sld xmlns:a="http://schemas.openxmlformats.org/drawingml/2006/main" xmlns:r="http://schemas.openxmlformats.org/officeDocument/2006/relationships" xmlns:p="http://schemas.openxmlformats.org/presentationml/2006/main">
-  <p:cSld>
-    <p:spTree>
-      <p:nvGrpSpPr>
-        <p:cNvPr id="240" name="Shape 240"/>
-        <p:cNvGrpSpPr/>
-        <p:nvPr/>
-      </p:nvGrpSpPr>
-      <p:grpSpPr>
-        <a:xfrm>
-          <a:off x="0" y="0"/>
-          <a:ext cx="0" cy="0"/>
-          <a:chOff x="0" y="0"/>
-          <a:chExt cx="0" cy="0"/>
-        </a:xfrm>
-      </p:grpSpPr>
       <p:sp>
         <p:nvSpPr>
-          <p:cNvPr id="241" name="Google Shape;241;p60"/>
+          <p:cNvPr id="2" name="Text Box 1"/>
           <p:cNvSpPr txBox="1"/>
-          <p:nvPr>
-            <p:ph type="body" idx="1"/>
-          </p:nvPr>
+          <p:nvPr/>
         </p:nvSpPr>
         <p:spPr>
           <a:xfrm>
-            <a:off x="264900" y="110600"/>
-            <a:ext cx="7366800" cy="1041900"/>
+            <a:off x="3187065" y="8682990"/>
+            <a:ext cx="2590800" cy="306705"/>
           </a:xfrm>
           <a:prstGeom prst="rect">
             <a:avLst/>
           </a:prstGeom>
+          <a:noFill/>
         </p:spPr>
         <p:txBody>
-          <a:bodyPr spcFirstLastPara="1" wrap="square" lIns="91425" tIns="91425" rIns="91425" bIns="91425" anchor="t" anchorCtr="0">
-            <a:noAutofit/>
+          <a:bodyPr wrap="square" rtlCol="0">
+            <a:spAutoFit/>
           </a:bodyPr>
-          <a:lstStyle/>
           <a:p>
-            <a:pPr marL="241300" marR="241300" lvl="0" indent="0" algn="just" rtl="0">
-              <a:lnSpc>
-                <a:spcPct val="170000"/>
-              </a:lnSpc>
-              <a:spcBef>
-                <a:spcPts val="3800"/>
-              </a:spcBef>
-              <a:spcAft>
-                <a:spcPts val="0"/>
-              </a:spcAft>
-              <a:buNone/>
-            </a:pPr>
-            <a:r>
-              <a:rPr lang="en-GB" sz="1600">
-                <a:solidFill>
-                  <a:srgbClr val="525C65"/>
-                </a:solidFill>
-                <a:highlight>
-                  <a:srgbClr val="FFFFFF"/>
-                </a:highlight>
-                <a:latin typeface="Open Sans" panose="020B0606030504020204"/>
-                <a:ea typeface="Open Sans" panose="020B0606030504020204"/>
-                <a:cs typeface="Open Sans" panose="020B0606030504020204"/>
-                <a:sym typeface="Open Sans" panose="020B0606030504020204"/>
-              </a:rPr>
-              <a:t>Create the first version of the Metadata Catalog by documenting the metadata from all systems in the "Data Dictionary" and the “Enterprise Data Catalog” tabs of the provided Sheets template.</a:t>
-            </a:r>
-            <a:endParaRPr sz="1600">
-              <a:solidFill>
-                <a:srgbClr val="525C65"/>
-              </a:solidFill>
-              <a:highlight>
-                <a:srgbClr val="FFFFFF"/>
-              </a:highlight>
-              <a:latin typeface="Open Sans" panose="020B0606030504020204"/>
-              <a:ea typeface="Open Sans" panose="020B0606030504020204"/>
-              <a:cs typeface="Open Sans" panose="020B0606030504020204"/>
-              <a:sym typeface="Open Sans" panose="020B0606030504020204"/>
-            </a:endParaRPr>
-          </a:p>
-          <a:p>
-            <a:pPr marL="241300" marR="241300" lvl="0" indent="0" algn="just" rtl="0">
-              <a:lnSpc>
-                <a:spcPct val="170000"/>
-              </a:lnSpc>
-              <a:spcBef>
-                <a:spcPts val="3800"/>
-              </a:spcBef>
-              <a:spcAft>
-                <a:spcPts val="1100"/>
-              </a:spcAft>
-              <a:buClr>
-                <a:schemeClr val="dk1"/>
-              </a:buClr>
-              <a:buSzPts val="1100"/>
-              <a:buFont typeface="Arial" panose="020B0604020202020204"/>
-              <a:buNone/>
-            </a:pPr>
-            <a:r>
-              <a:rPr lang="en-GB" sz="1600">
-                <a:solidFill>
-                  <a:srgbClr val="525C65"/>
-                </a:solidFill>
-                <a:highlight>
-                  <a:srgbClr val="FFFFFF"/>
-                </a:highlight>
-                <a:latin typeface="Open Sans" panose="020B0606030504020204"/>
-                <a:ea typeface="Open Sans" panose="020B0606030504020204"/>
-                <a:cs typeface="Open Sans" panose="020B0606030504020204"/>
-                <a:sym typeface="Open Sans" panose="020B0606030504020204"/>
-              </a:rPr>
-              <a:t>Please note that you are required to fill out </a:t>
-            </a:r>
-            <a:r>
-              <a:rPr lang="en-GB" sz="1600" b="1">
-                <a:solidFill>
-                  <a:srgbClr val="525C65"/>
-                </a:solidFill>
-                <a:highlight>
-                  <a:srgbClr val="FFFFFF"/>
-                </a:highlight>
-                <a:latin typeface="Open Sans" panose="020B0606030504020204"/>
-                <a:ea typeface="Open Sans" panose="020B0606030504020204"/>
-                <a:cs typeface="Open Sans" panose="020B0606030504020204"/>
-                <a:sym typeface="Open Sans" panose="020B0606030504020204"/>
-              </a:rPr>
-              <a:t>all fields</a:t>
-            </a:r>
-            <a:r>
-              <a:rPr lang="en-GB" sz="1600">
-                <a:solidFill>
-                  <a:srgbClr val="525C65"/>
-                </a:solidFill>
-                <a:highlight>
-                  <a:srgbClr val="FFFFFF"/>
-                </a:highlight>
-                <a:latin typeface="Open Sans" panose="020B0606030504020204"/>
-                <a:ea typeface="Open Sans" panose="020B0606030504020204"/>
-                <a:cs typeface="Open Sans" panose="020B0606030504020204"/>
-                <a:sym typeface="Open Sans" panose="020B0606030504020204"/>
-              </a:rPr>
-              <a:t> in </a:t>
-            </a:r>
-            <a:r>
-              <a:rPr lang="en-GB" sz="1600" b="1">
-                <a:solidFill>
-                  <a:srgbClr val="525C65"/>
-                </a:solidFill>
-                <a:highlight>
-                  <a:srgbClr val="FFFFFF"/>
-                </a:highlight>
-                <a:latin typeface="Open Sans" panose="020B0606030504020204"/>
-                <a:ea typeface="Open Sans" panose="020B0606030504020204"/>
-                <a:cs typeface="Open Sans" panose="020B0606030504020204"/>
-                <a:sym typeface="Open Sans" panose="020B0606030504020204"/>
-              </a:rPr>
-              <a:t>both tabs</a:t>
-            </a:r>
-            <a:r>
-              <a:rPr lang="en-GB" sz="1600">
-                <a:solidFill>
-                  <a:srgbClr val="525C65"/>
-                </a:solidFill>
-                <a:highlight>
-                  <a:srgbClr val="FFFFFF"/>
-                </a:highlight>
-                <a:latin typeface="Open Sans" panose="020B0606030504020204"/>
-                <a:ea typeface="Open Sans" panose="020B0606030504020204"/>
-                <a:cs typeface="Open Sans" panose="020B0606030504020204"/>
-                <a:sym typeface="Open Sans" panose="020B0606030504020204"/>
-              </a:rPr>
-              <a:t>.</a:t>
-            </a:r>
-            <a:endParaRPr sz="1600">
-              <a:solidFill>
-                <a:srgbClr val="525C65"/>
-              </a:solidFill>
-            </a:endParaRPr>
+            <a:endParaRPr lang="en-US"/>
           </a:p>
         </p:txBody>
       </p:sp>
@@ -26926,7 +26380,7 @@
 </p:sld>
 </file>
 
-<file path=ppt/slides/slide11.xml><?xml version="1.0" encoding="utf-8"?>
+<file path=ppt/slides/slide10.xml><?xml version="1.0" encoding="utf-8"?>
 <p:sld xmlns:a="http://schemas.openxmlformats.org/drawingml/2006/main" xmlns:r="http://schemas.openxmlformats.org/officeDocument/2006/relationships" xmlns:p="http://schemas.openxmlformats.org/presentationml/2006/main">
   <p:cSld>
     <p:bg>
@@ -27157,7 +26611,7 @@
 </p:sld>
 </file>
 
-<file path=ppt/slides/slide12.xml><?xml version="1.0" encoding="utf-8"?>
+<file path=ppt/slides/slide11.xml><?xml version="1.0" encoding="utf-8"?>
 <p:sld xmlns:a="http://schemas.openxmlformats.org/drawingml/2006/main" xmlns:r="http://schemas.openxmlformats.org/officeDocument/2006/relationships" xmlns:p="http://schemas.openxmlformats.org/presentationml/2006/main">
   <p:cSld>
     <p:spTree>
@@ -27182,8 +26636,8 @@
         </p:nvSpPr>
         <p:spPr>
           <a:xfrm>
-            <a:off x="504500" y="425675"/>
-            <a:ext cx="6810600" cy="3000000"/>
+            <a:off x="144780" y="425450"/>
+            <a:ext cx="7627620" cy="1993265"/>
           </a:xfrm>
           <a:prstGeom prst="rect">
             <a:avLst/>
@@ -27254,10 +26708,10 @@
                 <a:cs typeface="Open Sans" panose="020B0606030504020204"/>
                 <a:sym typeface="Open Sans" panose="020B0606030504020204"/>
               </a:rPr>
-              <a:t> you see in the data. Also provide </a:t>
+              <a:t> </a:t>
             </a:r>
             <a:r>
-              <a:rPr lang="en-GB" sz="1600" b="1">
+              <a:rPr lang="en-US" altLang="en-GB" sz="1600">
                 <a:solidFill>
                   <a:srgbClr val="525C65"/>
                 </a:solidFill>
@@ -27269,7 +26723,7 @@
                 <a:cs typeface="Open Sans" panose="020B0606030504020204"/>
                 <a:sym typeface="Open Sans" panose="020B0606030504020204"/>
               </a:rPr>
-              <a:t>at least 1 data quality issue that you haven’t yet seen</a:t>
+              <a:t>that found </a:t>
             </a:r>
             <a:r>
               <a:rPr lang="en-GB" sz="1600">
@@ -27284,9 +26738,39 @@
                 <a:cs typeface="Open Sans" panose="020B0606030504020204"/>
                 <a:sym typeface="Open Sans" panose="020B0606030504020204"/>
               </a:rPr>
-              <a:t> in the data, but can foresee occurring in the future. Based on the issues you’ve identified, come up with the data quality rule for each data quality issue, including for the one that you foresee.</a:t>
+              <a:t>in the data. Also provide </a:t>
             </a:r>
-            <a:endParaRPr sz="1600">
+            <a:r>
+              <a:rPr lang="en-GB" sz="1600" b="1">
+                <a:solidFill>
+                  <a:srgbClr val="525C65"/>
+                </a:solidFill>
+                <a:highlight>
+                  <a:srgbClr val="FFFFFF"/>
+                </a:highlight>
+                <a:latin typeface="Open Sans" panose="020B0606030504020204"/>
+                <a:ea typeface="Open Sans" panose="020B0606030504020204"/>
+                <a:cs typeface="Open Sans" panose="020B0606030504020204"/>
+                <a:sym typeface="Open Sans" panose="020B0606030504020204"/>
+              </a:rPr>
+              <a:t>at least 1 data quality issue that haven’t yet seen</a:t>
+            </a:r>
+            <a:r>
+              <a:rPr lang="en-GB" sz="1600">
+                <a:solidFill>
+                  <a:srgbClr val="525C65"/>
+                </a:solidFill>
+                <a:highlight>
+                  <a:srgbClr val="FFFFFF"/>
+                </a:highlight>
+                <a:latin typeface="Open Sans" panose="020B0606030504020204"/>
+                <a:ea typeface="Open Sans" panose="020B0606030504020204"/>
+                <a:cs typeface="Open Sans" panose="020B0606030504020204"/>
+                <a:sym typeface="Open Sans" panose="020B0606030504020204"/>
+              </a:rPr>
+              <a:t> in the data, but can foresee occurring in the future. </a:t>
+            </a:r>
+            <a:endParaRPr lang="en-GB" sz="1600">
               <a:solidFill>
                 <a:srgbClr val="525C65"/>
               </a:solidFill>
@@ -27305,43 +26789,17 @@
                 <a:spcPct val="170000"/>
               </a:lnSpc>
               <a:spcBef>
-                <a:spcPts val="1100"/>
-              </a:spcBef>
-              <a:spcAft>
-                <a:spcPts val="0"/>
-              </a:spcAft>
-              <a:buNone/>
-            </a:pPr>
-            <a:endParaRPr sz="1600">
-              <a:solidFill>
-                <a:srgbClr val="525C65"/>
-              </a:solidFill>
-              <a:highlight>
-                <a:srgbClr val="FFFFFF"/>
-              </a:highlight>
-              <a:latin typeface="Open Sans" panose="020B0606030504020204"/>
-              <a:ea typeface="Open Sans" panose="020B0606030504020204"/>
-              <a:cs typeface="Open Sans" panose="020B0606030504020204"/>
-              <a:sym typeface="Open Sans" panose="020B0606030504020204"/>
-            </a:endParaRPr>
-          </a:p>
-          <a:p>
-            <a:pPr marL="0" lvl="0" indent="0" algn="just" rtl="0">
-              <a:lnSpc>
-                <a:spcPct val="170000"/>
-              </a:lnSpc>
-              <a:spcBef>
-                <a:spcPts val="1100"/>
-              </a:spcBef>
-              <a:spcAft>
-                <a:spcPts val="1100"/>
+                <a:spcPts val="0"/>
+              </a:spcBef>
+              <a:spcAft>
+                <a:spcPts val="0"/>
               </a:spcAft>
               <a:buNone/>
             </a:pPr>
             <a:r>
-              <a:rPr lang="en-GB" sz="1600">
-                <a:solidFill>
-                  <a:srgbClr val="525C65"/>
+              <a:rPr sz="1600" i="1">
+                <a:solidFill>
+                  <a:srgbClr val="FF0000"/>
                 </a:solidFill>
                 <a:highlight>
                   <a:srgbClr val="FFFFFF"/>
@@ -27351,12 +26809,12 @@
                 <a:cs typeface="Open Sans" panose="020B0606030504020204"/>
                 <a:sym typeface="Open Sans" panose="020B0606030504020204"/>
               </a:rPr>
-              <a:t>Make sure you fill out </a:t>
+              <a:t>Please </a:t>
             </a:r>
             <a:r>
-              <a:rPr lang="en-GB" sz="1600" b="1">
-                <a:solidFill>
-                  <a:srgbClr val="525C65"/>
+              <a:rPr lang="en-US" sz="1600" i="1">
+                <a:solidFill>
+                  <a:srgbClr val="FF0000"/>
                 </a:solidFill>
                 <a:highlight>
                   <a:srgbClr val="FFFFFF"/>
@@ -27366,12 +26824,12 @@
                 <a:cs typeface="Open Sans" panose="020B0606030504020204"/>
                 <a:sym typeface="Open Sans" panose="020B0606030504020204"/>
               </a:rPr>
-              <a:t>all</a:t>
+              <a:t>refer to </a:t>
             </a:r>
             <a:r>
-              <a:rPr lang="en-GB" sz="1600">
-                <a:solidFill>
-                  <a:srgbClr val="525C65"/>
+              <a:rPr sz="1600" i="1">
+                <a:solidFill>
+                  <a:srgbClr val="FF0000"/>
                 </a:solidFill>
                 <a:highlight>
                   <a:srgbClr val="FFFFFF"/>
@@ -27381,11 +26839,11 @@
                 <a:cs typeface="Open Sans" panose="020B0606030504020204"/>
                 <a:sym typeface="Open Sans" panose="020B0606030504020204"/>
               </a:rPr>
-              <a:t> columns in the "Data Quality Issues" tab with your answers in the provided Sheets template.</a:t>
+              <a:t>‘EnterpriseDataCatalog.xlsx’ File</a:t>
             </a:r>
-            <a:endParaRPr sz="1600">
+            <a:endParaRPr sz="1600" i="1">
               <a:solidFill>
-                <a:srgbClr val="525C65"/>
+                <a:srgbClr val="FF0000"/>
               </a:solidFill>
               <a:highlight>
                 <a:srgbClr val="FFFFFF"/>
@@ -27398,6 +26856,30 @@
           </a:p>
         </p:txBody>
       </p:sp>
+      <p:pic>
+        <p:nvPicPr>
+          <p:cNvPr id="2" name="Picture 1"/>
+          <p:cNvPicPr>
+            <a:picLocks noChangeAspect="1"/>
+          </p:cNvPicPr>
+          <p:nvPr/>
+        </p:nvPicPr>
+        <p:blipFill>
+          <a:blip r:embed="rId1"/>
+          <a:stretch>
+            <a:fillRect/>
+          </a:stretch>
+        </p:blipFill>
+        <p:spPr>
+          <a:xfrm>
+            <a:off x="-1905" y="2580640"/>
+            <a:ext cx="7576185" cy="1711960"/>
+          </a:xfrm>
+          <a:prstGeom prst="rect">
+            <a:avLst/>
+          </a:prstGeom>
+        </p:spPr>
+      </p:pic>
     </p:spTree>
   </p:cSld>
   <p:clrMapOvr>
@@ -27406,7 +26888,7 @@
 </p:sld>
 </file>
 
-<file path=ppt/slides/slide13.xml><?xml version="1.0" encoding="utf-8"?>
+<file path=ppt/slides/slide12.xml><?xml version="1.0" encoding="utf-8"?>
 <p:sld xmlns:a="http://schemas.openxmlformats.org/drawingml/2006/main" xmlns:r="http://schemas.openxmlformats.org/officeDocument/2006/relationships" xmlns:p="http://schemas.openxmlformats.org/presentationml/2006/main">
   <p:cSld>
     <p:bg>
@@ -27637,7 +27119,7 @@
 </p:sld>
 </file>
 
-<file path=ppt/slides/slide14.xml><?xml version="1.0" encoding="utf-8"?>
+<file path=ppt/slides/slide13.xml><?xml version="1.0" encoding="utf-8"?>
 <p:sld xmlns:a="http://schemas.openxmlformats.org/drawingml/2006/main" xmlns:r="http://schemas.openxmlformats.org/officeDocument/2006/relationships" xmlns:p="http://schemas.openxmlformats.org/presentationml/2006/main">
   <p:cSld>
     <p:spTree>
@@ -27664,8 +27146,8 @@
         </p:nvSpPr>
         <p:spPr>
           <a:xfrm>
-            <a:off x="369675" y="695675"/>
-            <a:ext cx="6914100" cy="1371300"/>
+            <a:off x="369570" y="695960"/>
+            <a:ext cx="6913880" cy="1753235"/>
           </a:xfrm>
           <a:prstGeom prst="rect">
             <a:avLst/>
@@ -27695,7 +27177,7 @@
               <a:buNone/>
             </a:pPr>
             <a:r>
-              <a:rPr lang="en-GB" sz="1600">
+              <a:rPr lang="en-US" altLang="en-GB" sz="1600">
                 <a:solidFill>
                   <a:srgbClr val="525C65"/>
                 </a:solidFill>
@@ -27707,7 +27189,22 @@
                 <a:cs typeface="Open Sans" panose="020B0606030504020204"/>
                 <a:sym typeface="Open Sans" panose="020B0606030504020204"/>
               </a:rPr>
-              <a:t>Using the metrics you've created in the last step, please create a mock-up of a data quality </a:t>
+              <a:t>The Jupyter notebook together with some library such as numpy, matplotlib.pyplot, pandas that used to explore and draw the </a:t>
+            </a:r>
+            <a:r>
+              <a:rPr lang="en-GB" sz="1600">
+                <a:solidFill>
+                  <a:srgbClr val="525C65"/>
+                </a:solidFill>
+                <a:highlight>
+                  <a:srgbClr val="FFFFFF"/>
+                </a:highlight>
+                <a:latin typeface="Open Sans" panose="020B0606030504020204"/>
+                <a:ea typeface="Open Sans" panose="020B0606030504020204"/>
+                <a:cs typeface="Open Sans" panose="020B0606030504020204"/>
+                <a:sym typeface="Open Sans" panose="020B0606030504020204"/>
+              </a:rPr>
+              <a:t>data quality </a:t>
             </a:r>
             <a:r>
               <a:rPr lang="en-GB" sz="1600" b="1">
@@ -27737,36 +27234,10 @@
                 <a:cs typeface="Open Sans" panose="020B0606030504020204"/>
                 <a:sym typeface="Open Sans" panose="020B0606030504020204"/>
               </a:rPr>
-              <a:t> that will be used to monitor the data to ensure compliance with your data quality rules.</a:t>
+              <a:t> that will be used to monitor the data to ensure compliance with data quality rules</a:t>
             </a:r>
-            <a:endParaRPr sz="1600">
-              <a:solidFill>
-                <a:srgbClr val="525C65"/>
-              </a:solidFill>
-              <a:highlight>
-                <a:srgbClr val="FFFFFF"/>
-              </a:highlight>
-              <a:latin typeface="Open Sans" panose="020B0606030504020204"/>
-              <a:ea typeface="Open Sans" panose="020B0606030504020204"/>
-              <a:cs typeface="Open Sans" panose="020B0606030504020204"/>
-              <a:sym typeface="Open Sans" panose="020B0606030504020204"/>
-            </a:endParaRPr>
-          </a:p>
-          <a:p>
-            <a:pPr marL="0" lvl="0" indent="0" algn="l" rtl="0">
-              <a:lnSpc>
-                <a:spcPct val="170000"/>
-              </a:lnSpc>
-              <a:spcBef>
-                <a:spcPts val="1100"/>
-              </a:spcBef>
-              <a:spcAft>
-                <a:spcPts val="0"/>
-              </a:spcAft>
-              <a:buNone/>
-            </a:pPr>
             <a:r>
-              <a:rPr lang="en-GB" sz="1600">
+              <a:rPr lang="en-US" altLang="en-GB" sz="1600">
                 <a:solidFill>
                   <a:srgbClr val="525C65"/>
                 </a:solidFill>
@@ -27778,132 +27249,9 @@
                 <a:cs typeface="Open Sans" panose="020B0606030504020204"/>
                 <a:sym typeface="Open Sans" panose="020B0606030504020204"/>
               </a:rPr>
-              <a:t>Please </a:t>
+              <a:t>.</a:t>
             </a:r>
-            <a:r>
-              <a:rPr lang="en-GB" sz="1600" b="1">
-                <a:solidFill>
-                  <a:srgbClr val="525C65"/>
-                </a:solidFill>
-                <a:highlight>
-                  <a:srgbClr val="FFFFFF"/>
-                </a:highlight>
-                <a:latin typeface="Open Sans" panose="020B0606030504020204"/>
-                <a:ea typeface="Open Sans" panose="020B0606030504020204"/>
-                <a:cs typeface="Open Sans" panose="020B0606030504020204"/>
-                <a:sym typeface="Open Sans" panose="020B0606030504020204"/>
-              </a:rPr>
-              <a:t>make sure to label your metrics clearly</a:t>
-            </a:r>
-            <a:r>
-              <a:rPr lang="en-GB" sz="1600">
-                <a:solidFill>
-                  <a:srgbClr val="525C65"/>
-                </a:solidFill>
-                <a:highlight>
-                  <a:srgbClr val="FFFFFF"/>
-                </a:highlight>
-                <a:latin typeface="Open Sans" panose="020B0606030504020204"/>
-                <a:ea typeface="Open Sans" panose="020B0606030504020204"/>
-                <a:cs typeface="Open Sans" panose="020B0606030504020204"/>
-                <a:sym typeface="Open Sans" panose="020B0606030504020204"/>
-              </a:rPr>
-              <a:t> on your mock-up.</a:t>
-            </a:r>
-            <a:endParaRPr sz="1600">
-              <a:solidFill>
-                <a:srgbClr val="525C65"/>
-              </a:solidFill>
-              <a:highlight>
-                <a:srgbClr val="FFFFFF"/>
-              </a:highlight>
-              <a:latin typeface="Open Sans" panose="020B0606030504020204"/>
-              <a:ea typeface="Open Sans" panose="020B0606030504020204"/>
-              <a:cs typeface="Open Sans" panose="020B0606030504020204"/>
-              <a:sym typeface="Open Sans" panose="020B0606030504020204"/>
-            </a:endParaRPr>
-          </a:p>
-          <a:p>
-            <a:pPr marL="0" lvl="0" indent="0" algn="l" rtl="0">
-              <a:lnSpc>
-                <a:spcPct val="170000"/>
-              </a:lnSpc>
-              <a:spcBef>
-                <a:spcPts val="1100"/>
-              </a:spcBef>
-              <a:spcAft>
-                <a:spcPts val="0"/>
-              </a:spcAft>
-              <a:buNone/>
-            </a:pPr>
-            <a:endParaRPr sz="1600">
-              <a:solidFill>
-                <a:srgbClr val="525C65"/>
-              </a:solidFill>
-              <a:highlight>
-                <a:srgbClr val="FFFFFF"/>
-              </a:highlight>
-              <a:latin typeface="Open Sans" panose="020B0606030504020204"/>
-              <a:ea typeface="Open Sans" panose="020B0606030504020204"/>
-              <a:cs typeface="Open Sans" panose="020B0606030504020204"/>
-              <a:sym typeface="Open Sans" panose="020B0606030504020204"/>
-            </a:endParaRPr>
-          </a:p>
-          <a:p>
-            <a:pPr marL="0" lvl="0" indent="0" algn="l" rtl="0">
-              <a:lnSpc>
-                <a:spcPct val="170000"/>
-              </a:lnSpc>
-              <a:spcBef>
-                <a:spcPts val="1100"/>
-              </a:spcBef>
-              <a:spcAft>
-                <a:spcPts val="0"/>
-              </a:spcAft>
-              <a:buNone/>
-            </a:pPr>
-            <a:r>
-              <a:rPr lang="en-GB" sz="1600" b="1">
-                <a:solidFill>
-                  <a:srgbClr val="525C65"/>
-                </a:solidFill>
-                <a:highlight>
-                  <a:schemeClr val="lt1"/>
-                </a:highlight>
-                <a:latin typeface="Open Sans" panose="020B0606030504020204"/>
-                <a:ea typeface="Open Sans" panose="020B0606030504020204"/>
-                <a:cs typeface="Open Sans" panose="020B0606030504020204"/>
-                <a:sym typeface="Open Sans" panose="020B0606030504020204"/>
-              </a:rPr>
-              <a:t>Replace the example dashboard below with your own. (obviously feel free to take more space).</a:t>
-            </a:r>
-            <a:endParaRPr sz="1600">
-              <a:solidFill>
-                <a:srgbClr val="525C65"/>
-              </a:solidFill>
-              <a:highlight>
-                <a:schemeClr val="lt1"/>
-              </a:highlight>
-              <a:latin typeface="Open Sans" panose="020B0606030504020204"/>
-              <a:ea typeface="Open Sans" panose="020B0606030504020204"/>
-              <a:cs typeface="Open Sans" panose="020B0606030504020204"/>
-              <a:sym typeface="Open Sans" panose="020B0606030504020204"/>
-            </a:endParaRPr>
-          </a:p>
-          <a:p>
-            <a:pPr marL="0" lvl="0" indent="0" algn="l" rtl="0">
-              <a:lnSpc>
-                <a:spcPct val="170000"/>
-              </a:lnSpc>
-              <a:spcBef>
-                <a:spcPts val="1100"/>
-              </a:spcBef>
-              <a:spcAft>
-                <a:spcPts val="1100"/>
-              </a:spcAft>
-              <a:buNone/>
-            </a:pPr>
-            <a:endParaRPr sz="1600">
+            <a:endParaRPr lang="en-US" altLang="en-GB" sz="1600">
               <a:solidFill>
                 <a:srgbClr val="525C65"/>
               </a:solidFill>
@@ -27920,8 +27268,10 @@
       </p:sp>
       <p:pic>
         <p:nvPicPr>
-          <p:cNvPr id="264" name="Google Shape;264;p64"/>
-          <p:cNvPicPr preferRelativeResize="0"/>
+          <p:cNvPr id="7" name="Picture 6"/>
+          <p:cNvPicPr>
+            <a:picLocks noChangeAspect="1"/>
+          </p:cNvPicPr>
           <p:nvPr/>
         </p:nvPicPr>
         <p:blipFill>
@@ -27932,14 +27282,144 @@
         </p:blipFill>
         <p:spPr>
           <a:xfrm>
-            <a:off x="369675" y="4848275"/>
-            <a:ext cx="6914099" cy="3782718"/>
+            <a:off x="645795" y="2797175"/>
+            <a:ext cx="5630545" cy="3022600"/>
           </a:xfrm>
           <a:prstGeom prst="rect">
             <a:avLst/>
           </a:prstGeom>
           <a:noFill/>
-          <a:ln>
+          <a:ln w="9525">
+            <a:noFill/>
+          </a:ln>
+        </p:spPr>
+      </p:pic>
+      <p:pic>
+        <p:nvPicPr>
+          <p:cNvPr id="8" name="Picture 7"/>
+          <p:cNvPicPr>
+            <a:picLocks noChangeAspect="1"/>
+          </p:cNvPicPr>
+          <p:nvPr/>
+        </p:nvPicPr>
+        <p:blipFill>
+          <a:blip r:embed="rId2"/>
+          <a:stretch>
+            <a:fillRect/>
+          </a:stretch>
+        </p:blipFill>
+        <p:spPr>
+          <a:xfrm>
+            <a:off x="645795" y="5893435"/>
+            <a:ext cx="5906135" cy="3067685"/>
+          </a:xfrm>
+          <a:prstGeom prst="rect">
+            <a:avLst/>
+          </a:prstGeom>
+          <a:noFill/>
+          <a:ln w="9525">
+            <a:noFill/>
+          </a:ln>
+        </p:spPr>
+      </p:pic>
+    </p:spTree>
+  </p:cSld>
+  <p:clrMapOvr>
+    <a:masterClrMapping/>
+  </p:clrMapOvr>
+</p:sld>
+</file>
+
+<file path=ppt/slides/slide14.xml><?xml version="1.0" encoding="utf-8"?>
+<p:sld xmlns:a="http://schemas.openxmlformats.org/drawingml/2006/main" xmlns:r="http://schemas.openxmlformats.org/officeDocument/2006/relationships" xmlns:p="http://schemas.openxmlformats.org/presentationml/2006/main">
+  <p:cSld>
+    <p:spTree>
+      <p:nvGrpSpPr>
+        <p:cNvPr id="1" name=""/>
+        <p:cNvGrpSpPr/>
+        <p:nvPr/>
+      </p:nvGrpSpPr>
+      <p:grpSpPr/>
+      <p:pic>
+        <p:nvPicPr>
+          <p:cNvPr id="9" name="Picture 8"/>
+          <p:cNvPicPr>
+            <a:picLocks noChangeAspect="1"/>
+          </p:cNvPicPr>
+          <p:nvPr/>
+        </p:nvPicPr>
+        <p:blipFill>
+          <a:blip r:embed="rId1"/>
+          <a:stretch>
+            <a:fillRect/>
+          </a:stretch>
+        </p:blipFill>
+        <p:spPr>
+          <a:xfrm>
+            <a:off x="429895" y="204470"/>
+            <a:ext cx="4749165" cy="2586990"/>
+          </a:xfrm>
+          <a:prstGeom prst="rect">
+            <a:avLst/>
+          </a:prstGeom>
+          <a:noFill/>
+          <a:ln w="9525">
+            <a:noFill/>
+          </a:ln>
+        </p:spPr>
+      </p:pic>
+      <p:pic>
+        <p:nvPicPr>
+          <p:cNvPr id="10" name="Picture 9"/>
+          <p:cNvPicPr>
+            <a:picLocks noChangeAspect="1"/>
+          </p:cNvPicPr>
+          <p:nvPr/>
+        </p:nvPicPr>
+        <p:blipFill>
+          <a:blip r:embed="rId2"/>
+          <a:stretch>
+            <a:fillRect/>
+          </a:stretch>
+        </p:blipFill>
+        <p:spPr>
+          <a:xfrm>
+            <a:off x="429895" y="2797175"/>
+            <a:ext cx="4985385" cy="2548255"/>
+          </a:xfrm>
+          <a:prstGeom prst="rect">
+            <a:avLst/>
+          </a:prstGeom>
+          <a:noFill/>
+          <a:ln w="9525">
+            <a:noFill/>
+          </a:ln>
+        </p:spPr>
+      </p:pic>
+      <p:pic>
+        <p:nvPicPr>
+          <p:cNvPr id="11" name="Picture 10"/>
+          <p:cNvPicPr>
+            <a:picLocks noChangeAspect="1"/>
+          </p:cNvPicPr>
+          <p:nvPr/>
+        </p:nvPicPr>
+        <p:blipFill>
+          <a:blip r:embed="rId3"/>
+          <a:stretch>
+            <a:fillRect/>
+          </a:stretch>
+        </p:blipFill>
+        <p:spPr>
+          <a:xfrm>
+            <a:off x="396240" y="5317490"/>
+            <a:ext cx="5019040" cy="2476500"/>
+          </a:xfrm>
+          <a:prstGeom prst="rect">
+            <a:avLst/>
+          </a:prstGeom>
+          <a:noFill/>
+          <a:ln w="9525">
             <a:noFill/>
           </a:ln>
         </p:spPr>
@@ -28202,28 +27682,26 @@
       </p:grpSpPr>
       <p:sp>
         <p:nvSpPr>
-          <p:cNvPr id="275" name="Google Shape;275;p66"/>
+          <p:cNvPr id="3" name="Text Box 2"/>
           <p:cNvSpPr txBox="1"/>
-          <p:nvPr>
-            <p:ph type="body" idx="1"/>
-          </p:nvPr>
+          <p:nvPr/>
         </p:nvSpPr>
         <p:spPr>
           <a:xfrm>
-            <a:off x="439225" y="-63075"/>
-            <a:ext cx="6907500" cy="4777800"/>
+            <a:off x="69850" y="0"/>
+            <a:ext cx="7703185" cy="3890645"/>
           </a:xfrm>
           <a:prstGeom prst="rect">
             <a:avLst/>
           </a:prstGeom>
+          <a:noFill/>
         </p:spPr>
         <p:txBody>
-          <a:bodyPr spcFirstLastPara="1" wrap="square" lIns="91425" tIns="91425" rIns="91425" bIns="91425" anchor="t" anchorCtr="0">
+          <a:bodyPr wrap="square" rtlCol="0" anchor="t">
             <a:noAutofit/>
           </a:bodyPr>
-          <a:lstStyle/>
           <a:p>
-            <a:pPr marL="0" marR="241300" lvl="0" indent="0" algn="just" rtl="0">
+            <a:pPr marL="0" marR="241300" lvl="0" algn="just" rtl="0">
               <a:lnSpc>
                 <a:spcPct val="150000"/>
               </a:lnSpc>
@@ -28248,10 +27726,10 @@
                 <a:cs typeface="Open Sans" panose="020B0606030504020204"/>
                 <a:sym typeface="Open Sans" panose="020B0606030504020204"/>
               </a:rPr>
-              <a:t>Based on what you’ve read about SneakerPark’s systems and business model, sketch out a proposed </a:t>
+              <a:t>Based on what you’ve </a:t>
             </a:r>
             <a:r>
-              <a:rPr lang="en-GB" sz="1600" b="1">
+              <a:rPr lang="en-US" altLang="en-GB" sz="1600">
                 <a:solidFill>
                   <a:srgbClr val="525C65"/>
                 </a:solidFill>
@@ -28263,7 +27741,7 @@
                 <a:cs typeface="Open Sans" panose="020B0606030504020204"/>
                 <a:sym typeface="Open Sans" panose="020B0606030504020204"/>
               </a:rPr>
-              <a:t>MDM implementation architecture</a:t>
+              <a:t>studied</a:t>
             </a:r>
             <a:r>
               <a:rPr lang="en-GB" sz="1600">
@@ -28278,10 +27756,10 @@
                 <a:cs typeface="Open Sans" panose="020B0606030504020204"/>
                 <a:sym typeface="Open Sans" panose="020B0606030504020204"/>
               </a:rPr>
-              <a:t>, and write a </a:t>
+              <a:t> about SneakerPark’s systems and business model, We decided to have the proposed</a:t>
             </a:r>
             <a:r>
-              <a:rPr lang="en-GB" sz="1600" b="1">
+              <a:rPr lang="en-US" altLang="en-GB" sz="1600">
                 <a:solidFill>
                   <a:srgbClr val="525C65"/>
                 </a:solidFill>
@@ -28293,7 +27771,7 @@
                 <a:cs typeface="Open Sans" panose="020B0606030504020204"/>
                 <a:sym typeface="Open Sans" panose="020B0606030504020204"/>
               </a:rPr>
-              <a:t>detailed explanation</a:t>
+              <a:t> the </a:t>
             </a:r>
             <a:r>
               <a:rPr lang="en-GB" sz="1600">
@@ -28308,10 +27786,10 @@
                 <a:cs typeface="Open Sans" panose="020B0606030504020204"/>
                 <a:sym typeface="Open Sans" panose="020B0606030504020204"/>
               </a:rPr>
-              <a:t> of </a:t>
+              <a:t>architecture</a:t>
             </a:r>
             <a:r>
-              <a:rPr lang="en-GB" sz="1600" b="1">
+              <a:rPr lang="en-US" altLang="en-GB" sz="1600">
                 <a:solidFill>
                   <a:srgbClr val="525C65"/>
                 </a:solidFill>
@@ -28323,7 +27801,7 @@
                 <a:cs typeface="Open Sans" panose="020B0606030504020204"/>
                 <a:sym typeface="Open Sans" panose="020B0606030504020204"/>
               </a:rPr>
-              <a:t>why</a:t>
+              <a:t> </a:t>
             </a:r>
             <a:r>
               <a:rPr lang="en-GB" sz="1600">
@@ -28338,402 +27816,219 @@
                 <a:cs typeface="Open Sans" panose="020B0606030504020204"/>
                 <a:sym typeface="Open Sans" panose="020B0606030504020204"/>
               </a:rPr>
-              <a:t> you chose this specific approach.</a:t>
+              <a:t>implementation with the </a:t>
             </a:r>
-            <a:endParaRPr sz="1600">
-              <a:solidFill>
-                <a:srgbClr val="525C65"/>
-              </a:solidFill>
-              <a:highlight>
-                <a:srgbClr val="FFFFFF"/>
-              </a:highlight>
-              <a:latin typeface="Open Sans" panose="020B0606030504020204"/>
-              <a:ea typeface="Open Sans" panose="020B0606030504020204"/>
-              <a:cs typeface="Open Sans" panose="020B0606030504020204"/>
-              <a:sym typeface="Open Sans" panose="020B0606030504020204"/>
-            </a:endParaRPr>
-          </a:p>
-          <a:p>
-            <a:pPr marL="0" marR="241300" lvl="0" indent="0" algn="just" rtl="0">
-              <a:lnSpc>
-                <a:spcPct val="150000"/>
-              </a:lnSpc>
-              <a:spcBef>
-                <a:spcPts val="3800"/>
-              </a:spcBef>
-              <a:spcAft>
-                <a:spcPts val="0"/>
-              </a:spcAft>
-              <a:buNone/>
-            </a:pPr>
             <a:r>
-              <a:rPr lang="en-GB" sz="1600" b="1">
+              <a:rPr lang="en-US" sz="1600" b="1" dirty="0">
                 <a:solidFill>
                   <a:srgbClr val="525C65"/>
                 </a:solidFill>
                 <a:highlight>
-                  <a:schemeClr val="lt1"/>
+                  <a:srgbClr val="FFFFFF"/>
                 </a:highlight>
                 <a:latin typeface="Open Sans" panose="020B0606030504020204"/>
                 <a:ea typeface="Open Sans" panose="020B0606030504020204"/>
                 <a:cs typeface="Open Sans" panose="020B0606030504020204"/>
                 <a:sym typeface="Open Sans" panose="020B0606030504020204"/>
               </a:rPr>
-              <a:t>Tip:</a:t>
+              <a:t>Consolidated MDM</a:t>
             </a:r>
             <a:r>
-              <a:rPr lang="en-GB" sz="1600">
+              <a:rPr lang="en-US" sz="1600" dirty="0">
                 <a:solidFill>
                   <a:srgbClr val="525C65"/>
                 </a:solidFill>
                 <a:highlight>
-                  <a:schemeClr val="lt1"/>
+                  <a:srgbClr val="FFFFFF"/>
                 </a:highlight>
                 <a:latin typeface="Open Sans" panose="020B0606030504020204"/>
                 <a:ea typeface="Open Sans" panose="020B0606030504020204"/>
                 <a:cs typeface="Open Sans" panose="020B0606030504020204"/>
                 <a:sym typeface="Open Sans" panose="020B0606030504020204"/>
               </a:rPr>
-              <a:t> Think about how your plan and its implementation might affect existing systems.</a:t>
+              <a:t> style</a:t>
             </a:r>
-            <a:endParaRPr sz="1600">
-              <a:solidFill>
-                <a:srgbClr val="525C65"/>
-              </a:solidFill>
-              <a:highlight>
-                <a:srgbClr val="FFFFFF"/>
-              </a:highlight>
-              <a:latin typeface="Open Sans" panose="020B0606030504020204"/>
-              <a:ea typeface="Open Sans" panose="020B0606030504020204"/>
-              <a:cs typeface="Open Sans" panose="020B0606030504020204"/>
-              <a:sym typeface="Open Sans" panose="020B0606030504020204"/>
-            </a:endParaRPr>
-          </a:p>
-          <a:p>
-            <a:pPr marL="0" lvl="0" indent="0" algn="just" rtl="0">
-              <a:spcBef>
-                <a:spcPts val="1100"/>
-              </a:spcBef>
-              <a:spcAft>
-                <a:spcPts val="0"/>
-              </a:spcAft>
-              <a:buNone/>
-            </a:pPr>
             <a:r>
-              <a:rPr lang="en-GB" sz="1600" b="1">
+              <a:rPr lang="en-US" altLang="en-GB" sz="1600">
                 <a:solidFill>
                   <a:srgbClr val="525C65"/>
                 </a:solidFill>
                 <a:highlight>
-                  <a:schemeClr val="lt1"/>
+                  <a:srgbClr val="FFFFFF"/>
                 </a:highlight>
                 <a:latin typeface="Open Sans" panose="020B0606030504020204"/>
                 <a:ea typeface="Open Sans" panose="020B0606030504020204"/>
                 <a:cs typeface="Open Sans" panose="020B0606030504020204"/>
                 <a:sym typeface="Open Sans" panose="020B0606030504020204"/>
               </a:rPr>
-              <a:t>Replace example screenshot below with your own solutions (obviously feel free to take more space). </a:t>
+              <a:t>. The </a:t>
             </a:r>
-            <a:endParaRPr sz="1600" b="1">
-              <a:solidFill>
-                <a:srgbClr val="525C65"/>
-              </a:solidFill>
-              <a:highlight>
-                <a:schemeClr val="lt1"/>
-              </a:highlight>
-              <a:latin typeface="Open Sans" panose="020B0606030504020204"/>
-              <a:ea typeface="Open Sans" panose="020B0606030504020204"/>
-              <a:cs typeface="Open Sans" panose="020B0606030504020204"/>
-              <a:sym typeface="Open Sans" panose="020B0606030504020204"/>
-            </a:endParaRPr>
-          </a:p>
-          <a:p>
-            <a:pPr marL="0" lvl="0" indent="0" algn="just" rtl="0">
-              <a:spcBef>
-                <a:spcPts val="1600"/>
-              </a:spcBef>
-              <a:spcAft>
-                <a:spcPts val="0"/>
-              </a:spcAft>
-              <a:buNone/>
-            </a:pPr>
             <a:r>
-              <a:rPr lang="en-GB" sz="1600" b="1">
+              <a:rPr lang="en-GB" sz="1600">
                 <a:solidFill>
                   <a:srgbClr val="525C65"/>
                 </a:solidFill>
                 <a:highlight>
-                  <a:schemeClr val="lt1"/>
+                  <a:srgbClr val="FFFFFF"/>
                 </a:highlight>
                 <a:latin typeface="Open Sans" panose="020B0606030504020204"/>
                 <a:ea typeface="Open Sans" panose="020B0606030504020204"/>
                 <a:cs typeface="Open Sans" panose="020B0606030504020204"/>
                 <a:sym typeface="Open Sans" panose="020B0606030504020204"/>
               </a:rPr>
-              <a:t>Next, please write at least a paragraph explaining  your choice.</a:t>
+              <a:t>SneakerPark’s </a:t>
             </a:r>
-            <a:endParaRPr sz="1600">
-              <a:solidFill>
-                <a:srgbClr val="525C65"/>
-              </a:solidFill>
-              <a:highlight>
-                <a:schemeClr val="lt1"/>
-              </a:highlight>
-              <a:latin typeface="Open Sans" panose="020B0606030504020204"/>
-              <a:ea typeface="Open Sans" panose="020B0606030504020204"/>
-              <a:cs typeface="Open Sans" panose="020B0606030504020204"/>
-              <a:sym typeface="Open Sans" panose="020B0606030504020204"/>
-            </a:endParaRPr>
-          </a:p>
-          <a:p>
-            <a:pPr marL="241300" marR="241300" lvl="0" indent="0" algn="just" rtl="0">
-              <a:lnSpc>
-                <a:spcPct val="170000"/>
-              </a:lnSpc>
-              <a:spcBef>
-                <a:spcPts val="3800"/>
-              </a:spcBef>
-              <a:spcAft>
-                <a:spcPts val="0"/>
-              </a:spcAft>
-              <a:buNone/>
-            </a:pPr>
-            <a:endParaRPr sz="1600">
-              <a:solidFill>
-                <a:srgbClr val="525C65"/>
-              </a:solidFill>
-              <a:highlight>
-                <a:srgbClr val="FFFFFF"/>
-              </a:highlight>
-              <a:latin typeface="Open Sans" panose="020B0606030504020204"/>
-              <a:ea typeface="Open Sans" panose="020B0606030504020204"/>
-              <a:cs typeface="Open Sans" panose="020B0606030504020204"/>
-              <a:sym typeface="Open Sans" panose="020B0606030504020204"/>
-            </a:endParaRPr>
-          </a:p>
-          <a:p>
-            <a:pPr marL="241300" marR="241300" lvl="0" indent="0" algn="just" rtl="0">
-              <a:lnSpc>
-                <a:spcPct val="170000"/>
-              </a:lnSpc>
-              <a:spcBef>
-                <a:spcPts val="3800"/>
-              </a:spcBef>
-              <a:spcAft>
-                <a:spcPts val="0"/>
-              </a:spcAft>
-              <a:buNone/>
-            </a:pPr>
-            <a:endParaRPr sz="1600">
-              <a:solidFill>
-                <a:srgbClr val="525C65"/>
-              </a:solidFill>
-              <a:highlight>
-                <a:srgbClr val="FFFFFF"/>
-              </a:highlight>
-              <a:latin typeface="Open Sans" panose="020B0606030504020204"/>
-              <a:ea typeface="Open Sans" panose="020B0606030504020204"/>
-              <a:cs typeface="Open Sans" panose="020B0606030504020204"/>
-              <a:sym typeface="Open Sans" panose="020B0606030504020204"/>
-            </a:endParaRPr>
-          </a:p>
-          <a:p>
-            <a:pPr marL="241300" marR="241300" lvl="0" indent="0" algn="just" rtl="0">
-              <a:lnSpc>
-                <a:spcPct val="170000"/>
-              </a:lnSpc>
-              <a:spcBef>
-                <a:spcPts val="3800"/>
-              </a:spcBef>
-              <a:spcAft>
-                <a:spcPts val="0"/>
-              </a:spcAft>
-              <a:buNone/>
-            </a:pPr>
-            <a:endParaRPr sz="1600">
-              <a:solidFill>
-                <a:srgbClr val="525C65"/>
-              </a:solidFill>
-              <a:highlight>
-                <a:srgbClr val="FFFFFF"/>
-              </a:highlight>
-              <a:latin typeface="Open Sans" panose="020B0606030504020204"/>
-              <a:ea typeface="Open Sans" panose="020B0606030504020204"/>
-              <a:cs typeface="Open Sans" panose="020B0606030504020204"/>
-              <a:sym typeface="Open Sans" panose="020B0606030504020204"/>
-            </a:endParaRPr>
-          </a:p>
-          <a:p>
-            <a:pPr marL="241300" marR="241300" lvl="0" indent="0" algn="just" rtl="0">
-              <a:lnSpc>
-                <a:spcPct val="170000"/>
-              </a:lnSpc>
-              <a:spcBef>
-                <a:spcPts val="3800"/>
-              </a:spcBef>
-              <a:spcAft>
-                <a:spcPts val="0"/>
-              </a:spcAft>
-              <a:buNone/>
-            </a:pPr>
-            <a:endParaRPr sz="1600">
-              <a:solidFill>
-                <a:srgbClr val="525C65"/>
-              </a:solidFill>
-              <a:highlight>
-                <a:srgbClr val="FFFFFF"/>
-              </a:highlight>
-              <a:latin typeface="Open Sans" panose="020B0606030504020204"/>
-              <a:ea typeface="Open Sans" panose="020B0606030504020204"/>
-              <a:cs typeface="Open Sans" panose="020B0606030504020204"/>
-              <a:sym typeface="Open Sans" panose="020B0606030504020204"/>
-            </a:endParaRPr>
-          </a:p>
-          <a:p>
-            <a:pPr marL="241300" marR="241300" lvl="0" indent="0" algn="just" rtl="0">
-              <a:lnSpc>
-                <a:spcPct val="170000"/>
-              </a:lnSpc>
-              <a:spcBef>
-                <a:spcPts val="3800"/>
-              </a:spcBef>
-              <a:spcAft>
-                <a:spcPts val="0"/>
-              </a:spcAft>
-              <a:buNone/>
-            </a:pPr>
-            <a:endParaRPr sz="1600">
-              <a:solidFill>
-                <a:srgbClr val="525C65"/>
-              </a:solidFill>
-              <a:highlight>
-                <a:srgbClr val="FFFFFF"/>
-              </a:highlight>
-              <a:latin typeface="Open Sans" panose="020B0606030504020204"/>
-              <a:ea typeface="Open Sans" panose="020B0606030504020204"/>
-              <a:cs typeface="Open Sans" panose="020B0606030504020204"/>
-              <a:sym typeface="Open Sans" panose="020B0606030504020204"/>
-            </a:endParaRPr>
-          </a:p>
-          <a:p>
-            <a:pPr marL="0" marR="241300" lvl="0" indent="0" algn="just" rtl="0">
-              <a:lnSpc>
-                <a:spcPct val="170000"/>
-              </a:lnSpc>
-              <a:spcBef>
-                <a:spcPts val="3800"/>
-              </a:spcBef>
-              <a:spcAft>
-                <a:spcPts val="0"/>
-              </a:spcAft>
-              <a:buClr>
-                <a:schemeClr val="dk1"/>
-              </a:buClr>
-              <a:buSzPts val="1100"/>
-              <a:buFont typeface="Arial" panose="020B0604020202020204"/>
-              <a:buNone/>
-            </a:pPr>
-            <a:endParaRPr sz="1400">
-              <a:solidFill>
-                <a:srgbClr val="525C65"/>
-              </a:solidFill>
-              <a:highlight>
-                <a:srgbClr val="FFFFFF"/>
-              </a:highlight>
-              <a:latin typeface="Open Sans" panose="020B0606030504020204"/>
-              <a:ea typeface="Open Sans" panose="020B0606030504020204"/>
-              <a:cs typeface="Open Sans" panose="020B0606030504020204"/>
-              <a:sym typeface="Open Sans" panose="020B0606030504020204"/>
-            </a:endParaRPr>
-          </a:p>
-          <a:p>
-            <a:pPr marL="241300" marR="241300" lvl="0" indent="0" algn="just" rtl="0">
-              <a:lnSpc>
-                <a:spcPct val="170000"/>
-              </a:lnSpc>
-              <a:spcBef>
-                <a:spcPts val="3800"/>
-              </a:spcBef>
-              <a:spcAft>
-                <a:spcPts val="0"/>
-              </a:spcAft>
-              <a:buClr>
-                <a:schemeClr val="dk1"/>
-              </a:buClr>
-              <a:buSzPts val="1100"/>
-              <a:buFont typeface="Arial" panose="020B0604020202020204"/>
-              <a:buNone/>
-            </a:pPr>
-            <a:endParaRPr sz="1600">
-              <a:solidFill>
-                <a:srgbClr val="525C65"/>
-              </a:solidFill>
-              <a:highlight>
-                <a:srgbClr val="FFFFFF"/>
-              </a:highlight>
-              <a:latin typeface="Open Sans" panose="020B0606030504020204"/>
-              <a:ea typeface="Open Sans" panose="020B0606030504020204"/>
-              <a:cs typeface="Open Sans" panose="020B0606030504020204"/>
-              <a:sym typeface="Open Sans" panose="020B0606030504020204"/>
-            </a:endParaRPr>
-          </a:p>
-          <a:p>
-            <a:pPr marL="0" lvl="0" indent="0" algn="just" rtl="0">
-              <a:spcBef>
-                <a:spcPts val="0"/>
-              </a:spcBef>
-              <a:spcAft>
-                <a:spcPts val="0"/>
-              </a:spcAft>
-              <a:buNone/>
-            </a:pPr>
-            <a:endParaRPr sz="1600">
-              <a:solidFill>
-                <a:srgbClr val="525C65"/>
-              </a:solidFill>
-              <a:highlight>
-                <a:srgbClr val="FFFFFF"/>
-              </a:highlight>
-              <a:latin typeface="Open Sans" panose="020B0606030504020204"/>
-              <a:ea typeface="Open Sans" panose="020B0606030504020204"/>
-              <a:cs typeface="Open Sans" panose="020B0606030504020204"/>
-              <a:sym typeface="Open Sans" panose="020B0606030504020204"/>
-            </a:endParaRPr>
-          </a:p>
-          <a:p>
-            <a:pPr marL="0" lvl="0" indent="0" algn="just" rtl="0">
-              <a:spcBef>
-                <a:spcPts val="1600"/>
-              </a:spcBef>
-              <a:spcAft>
-                <a:spcPts val="0"/>
-              </a:spcAft>
-              <a:buNone/>
-            </a:pPr>
-            <a:endParaRPr sz="1600">
-              <a:solidFill>
-                <a:srgbClr val="525C65"/>
-              </a:solidFill>
-              <a:highlight>
-                <a:srgbClr val="FFFFFF"/>
-              </a:highlight>
-              <a:latin typeface="Open Sans" panose="020B0606030504020204"/>
-              <a:ea typeface="Open Sans" panose="020B0606030504020204"/>
-              <a:cs typeface="Open Sans" panose="020B0606030504020204"/>
-              <a:sym typeface="Open Sans" panose="020B0606030504020204"/>
-            </a:endParaRPr>
-          </a:p>
-          <a:p>
-            <a:pPr marL="0" lvl="0" indent="0" algn="just" rtl="0">
-              <a:spcBef>
-                <a:spcPts val="1600"/>
-              </a:spcBef>
-              <a:spcAft>
-                <a:spcPts val="1600"/>
-              </a:spcAft>
-              <a:buNone/>
-            </a:pPr>
-            <a:endParaRPr sz="1600">
+            <a:r>
+              <a:rPr lang="en-US" altLang="en-GB" sz="1600">
+                <a:solidFill>
+                  <a:srgbClr val="525C65"/>
+                </a:solidFill>
+                <a:highlight>
+                  <a:srgbClr val="FFFFFF"/>
+                </a:highlight>
+                <a:latin typeface="Open Sans" panose="020B0606030504020204"/>
+                <a:ea typeface="Open Sans" panose="020B0606030504020204"/>
+                <a:cs typeface="Open Sans" panose="020B0606030504020204"/>
+                <a:sym typeface="Open Sans" panose="020B0606030504020204"/>
+              </a:rPr>
+              <a:t>data were comming from vary of sources includes:</a:t>
+            </a:r>
+            <a:r>
+              <a:rPr lang="en-US" altLang="en-GB" sz="1600" b="1">
+                <a:solidFill>
+                  <a:srgbClr val="525C65"/>
+                </a:solidFill>
+                <a:highlight>
+                  <a:srgbClr val="FFFFFF"/>
+                </a:highlight>
+                <a:latin typeface="Open Sans" panose="020B0606030504020204"/>
+                <a:ea typeface="Open Sans" panose="020B0606030504020204"/>
+                <a:cs typeface="Open Sans" panose="020B0606030504020204"/>
+                <a:sym typeface="Open Sans" panose="020B0606030504020204"/>
+              </a:rPr>
+              <a:t> </a:t>
+            </a:r>
+            <a:r>
+              <a:rPr lang="en-GB" sz="1600" b="1">
+                <a:solidFill>
+                  <a:srgbClr val="525C65"/>
+                </a:solidFill>
+                <a:highlight>
+                  <a:srgbClr val="FFFFFF"/>
+                </a:highlight>
+                <a:latin typeface="Open Sans" panose="020B0606030504020204"/>
+                <a:ea typeface="Open Sans" panose="020B0606030504020204"/>
+                <a:cs typeface="Open Sans" panose="020B0606030504020204"/>
+                <a:sym typeface="Open Sans" panose="020B0606030504020204"/>
+              </a:rPr>
+              <a:t>User Servic</a:t>
+            </a:r>
+            <a:r>
+              <a:rPr lang="en-US" altLang="en-GB" sz="1600" b="1">
+                <a:solidFill>
+                  <a:srgbClr val="525C65"/>
+                </a:solidFill>
+                <a:highlight>
+                  <a:srgbClr val="FFFFFF"/>
+                </a:highlight>
+                <a:latin typeface="Open Sans" panose="020B0606030504020204"/>
+                <a:ea typeface="Open Sans" panose="020B0606030504020204"/>
+                <a:cs typeface="Open Sans" panose="020B0606030504020204"/>
+                <a:sym typeface="Open Sans" panose="020B0606030504020204"/>
+              </a:rPr>
+              <a:t>e, </a:t>
+            </a:r>
+            <a:r>
+              <a:rPr lang="en-GB" sz="1600" b="1">
+                <a:solidFill>
+                  <a:srgbClr val="525C65"/>
+                </a:solidFill>
+                <a:highlight>
+                  <a:srgbClr val="FFFFFF"/>
+                </a:highlight>
+                <a:latin typeface="Open Sans" panose="020B0606030504020204"/>
+                <a:ea typeface="Open Sans" panose="020B0606030504020204"/>
+                <a:cs typeface="Open Sans" panose="020B0606030504020204"/>
+                <a:sym typeface="Open Sans" panose="020B0606030504020204"/>
+              </a:rPr>
+              <a:t>Inventory Management System</a:t>
+            </a:r>
+            <a:r>
+              <a:rPr lang="en-US" altLang="en-GB" sz="1600" b="1">
+                <a:solidFill>
+                  <a:srgbClr val="525C65"/>
+                </a:solidFill>
+                <a:highlight>
+                  <a:srgbClr val="FFFFFF"/>
+                </a:highlight>
+                <a:latin typeface="Open Sans" panose="020B0606030504020204"/>
+                <a:ea typeface="Open Sans" panose="020B0606030504020204"/>
+                <a:cs typeface="Open Sans" panose="020B0606030504020204"/>
+                <a:sym typeface="Open Sans" panose="020B0606030504020204"/>
+              </a:rPr>
+              <a:t>, Listing Service, Order Processing Service , Customer Service Application</a:t>
+            </a:r>
+            <a:r>
+              <a:rPr lang="en-US" altLang="en-GB" sz="1600">
+                <a:solidFill>
+                  <a:srgbClr val="525C65"/>
+                </a:solidFill>
+                <a:highlight>
+                  <a:srgbClr val="FFFFFF"/>
+                </a:highlight>
+                <a:latin typeface="Open Sans" panose="020B0606030504020204"/>
+                <a:ea typeface="Open Sans" panose="020B0606030504020204"/>
+                <a:cs typeface="Open Sans" panose="020B0606030504020204"/>
+                <a:sym typeface="Open Sans" panose="020B0606030504020204"/>
+              </a:rPr>
+              <a:t> that will lead to data quality issues that currently presented and could be occurring in the future if not be improved. So that </a:t>
+            </a:r>
+            <a:r>
+              <a:rPr lang="en-US" sz="1600" dirty="0">
+                <a:solidFill>
+                  <a:srgbClr val="525C65"/>
+                </a:solidFill>
+                <a:highlight>
+                  <a:srgbClr val="FFFFFF"/>
+                </a:highlight>
+                <a:latin typeface="Open Sans" panose="020B0606030504020204"/>
+                <a:ea typeface="Open Sans" panose="020B0606030504020204"/>
+                <a:cs typeface="Open Sans" panose="020B0606030504020204"/>
+                <a:sym typeface="Open Sans" panose="020B0606030504020204"/>
+              </a:rPr>
+              <a:t>centrilzed the data from all of systems into a single place throught a </a:t>
+            </a:r>
+            <a:r>
+              <a:rPr lang="en-US" sz="1600" b="1" dirty="0">
+                <a:solidFill>
+                  <a:srgbClr val="525C65"/>
+                </a:solidFill>
+                <a:highlight>
+                  <a:srgbClr val="FFFFFF"/>
+                </a:highlight>
+                <a:latin typeface="Open Sans" panose="020B0606030504020204"/>
+                <a:ea typeface="Open Sans" panose="020B0606030504020204"/>
+                <a:cs typeface="Open Sans" panose="020B0606030504020204"/>
+                <a:sym typeface="Open Sans" panose="020B0606030504020204"/>
+              </a:rPr>
+              <a:t>MDM Hub</a:t>
+            </a:r>
+            <a:r>
+              <a:rPr lang="en-US" sz="1600" dirty="0">
+                <a:solidFill>
+                  <a:srgbClr val="525C65"/>
+                </a:solidFill>
+                <a:highlight>
+                  <a:srgbClr val="FFFFFF"/>
+                </a:highlight>
+                <a:latin typeface="Open Sans" panose="020B0606030504020204"/>
+                <a:ea typeface="Open Sans" panose="020B0606030504020204"/>
+                <a:cs typeface="Open Sans" panose="020B0606030504020204"/>
+                <a:sym typeface="Open Sans" panose="020B0606030504020204"/>
+              </a:rPr>
+              <a:t> and the Consolidate output could be a Data Warehouse that provide the golden records for others businesses requirement.</a:t>
+            </a:r>
+            <a:endParaRPr lang="en-US" altLang="en-GB" sz="1600">
               <a:solidFill>
                 <a:srgbClr val="525C65"/>
               </a:solidFill>
@@ -28750,120 +28045,54 @@
       </p:sp>
       <p:pic>
         <p:nvPicPr>
-          <p:cNvPr id="276" name="Google Shape;276;p66"/>
-          <p:cNvPicPr preferRelativeResize="0"/>
+          <p:cNvPr id="4" name="Picture 3"/>
+          <p:cNvPicPr>
+            <a:picLocks noChangeAspect="1"/>
+          </p:cNvPicPr>
           <p:nvPr/>
         </p:nvPicPr>
-        <p:blipFill rotWithShape="1">
+        <p:blipFill>
           <a:blip r:embed="rId1"/>
-          <a:srcRect l="5866" t="3775" r="5653" b="7595"/>
           <a:stretch>
             <a:fillRect/>
           </a:stretch>
         </p:blipFill>
         <p:spPr>
           <a:xfrm>
-            <a:off x="954513" y="4876800"/>
-            <a:ext cx="5876925" cy="4171950"/>
+            <a:off x="429260" y="4309110"/>
+            <a:ext cx="6774180" cy="3241040"/>
+          </a:xfrm>
+          <a:prstGeom prst="rect">
+            <a:avLst/>
+          </a:prstGeom>
+        </p:spPr>
+      </p:pic>
+      <p:sp>
+        <p:nvSpPr>
+          <p:cNvPr id="5" name="Text Box 4"/>
+          <p:cNvSpPr txBox="1"/>
+          <p:nvPr/>
+        </p:nvSpPr>
+        <p:spPr>
+          <a:xfrm>
+            <a:off x="429260" y="3949065"/>
+            <a:ext cx="3886200" cy="306705"/>
           </a:xfrm>
           <a:prstGeom prst="rect">
             <a:avLst/>
           </a:prstGeom>
           <a:noFill/>
-          <a:ln>
-            <a:noFill/>
-          </a:ln>
-        </p:spPr>
-      </p:pic>
-    </p:spTree>
-  </p:cSld>
-  <p:clrMapOvr>
-    <a:masterClrMapping/>
-  </p:clrMapOvr>
-</p:sld>
-</file>
-
-<file path=ppt/slides/slide17.xml><?xml version="1.0" encoding="utf-8"?>
-<p:sld xmlns:a="http://schemas.openxmlformats.org/drawingml/2006/main" xmlns:r="http://schemas.openxmlformats.org/officeDocument/2006/relationships" xmlns:p="http://schemas.openxmlformats.org/presentationml/2006/main">
-  <p:cSld>
-    <p:spTree>
-      <p:nvGrpSpPr>
-        <p:cNvPr id="280" name="Shape 280"/>
-        <p:cNvGrpSpPr/>
-        <p:nvPr/>
-      </p:nvGrpSpPr>
-      <p:grpSpPr>
-        <a:xfrm>
-          <a:off x="0" y="0"/>
-          <a:ext cx="0" cy="0"/>
-          <a:chOff x="0" y="0"/>
-          <a:chExt cx="0" cy="0"/>
-        </a:xfrm>
-      </p:grpSpPr>
-      <p:sp>
-        <p:nvSpPr>
-          <p:cNvPr id="281" name="Google Shape;281;p67"/>
-          <p:cNvSpPr txBox="1"/>
-          <p:nvPr>
-            <p:ph type="body" idx="1"/>
-          </p:nvPr>
-        </p:nvSpPr>
-        <p:spPr>
-          <a:xfrm>
-            <a:off x="465150" y="524225"/>
-            <a:ext cx="6842100" cy="1371300"/>
-          </a:xfrm>
-          <a:prstGeom prst="rect">
-            <a:avLst/>
-          </a:prstGeom>
         </p:spPr>
         <p:txBody>
-          <a:bodyPr spcFirstLastPara="1" wrap="square" lIns="91425" tIns="91425" rIns="91425" bIns="91425" anchor="t" anchorCtr="0">
-            <a:noAutofit/>
+          <a:bodyPr wrap="square" rtlCol="0" anchor="t">
+            <a:spAutoFit/>
           </a:bodyPr>
-          <a:lstStyle/>
           <a:p>
-            <a:pPr marL="0" lvl="0" indent="0" algn="just" rtl="0">
-              <a:spcBef>
-                <a:spcPts val="0"/>
-              </a:spcBef>
-              <a:spcAft>
-                <a:spcPts val="1600"/>
-              </a:spcAft>
-              <a:buClr>
-                <a:schemeClr val="dk1"/>
-              </a:buClr>
-              <a:buSzPts val="1100"/>
-              <a:buFont typeface="Arial" panose="020B0604020202020204"/>
-              <a:buNone/>
-            </a:pPr>
             <a:r>
-              <a:rPr lang="en-GB" sz="2200" b="1">
-                <a:solidFill>
-                  <a:srgbClr val="525C65"/>
-                </a:solidFill>
-                <a:highlight>
-                  <a:schemeClr val="lt1"/>
-                </a:highlight>
-                <a:latin typeface="Open Sans" panose="020B0606030504020204"/>
-                <a:ea typeface="Open Sans" panose="020B0606030504020204"/>
-                <a:cs typeface="Open Sans" panose="020B0606030504020204"/>
-                <a:sym typeface="Open Sans" panose="020B0606030504020204"/>
-              </a:rPr>
-              <a:t>Explanation:</a:t>
+              <a:rPr lang="en-US" b="1"/>
+              <a:t>Consolidated MDM</a:t>
             </a:r>
-            <a:endParaRPr sz="2200">
-              <a:solidFill>
-                <a:srgbClr val="525C65"/>
-              </a:solidFill>
-              <a:highlight>
-                <a:srgbClr val="FFFFFF"/>
-              </a:highlight>
-              <a:latin typeface="Open Sans" panose="020B0606030504020204"/>
-              <a:ea typeface="Open Sans" panose="020B0606030504020204"/>
-              <a:cs typeface="Open Sans" panose="020B0606030504020204"/>
-              <a:sym typeface="Open Sans" panose="020B0606030504020204"/>
-            </a:endParaRPr>
+            <a:endParaRPr lang="en-US" b="1"/>
           </a:p>
         </p:txBody>
       </p:sp>
@@ -28875,7 +28104,7 @@
 </p:sld>
 </file>
 
-<file path=ppt/slides/slide18.xml><?xml version="1.0" encoding="utf-8"?>
+<file path=ppt/slides/slide17.xml><?xml version="1.0" encoding="utf-8"?>
 <p:sld xmlns:a="http://schemas.openxmlformats.org/drawingml/2006/main" xmlns:r="http://schemas.openxmlformats.org/officeDocument/2006/relationships" xmlns:p="http://schemas.openxmlformats.org/presentationml/2006/main">
   <p:cSld>
     <p:bg>
@@ -29106,7 +28335,7 @@
 </p:sld>
 </file>
 
-<file path=ppt/slides/slide19.xml><?xml version="1.0" encoding="utf-8"?>
+<file path=ppt/slides/slide18.xml><?xml version="1.0" encoding="utf-8"?>
 <p:sld xmlns:a="http://schemas.openxmlformats.org/drawingml/2006/main" xmlns:r="http://schemas.openxmlformats.org/officeDocument/2006/relationships" xmlns:p="http://schemas.openxmlformats.org/presentationml/2006/main">
   <p:cSld>
     <p:spTree>
@@ -29133,8 +28362,8 @@
         </p:nvSpPr>
         <p:spPr>
           <a:xfrm>
-            <a:off x="432450" y="717975"/>
-            <a:ext cx="6907500" cy="4777800"/>
+            <a:off x="69850" y="60960"/>
+            <a:ext cx="7630795" cy="9391015"/>
           </a:xfrm>
           <a:prstGeom prst="rect">
             <a:avLst/>
@@ -29156,7 +28385,7 @@
               <a:buNone/>
             </a:pPr>
             <a:r>
-              <a:rPr lang="en-GB" sz="1600">
+              <a:rPr lang="en-US" altLang="en-GB" sz="1600">
                 <a:solidFill>
                   <a:srgbClr val="525C65"/>
                 </a:solidFill>
@@ -29168,7 +28397,22 @@
                 <a:cs typeface="Open Sans" panose="020B0606030504020204"/>
                 <a:sym typeface="Open Sans" panose="020B0606030504020204"/>
               </a:rPr>
-              <a:t>In this step, you will define a set of </a:t>
+              <a:t>D</a:t>
+            </a:r>
+            <a:r>
+              <a:rPr lang="en-GB" sz="1600">
+                <a:solidFill>
+                  <a:srgbClr val="525C65"/>
+                </a:solidFill>
+                <a:highlight>
+                  <a:srgbClr val="FFFFFF"/>
+                </a:highlight>
+                <a:latin typeface="Open Sans" panose="020B0606030504020204"/>
+                <a:ea typeface="Open Sans" panose="020B0606030504020204"/>
+                <a:cs typeface="Open Sans" panose="020B0606030504020204"/>
+                <a:sym typeface="Open Sans" panose="020B0606030504020204"/>
+              </a:rPr>
+              <a:t>efine a set of </a:t>
             </a:r>
             <a:r>
               <a:rPr lang="en-GB" sz="1600" b="1">
@@ -29236,10 +28480,33 @@
                 <a:cs typeface="Open Sans" panose="020B0606030504020204"/>
                 <a:sym typeface="Open Sans" panose="020B0606030504020204"/>
               </a:rPr>
-              <a:t>Please come up with 4 rules - 2 for Items and 2 for Customers </a:t>
+              <a:t>4 rules - 2 for Items and 2 for Customers</a:t>
             </a:r>
+            <a:endParaRPr lang="en-GB" sz="1600" b="1">
+              <a:solidFill>
+                <a:srgbClr val="525C65"/>
+              </a:solidFill>
+              <a:highlight>
+                <a:srgbClr val="FFFFFF"/>
+              </a:highlight>
+              <a:latin typeface="Open Sans" panose="020B0606030504020204"/>
+              <a:ea typeface="Open Sans" panose="020B0606030504020204"/>
+              <a:cs typeface="Open Sans" panose="020B0606030504020204"/>
+              <a:sym typeface="Open Sans" panose="020B0606030504020204"/>
+            </a:endParaRPr>
+          </a:p>
+          <a:p>
+            <a:pPr marL="0" lvl="0" indent="0" algn="just" rtl="0">
+              <a:spcBef>
+                <a:spcPts val="1600"/>
+              </a:spcBef>
+              <a:spcAft>
+                <a:spcPts val="0"/>
+              </a:spcAft>
+              <a:buNone/>
+            </a:pPr>
             <a:r>
-              <a:rPr lang="en-GB" sz="1600">
+              <a:rPr lang="en-GB" sz="1600" b="1">
                 <a:solidFill>
                   <a:srgbClr val="525C65"/>
                 </a:solidFill>
@@ -29251,9 +28518,811 @@
                 <a:cs typeface="Open Sans" panose="020B0606030504020204"/>
                 <a:sym typeface="Open Sans" panose="020B0606030504020204"/>
               </a:rPr>
-              <a:t>and list them below.</a:t>
+              <a:t>Items</a:t>
             </a:r>
-            <a:endParaRPr sz="1600">
+            <a:r>
+              <a:rPr lang="en-US" altLang="en-GB" sz="1600" b="1">
+                <a:solidFill>
+                  <a:srgbClr val="525C65"/>
+                </a:solidFill>
+                <a:highlight>
+                  <a:srgbClr val="FFFFFF"/>
+                </a:highlight>
+                <a:latin typeface="Open Sans" panose="020B0606030504020204"/>
+                <a:ea typeface="Open Sans" panose="020B0606030504020204"/>
+                <a:cs typeface="Open Sans" panose="020B0606030504020204"/>
+                <a:sym typeface="Open Sans" panose="020B0606030504020204"/>
+              </a:rPr>
+              <a:t>: </a:t>
+            </a:r>
+            <a:endParaRPr lang="en-US" altLang="en-GB" sz="1600" b="1">
+              <a:solidFill>
+                <a:srgbClr val="525C65"/>
+              </a:solidFill>
+              <a:highlight>
+                <a:srgbClr val="FFFFFF"/>
+              </a:highlight>
+              <a:latin typeface="Open Sans" panose="020B0606030504020204"/>
+              <a:ea typeface="Open Sans" panose="020B0606030504020204"/>
+              <a:cs typeface="Open Sans" panose="020B0606030504020204"/>
+              <a:sym typeface="Open Sans" panose="020B0606030504020204"/>
+            </a:endParaRPr>
+          </a:p>
+          <a:p>
+            <a:pPr marL="0" lvl="0" indent="0" algn="l" rtl="0">
+              <a:lnSpc>
+                <a:spcPct val="35000"/>
+              </a:lnSpc>
+              <a:spcBef>
+                <a:spcPts val="1600"/>
+              </a:spcBef>
+              <a:spcAft>
+                <a:spcPts val="0"/>
+              </a:spcAft>
+              <a:buNone/>
+            </a:pPr>
+            <a:r>
+              <a:rPr lang="en-US" altLang="en-GB" sz="1600" b="1">
+                <a:solidFill>
+                  <a:srgbClr val="525C65"/>
+                </a:solidFill>
+                <a:highlight>
+                  <a:srgbClr val="FFFFFF"/>
+                </a:highlight>
+                <a:latin typeface="Open Sans" panose="020B0606030504020204"/>
+                <a:ea typeface="Open Sans" panose="020B0606030504020204"/>
+                <a:cs typeface="Open Sans" panose="020B0606030504020204"/>
+                <a:sym typeface="Open Sans" panose="020B0606030504020204"/>
+              </a:rPr>
+              <a:t>1. “</a:t>
+            </a:r>
+            <a:r>
+              <a:rPr lang="en-US" sz="1600" dirty="0">
+                <a:highlight>
+                  <a:srgbClr val="FFFFFF"/>
+                </a:highlight>
+                <a:latin typeface="Open Sans" panose="020B0606030504020204" charset="0"/>
+                <a:ea typeface="Open Sans" panose="020B0606030504020204" charset="0"/>
+                <a:cs typeface="Open Sans" panose="020B0606030504020204" charset="0"/>
+                <a:sym typeface="+mn-ea"/>
+              </a:rPr>
+              <a:t>Same </a:t>
+            </a:r>
+            <a:r>
+              <a:rPr lang="en-US" sz="1600" dirty="0" err="1">
+                <a:highlight>
+                  <a:srgbClr val="FFFFFF"/>
+                </a:highlight>
+                <a:latin typeface="Open Sans" panose="020B0606030504020204" charset="0"/>
+                <a:ea typeface="Open Sans" panose="020B0606030504020204" charset="0"/>
+                <a:cs typeface="Open Sans" panose="020B0606030504020204" charset="0"/>
+                <a:sym typeface="+mn-ea"/>
+              </a:rPr>
+              <a:t>ItemID (ProductID)</a:t>
+            </a:r>
+            <a:r>
+              <a:rPr lang="en-US" sz="1600" dirty="0">
+                <a:highlight>
+                  <a:srgbClr val="FFFFFF"/>
+                </a:highlight>
+                <a:latin typeface="Open Sans" panose="020B0606030504020204" charset="0"/>
+                <a:ea typeface="Open Sans" panose="020B0606030504020204" charset="0"/>
+                <a:cs typeface="Open Sans" panose="020B0606030504020204" charset="0"/>
+                <a:sym typeface="+mn-ea"/>
+              </a:rPr>
+              <a:t> and </a:t>
+            </a:r>
+            <a:r>
+              <a:rPr lang="en-US" sz="1600" dirty="0" err="1">
+                <a:highlight>
+                  <a:srgbClr val="FFFFFF"/>
+                </a:highlight>
+                <a:latin typeface="Open Sans" panose="020B0606030504020204" charset="0"/>
+                <a:ea typeface="Open Sans" panose="020B0606030504020204" charset="0"/>
+                <a:cs typeface="Open Sans" panose="020B0606030504020204" charset="0"/>
+                <a:sym typeface="+mn-ea"/>
+              </a:rPr>
+              <a:t>SellerID</a:t>
+            </a:r>
+            <a:r>
+              <a:rPr lang="en-US" altLang="en-GB" sz="1600" b="1">
+                <a:solidFill>
+                  <a:srgbClr val="525C65"/>
+                </a:solidFill>
+                <a:highlight>
+                  <a:srgbClr val="FFFFFF"/>
+                </a:highlight>
+                <a:latin typeface="Open Sans" panose="020B0606030504020204"/>
+                <a:ea typeface="Open Sans" panose="020B0606030504020204"/>
+                <a:cs typeface="Open Sans" panose="020B0606030504020204"/>
+                <a:sym typeface="Open Sans" panose="020B0606030504020204"/>
+              </a:rPr>
+              <a:t>” Rule. </a:t>
+            </a:r>
+            <a:r>
+              <a:rPr lang="en-US" altLang="en-GB" sz="1600">
+                <a:solidFill>
+                  <a:srgbClr val="525C65"/>
+                </a:solidFill>
+                <a:highlight>
+                  <a:srgbClr val="FFFFFF"/>
+                </a:highlight>
+                <a:latin typeface="Open Sans" panose="020B0606030504020204"/>
+                <a:ea typeface="Open Sans" panose="020B0606030504020204"/>
+                <a:cs typeface="Open Sans" panose="020B0606030504020204"/>
+                <a:sym typeface="Open Sans" panose="020B0606030504020204"/>
+              </a:rPr>
+              <a:t>Match the Item records on :</a:t>
+            </a:r>
+            <a:endParaRPr lang="en-US" altLang="en-GB" sz="1600">
+              <a:solidFill>
+                <a:srgbClr val="525C65"/>
+              </a:solidFill>
+              <a:highlight>
+                <a:srgbClr val="FFFFFF"/>
+              </a:highlight>
+              <a:latin typeface="Open Sans" panose="020B0606030504020204"/>
+              <a:ea typeface="Open Sans" panose="020B0606030504020204"/>
+              <a:cs typeface="Open Sans" panose="020B0606030504020204"/>
+              <a:sym typeface="Open Sans" panose="020B0606030504020204"/>
+            </a:endParaRPr>
+          </a:p>
+          <a:p>
+            <a:pPr marL="0" lvl="0" indent="0" algn="l" rtl="0">
+              <a:lnSpc>
+                <a:spcPct val="35000"/>
+              </a:lnSpc>
+              <a:spcBef>
+                <a:spcPts val="1600"/>
+              </a:spcBef>
+              <a:spcAft>
+                <a:spcPts val="0"/>
+              </a:spcAft>
+              <a:buNone/>
+            </a:pPr>
+            <a:r>
+              <a:rPr lang="en-US" altLang="en-GB" sz="1600">
+                <a:solidFill>
+                  <a:srgbClr val="525C65"/>
+                </a:solidFill>
+                <a:highlight>
+                  <a:srgbClr val="FFFFFF"/>
+                </a:highlight>
+                <a:latin typeface="Open Sans" panose="020B0606030504020204" charset="0"/>
+                <a:ea typeface="Open Sans" panose="020B0606030504020204"/>
+                <a:cs typeface="Open Sans" panose="020B0606030504020204" charset="0"/>
+                <a:sym typeface="Open Sans" panose="020B0606030504020204"/>
+              </a:rPr>
+              <a:t>- ItemID of the Items table.</a:t>
+            </a:r>
+            <a:endParaRPr lang="en-US" altLang="en-GB" sz="1600">
+              <a:solidFill>
+                <a:srgbClr val="525C65"/>
+              </a:solidFill>
+              <a:highlight>
+                <a:srgbClr val="FFFFFF"/>
+              </a:highlight>
+              <a:latin typeface="Open Sans" panose="020B0606030504020204" charset="0"/>
+              <a:ea typeface="Open Sans" panose="020B0606030504020204"/>
+              <a:cs typeface="Open Sans" panose="020B0606030504020204" charset="0"/>
+              <a:sym typeface="Open Sans" panose="020B0606030504020204"/>
+            </a:endParaRPr>
+          </a:p>
+          <a:p>
+            <a:pPr marL="0" lvl="0" indent="0" algn="l" rtl="0">
+              <a:lnSpc>
+                <a:spcPct val="35000"/>
+              </a:lnSpc>
+              <a:spcBef>
+                <a:spcPts val="1600"/>
+              </a:spcBef>
+              <a:spcAft>
+                <a:spcPts val="0"/>
+              </a:spcAft>
+              <a:buNone/>
+            </a:pPr>
+            <a:r>
+              <a:rPr lang="en-US" altLang="en-GB" sz="1600">
+                <a:solidFill>
+                  <a:srgbClr val="525C65"/>
+                </a:solidFill>
+                <a:highlight>
+                  <a:srgbClr val="FFFFFF"/>
+                </a:highlight>
+                <a:latin typeface="Open Sans" panose="020B0606030504020204" charset="0"/>
+                <a:ea typeface="Open Sans" panose="020B0606030504020204"/>
+                <a:cs typeface="Open Sans" panose="020B0606030504020204" charset="0"/>
+                <a:sym typeface="Open Sans" panose="020B0606030504020204"/>
+              </a:rPr>
+              <a:t>- </a:t>
+            </a:r>
+            <a:r>
+              <a:rPr lang="en-US" sz="1600" dirty="0" err="1">
+                <a:highlight>
+                  <a:srgbClr val="FFFFFF"/>
+                </a:highlight>
+                <a:latin typeface="Open Sans" panose="020B0606030504020204" charset="0"/>
+                <a:ea typeface="Open Sans" panose="020B0606030504020204" charset="0"/>
+                <a:cs typeface="Open Sans" panose="020B0606030504020204" charset="0"/>
+                <a:sym typeface="+mn-ea"/>
+              </a:rPr>
+              <a:t>SellerID of the Listings table.</a:t>
+            </a:r>
+            <a:endParaRPr lang="en-US" sz="1600" dirty="0" err="1">
+              <a:highlight>
+                <a:srgbClr val="FFFFFF"/>
+              </a:highlight>
+              <a:latin typeface="Open Sans" panose="020B0606030504020204" charset="0"/>
+              <a:ea typeface="Open Sans" panose="020B0606030504020204" charset="0"/>
+              <a:cs typeface="Open Sans" panose="020B0606030504020204" charset="0"/>
+              <a:sym typeface="+mn-ea"/>
+            </a:endParaRPr>
+          </a:p>
+          <a:p>
+            <a:pPr marL="0" lvl="0" indent="0" algn="l" rtl="0">
+              <a:lnSpc>
+                <a:spcPct val="115000"/>
+              </a:lnSpc>
+              <a:spcBef>
+                <a:spcPts val="1600"/>
+              </a:spcBef>
+              <a:spcAft>
+                <a:spcPts val="0"/>
+              </a:spcAft>
+              <a:buNone/>
+            </a:pPr>
+            <a:r>
+              <a:rPr lang="en-US" sz="1600" dirty="0" err="1">
+                <a:highlight>
+                  <a:srgbClr val="FFFFFF"/>
+                </a:highlight>
+                <a:latin typeface="Open Sans" panose="020B0606030504020204" charset="0"/>
+                <a:ea typeface="Open Sans" panose="020B0606030504020204" charset="0"/>
+                <a:cs typeface="Open Sans" panose="020B0606030504020204" charset="0"/>
+                <a:sym typeface="+mn-ea"/>
+              </a:rPr>
+              <a:t>2. “Sam ShoeType, BrandName, Color, Size, Condition” </a:t>
+            </a:r>
+            <a:r>
+              <a:rPr lang="en-US" sz="1600" b="1" dirty="0" err="1">
+                <a:highlight>
+                  <a:srgbClr val="FFFFFF"/>
+                </a:highlight>
+                <a:latin typeface="Open Sans" panose="020B0606030504020204" charset="0"/>
+                <a:ea typeface="Open Sans" panose="020B0606030504020204" charset="0"/>
+                <a:cs typeface="Open Sans" panose="020B0606030504020204" charset="0"/>
+                <a:sym typeface="+mn-ea"/>
+              </a:rPr>
+              <a:t>Rule</a:t>
+            </a:r>
+            <a:r>
+              <a:rPr lang="en-US" sz="1600" dirty="0" err="1">
+                <a:highlight>
+                  <a:srgbClr val="FFFFFF"/>
+                </a:highlight>
+                <a:latin typeface="Open Sans" panose="020B0606030504020204" charset="0"/>
+                <a:ea typeface="Open Sans" panose="020B0606030504020204" charset="0"/>
+                <a:cs typeface="Open Sans" panose="020B0606030504020204" charset="0"/>
+                <a:sym typeface="+mn-ea"/>
+              </a:rPr>
+              <a:t>. Match the Item records on:</a:t>
+            </a:r>
+            <a:endParaRPr lang="en-US" sz="1600" dirty="0" err="1">
+              <a:highlight>
+                <a:srgbClr val="FFFFFF"/>
+              </a:highlight>
+              <a:latin typeface="Open Sans" panose="020B0606030504020204" charset="0"/>
+              <a:ea typeface="Open Sans" panose="020B0606030504020204" charset="0"/>
+              <a:cs typeface="Open Sans" panose="020B0606030504020204" charset="0"/>
+              <a:sym typeface="+mn-ea"/>
+            </a:endParaRPr>
+          </a:p>
+          <a:p>
+            <a:pPr marL="0" lvl="0" indent="0" algn="l" rtl="0">
+              <a:lnSpc>
+                <a:spcPct val="45000"/>
+              </a:lnSpc>
+              <a:spcBef>
+                <a:spcPts val="1600"/>
+              </a:spcBef>
+              <a:spcAft>
+                <a:spcPts val="0"/>
+              </a:spcAft>
+              <a:buNone/>
+            </a:pPr>
+            <a:r>
+              <a:rPr lang="en-US" sz="1600" dirty="0" err="1">
+                <a:highlight>
+                  <a:srgbClr val="FFFFFF"/>
+                </a:highlight>
+                <a:latin typeface="Open Sans" panose="020B0606030504020204" charset="0"/>
+                <a:ea typeface="Open Sans" panose="020B0606030504020204" charset="0"/>
+                <a:cs typeface="Open Sans" panose="020B0606030504020204" charset="0"/>
+                <a:sym typeface="+mn-ea"/>
+              </a:rPr>
+              <a:t>- ShoeType, BrandName,  Color, Size of the Items table.</a:t>
+            </a:r>
+            <a:endParaRPr lang="en-US" sz="1600" dirty="0" err="1">
+              <a:highlight>
+                <a:srgbClr val="FFFFFF"/>
+              </a:highlight>
+              <a:latin typeface="Open Sans" panose="020B0606030504020204" charset="0"/>
+              <a:ea typeface="Open Sans" panose="020B0606030504020204" charset="0"/>
+              <a:cs typeface="Open Sans" panose="020B0606030504020204" charset="0"/>
+              <a:sym typeface="+mn-ea"/>
+            </a:endParaRPr>
+          </a:p>
+          <a:p>
+            <a:pPr marL="0" lvl="0" indent="0" algn="l" rtl="0">
+              <a:lnSpc>
+                <a:spcPct val="45000"/>
+              </a:lnSpc>
+              <a:spcBef>
+                <a:spcPts val="1600"/>
+              </a:spcBef>
+              <a:spcAft>
+                <a:spcPts val="0"/>
+              </a:spcAft>
+              <a:buNone/>
+            </a:pPr>
+            <a:r>
+              <a:rPr lang="en-US" altLang="en-GB" sz="1600">
+                <a:solidFill>
+                  <a:srgbClr val="525C65"/>
+                </a:solidFill>
+                <a:highlight>
+                  <a:srgbClr val="FFFFFF"/>
+                </a:highlight>
+                <a:latin typeface="Open Sans" panose="020B0606030504020204" charset="0"/>
+                <a:ea typeface="Open Sans" panose="020B0606030504020204"/>
+                <a:cs typeface="Open Sans" panose="020B0606030504020204" charset="0"/>
+                <a:sym typeface="Open Sans" panose="020B0606030504020204"/>
+              </a:rPr>
+              <a:t>- Condition of the Listings table</a:t>
+            </a:r>
+            <a:endParaRPr lang="en-US" altLang="en-GB" sz="1600">
+              <a:solidFill>
+                <a:srgbClr val="525C65"/>
+              </a:solidFill>
+              <a:highlight>
+                <a:srgbClr val="FFFFFF"/>
+              </a:highlight>
+              <a:latin typeface="Open Sans" panose="020B0606030504020204" charset="0"/>
+              <a:ea typeface="Open Sans" panose="020B0606030504020204"/>
+              <a:cs typeface="Open Sans" panose="020B0606030504020204" charset="0"/>
+              <a:sym typeface="Open Sans" panose="020B0606030504020204"/>
+            </a:endParaRPr>
+          </a:p>
+          <a:p>
+            <a:pPr marL="0" lvl="0" indent="0" algn="just" rtl="0">
+              <a:spcBef>
+                <a:spcPts val="1600"/>
+              </a:spcBef>
+              <a:spcAft>
+                <a:spcPts val="0"/>
+              </a:spcAft>
+              <a:buNone/>
+            </a:pPr>
+            <a:r>
+              <a:rPr lang="en-US" altLang="en-GB" sz="1600" b="1">
+                <a:solidFill>
+                  <a:srgbClr val="525C65"/>
+                </a:solidFill>
+                <a:highlight>
+                  <a:srgbClr val="FFFFFF"/>
+                </a:highlight>
+                <a:latin typeface="Open Sans" panose="020B0606030504020204"/>
+                <a:ea typeface="Open Sans" panose="020B0606030504020204"/>
+                <a:cs typeface="Open Sans" panose="020B0606030504020204"/>
+                <a:sym typeface="Open Sans" panose="020B0606030504020204"/>
+              </a:rPr>
+              <a:t>Customers: </a:t>
+            </a:r>
+            <a:endParaRPr lang="en-US" altLang="en-GB" sz="1600" b="1">
+              <a:solidFill>
+                <a:srgbClr val="525C65"/>
+              </a:solidFill>
+              <a:highlight>
+                <a:srgbClr val="FFFFFF"/>
+              </a:highlight>
+              <a:latin typeface="Open Sans" panose="020B0606030504020204"/>
+              <a:ea typeface="Open Sans" panose="020B0606030504020204"/>
+              <a:cs typeface="Open Sans" panose="020B0606030504020204"/>
+              <a:sym typeface="Open Sans" panose="020B0606030504020204"/>
+            </a:endParaRPr>
+          </a:p>
+          <a:p>
+            <a:pPr marL="0" lvl="0" algn="l" rtl="0">
+              <a:spcBef>
+                <a:spcPts val="0"/>
+              </a:spcBef>
+              <a:spcAft>
+                <a:spcPts val="0"/>
+              </a:spcAft>
+              <a:buNone/>
+            </a:pPr>
+            <a:r>
+              <a:rPr lang="en-GB" sz="1400">
+                <a:solidFill>
+                  <a:srgbClr val="525C65"/>
+                </a:solidFill>
+                <a:highlight>
+                  <a:srgbClr val="FFFFFF"/>
+                </a:highlight>
+                <a:latin typeface="Open Sans" panose="020B0606030504020204"/>
+                <a:ea typeface="Open Sans" panose="020B0606030504020204"/>
+                <a:cs typeface="Open Sans" panose="020B0606030504020204"/>
+                <a:sym typeface="Open Sans" panose="020B0606030504020204"/>
+              </a:rPr>
+              <a:t>1. </a:t>
+            </a:r>
+            <a:r>
+              <a:rPr lang="en-US" altLang="en-GB" sz="1400" b="1">
+                <a:solidFill>
+                  <a:srgbClr val="525C65"/>
+                </a:solidFill>
+                <a:highlight>
+                  <a:srgbClr val="FFFFFF"/>
+                </a:highlight>
+                <a:latin typeface="Open Sans" panose="020B0606030504020204"/>
+                <a:ea typeface="Open Sans" panose="020B0606030504020204"/>
+                <a:cs typeface="Open Sans" panose="020B0606030504020204"/>
+                <a:sym typeface="Open Sans" panose="020B0606030504020204"/>
+              </a:rPr>
+              <a:t>“</a:t>
+            </a:r>
+            <a:r>
+              <a:rPr lang="en-US" sz="1400" dirty="0">
+                <a:highlight>
+                  <a:srgbClr val="FFFFFF"/>
+                </a:highlight>
+                <a:latin typeface="Open Sans" panose="020B0606030504020204" charset="0"/>
+                <a:ea typeface="Open Sans" panose="020B0606030504020204" charset="0"/>
+                <a:cs typeface="Open Sans" panose="020B0606030504020204" charset="0"/>
+                <a:sym typeface="+mn-ea"/>
+              </a:rPr>
+              <a:t>Same UserID </a:t>
+            </a:r>
+            <a:r>
+              <a:rPr lang="en-US" altLang="en-GB" sz="1400" b="1">
+                <a:solidFill>
+                  <a:srgbClr val="525C65"/>
+                </a:solidFill>
+                <a:highlight>
+                  <a:srgbClr val="FFFFFF"/>
+                </a:highlight>
+                <a:latin typeface="Open Sans" panose="020B0606030504020204"/>
+                <a:ea typeface="Open Sans" panose="020B0606030504020204"/>
+                <a:cs typeface="Open Sans" panose="020B0606030504020204"/>
+                <a:sym typeface="Open Sans" panose="020B0606030504020204"/>
+              </a:rPr>
+              <a:t>” Rule. </a:t>
+            </a:r>
+            <a:r>
+              <a:rPr lang="en-US" altLang="en-GB" sz="1400">
+                <a:solidFill>
+                  <a:srgbClr val="525C65"/>
+                </a:solidFill>
+                <a:highlight>
+                  <a:srgbClr val="FFFFFF"/>
+                </a:highlight>
+                <a:latin typeface="Open Sans" panose="020B0606030504020204"/>
+                <a:ea typeface="Open Sans" panose="020B0606030504020204"/>
+                <a:cs typeface="Open Sans" panose="020B0606030504020204"/>
+                <a:sym typeface="Open Sans" panose="020B0606030504020204"/>
+              </a:rPr>
+              <a:t>Match the Customer records on :</a:t>
+            </a:r>
+            <a:endParaRPr lang="en-US" altLang="en-GB" sz="1400">
+              <a:solidFill>
+                <a:srgbClr val="525C65"/>
+              </a:solidFill>
+              <a:highlight>
+                <a:srgbClr val="FFFFFF"/>
+              </a:highlight>
+              <a:latin typeface="Open Sans" panose="020B0606030504020204"/>
+              <a:ea typeface="Open Sans" panose="020B0606030504020204"/>
+              <a:cs typeface="Open Sans" panose="020B0606030504020204"/>
+              <a:sym typeface="Open Sans" panose="020B0606030504020204"/>
+            </a:endParaRPr>
+          </a:p>
+          <a:p>
+            <a:pPr marL="0" lvl="0" algn="l" rtl="0">
+              <a:spcBef>
+                <a:spcPts val="0"/>
+              </a:spcBef>
+              <a:spcAft>
+                <a:spcPts val="0"/>
+              </a:spcAft>
+              <a:buNone/>
+            </a:pPr>
+            <a:r>
+              <a:rPr lang="en-US" altLang="en-GB" sz="1400">
+                <a:solidFill>
+                  <a:srgbClr val="525C65"/>
+                </a:solidFill>
+                <a:highlight>
+                  <a:srgbClr val="FFFFFF"/>
+                </a:highlight>
+                <a:latin typeface="Open Sans" panose="020B0606030504020204" charset="0"/>
+                <a:ea typeface="Open Sans" panose="020B0606030504020204"/>
+                <a:cs typeface="Open Sans" panose="020B0606030504020204" charset="0"/>
+                <a:sym typeface="Open Sans" panose="020B0606030504020204"/>
+              </a:rPr>
+              <a:t>- </a:t>
+            </a:r>
+            <a:r>
+              <a:rPr lang="en-US" sz="1400" dirty="0">
+                <a:highlight>
+                  <a:srgbClr val="FFFFFF"/>
+                </a:highlight>
+                <a:latin typeface="Open Sans" panose="020B0606030504020204" charset="0"/>
+                <a:ea typeface="Open Sans" panose="020B0606030504020204" charset="0"/>
+                <a:cs typeface="Open Sans" panose="020B0606030504020204" charset="0"/>
+                <a:sym typeface="+mn-ea"/>
+              </a:rPr>
+              <a:t>UserID </a:t>
+            </a:r>
+            <a:r>
+              <a:rPr lang="en-US" altLang="en-GB" sz="1400">
+                <a:solidFill>
+                  <a:srgbClr val="525C65"/>
+                </a:solidFill>
+                <a:highlight>
+                  <a:srgbClr val="FFFFFF"/>
+                </a:highlight>
+                <a:latin typeface="Open Sans" panose="020B0606030504020204" charset="0"/>
+                <a:ea typeface="Open Sans" panose="020B0606030504020204"/>
+                <a:cs typeface="Open Sans" panose="020B0606030504020204" charset="0"/>
+                <a:sym typeface="Open Sans" panose="020B0606030504020204"/>
+              </a:rPr>
+              <a:t>of the Users table.</a:t>
+            </a:r>
+            <a:endParaRPr lang="en-US" altLang="en-GB" sz="1400">
+              <a:solidFill>
+                <a:srgbClr val="525C65"/>
+              </a:solidFill>
+              <a:highlight>
+                <a:srgbClr val="FFFFFF"/>
+              </a:highlight>
+              <a:latin typeface="Open Sans" panose="020B0606030504020204" charset="0"/>
+              <a:ea typeface="Open Sans" panose="020B0606030504020204"/>
+              <a:cs typeface="Open Sans" panose="020B0606030504020204" charset="0"/>
+              <a:sym typeface="Open Sans" panose="020B0606030504020204"/>
+            </a:endParaRPr>
+          </a:p>
+          <a:p>
+            <a:pPr marL="0" lvl="0" algn="l" rtl="0">
+              <a:spcBef>
+                <a:spcPts val="0"/>
+              </a:spcBef>
+              <a:spcAft>
+                <a:spcPts val="0"/>
+              </a:spcAft>
+              <a:buNone/>
+            </a:pPr>
+            <a:r>
+              <a:rPr lang="en-US" altLang="en-GB" sz="1400">
+                <a:solidFill>
+                  <a:srgbClr val="525C65"/>
+                </a:solidFill>
+                <a:highlight>
+                  <a:srgbClr val="FFFFFF"/>
+                </a:highlight>
+                <a:latin typeface="Open Sans" panose="020B0606030504020204"/>
+                <a:ea typeface="Open Sans" panose="020B0606030504020204"/>
+                <a:cs typeface="Open Sans" panose="020B0606030504020204"/>
+                <a:sym typeface="Open Sans" panose="020B0606030504020204"/>
+              </a:rPr>
+              <a:t>2</a:t>
+            </a:r>
+            <a:r>
+              <a:rPr lang="en-GB" sz="1400">
+                <a:solidFill>
+                  <a:srgbClr val="525C65"/>
+                </a:solidFill>
+                <a:highlight>
+                  <a:srgbClr val="FFFFFF"/>
+                </a:highlight>
+                <a:latin typeface="Open Sans" panose="020B0606030504020204"/>
+                <a:ea typeface="Open Sans" panose="020B0606030504020204"/>
+                <a:cs typeface="Open Sans" panose="020B0606030504020204"/>
+                <a:sym typeface="Open Sans" panose="020B0606030504020204"/>
+              </a:rPr>
+              <a:t>. </a:t>
+            </a:r>
+            <a:r>
+              <a:rPr lang="en-US" altLang="en-GB" sz="1400" b="1">
+                <a:solidFill>
+                  <a:srgbClr val="525C65"/>
+                </a:solidFill>
+                <a:highlight>
+                  <a:srgbClr val="FFFFFF"/>
+                </a:highlight>
+                <a:latin typeface="Open Sans" panose="020B0606030504020204"/>
+                <a:ea typeface="Open Sans" panose="020B0606030504020204"/>
+                <a:cs typeface="Open Sans" panose="020B0606030504020204"/>
+                <a:sym typeface="Open Sans" panose="020B0606030504020204"/>
+              </a:rPr>
+              <a:t>“</a:t>
+            </a:r>
+            <a:r>
+              <a:rPr lang="en-US" sz="1400" dirty="0">
+                <a:highlight>
+                  <a:srgbClr val="FFFFFF"/>
+                </a:highlight>
+                <a:latin typeface="Open Sans" panose="020B0606030504020204" charset="0"/>
+                <a:ea typeface="Open Sans" panose="020B0606030504020204" charset="0"/>
+                <a:cs typeface="Open Sans" panose="020B0606030504020204" charset="0"/>
+                <a:sym typeface="+mn-ea"/>
+              </a:rPr>
+              <a:t>Same FirstName, LastName, Email</a:t>
+            </a:r>
+            <a:r>
+              <a:rPr lang="en-US" altLang="en-GB" sz="1400" b="1">
+                <a:solidFill>
+                  <a:srgbClr val="525C65"/>
+                </a:solidFill>
+                <a:highlight>
+                  <a:srgbClr val="FFFFFF"/>
+                </a:highlight>
+                <a:latin typeface="Open Sans" panose="020B0606030504020204"/>
+                <a:ea typeface="Open Sans" panose="020B0606030504020204"/>
+                <a:cs typeface="Open Sans" panose="020B0606030504020204"/>
+                <a:sym typeface="Open Sans" panose="020B0606030504020204"/>
+              </a:rPr>
+              <a:t>” Rule. </a:t>
+            </a:r>
+            <a:r>
+              <a:rPr lang="en-US" altLang="en-GB" sz="1400">
+                <a:solidFill>
+                  <a:srgbClr val="525C65"/>
+                </a:solidFill>
+                <a:highlight>
+                  <a:srgbClr val="FFFFFF"/>
+                </a:highlight>
+                <a:latin typeface="Open Sans" panose="020B0606030504020204"/>
+                <a:ea typeface="Open Sans" panose="020B0606030504020204"/>
+                <a:cs typeface="Open Sans" panose="020B0606030504020204"/>
+                <a:sym typeface="Open Sans" panose="020B0606030504020204"/>
+              </a:rPr>
+              <a:t>Match the Customer records on :</a:t>
+            </a:r>
+            <a:endParaRPr lang="en-US" altLang="en-GB" sz="1400">
+              <a:solidFill>
+                <a:srgbClr val="525C65"/>
+              </a:solidFill>
+              <a:highlight>
+                <a:srgbClr val="FFFFFF"/>
+              </a:highlight>
+              <a:latin typeface="Open Sans" panose="020B0606030504020204"/>
+              <a:ea typeface="Open Sans" panose="020B0606030504020204"/>
+              <a:cs typeface="Open Sans" panose="020B0606030504020204"/>
+              <a:sym typeface="Open Sans" panose="020B0606030504020204"/>
+            </a:endParaRPr>
+          </a:p>
+          <a:p>
+            <a:pPr marL="0" lvl="0" algn="l" rtl="0">
+              <a:spcBef>
+                <a:spcPts val="0"/>
+              </a:spcBef>
+              <a:spcAft>
+                <a:spcPts val="0"/>
+              </a:spcAft>
+              <a:buNone/>
+            </a:pPr>
+            <a:r>
+              <a:rPr lang="en-US" altLang="en-GB" sz="1400">
+                <a:solidFill>
+                  <a:srgbClr val="525C65"/>
+                </a:solidFill>
+                <a:highlight>
+                  <a:srgbClr val="FFFFFF"/>
+                </a:highlight>
+                <a:latin typeface="Open Sans" panose="020B0606030504020204" charset="0"/>
+                <a:ea typeface="Open Sans" panose="020B0606030504020204"/>
+                <a:cs typeface="Open Sans" panose="020B0606030504020204" charset="0"/>
+                <a:sym typeface="Open Sans" panose="020B0606030504020204"/>
+              </a:rPr>
+              <a:t>- </a:t>
+            </a:r>
+            <a:r>
+              <a:rPr lang="en-US" sz="1400" dirty="0">
+                <a:highlight>
+                  <a:srgbClr val="FFFFFF"/>
+                </a:highlight>
+                <a:latin typeface="Open Sans" panose="020B0606030504020204" charset="0"/>
+                <a:ea typeface="Open Sans" panose="020B0606030504020204" charset="0"/>
+                <a:cs typeface="Open Sans" panose="020B0606030504020204" charset="0"/>
+                <a:sym typeface="+mn-ea"/>
+              </a:rPr>
+              <a:t>FirstName, LastName, Email </a:t>
+            </a:r>
+            <a:r>
+              <a:rPr lang="en-US" altLang="en-GB" sz="1400">
+                <a:solidFill>
+                  <a:srgbClr val="525C65"/>
+                </a:solidFill>
+                <a:highlight>
+                  <a:srgbClr val="FFFFFF"/>
+                </a:highlight>
+                <a:latin typeface="Open Sans" panose="020B0606030504020204" charset="0"/>
+                <a:ea typeface="Open Sans" panose="020B0606030504020204"/>
+                <a:cs typeface="Open Sans" panose="020B0606030504020204" charset="0"/>
+                <a:sym typeface="Open Sans" panose="020B0606030504020204"/>
+              </a:rPr>
+              <a:t>of the Users table.</a:t>
+            </a:r>
+            <a:endParaRPr lang="en-US" altLang="en-GB" sz="1400">
+              <a:solidFill>
+                <a:srgbClr val="525C65"/>
+              </a:solidFill>
+              <a:highlight>
+                <a:srgbClr val="FFFFFF"/>
+              </a:highlight>
+              <a:latin typeface="Open Sans" panose="020B0606030504020204" charset="0"/>
+              <a:ea typeface="Open Sans" panose="020B0606030504020204"/>
+              <a:cs typeface="Open Sans" panose="020B0606030504020204" charset="0"/>
+              <a:sym typeface="Open Sans" panose="020B0606030504020204"/>
+            </a:endParaRPr>
+          </a:p>
+          <a:p>
+            <a:pPr marL="0" lvl="0" algn="l" rtl="0">
+              <a:spcBef>
+                <a:spcPts val="0"/>
+              </a:spcBef>
+              <a:spcAft>
+                <a:spcPts val="0"/>
+              </a:spcAft>
+              <a:buNone/>
+            </a:pPr>
+            <a:endParaRPr lang="en-US" altLang="en-GB" sz="1400">
+              <a:solidFill>
+                <a:srgbClr val="525C65"/>
+              </a:solidFill>
+              <a:highlight>
+                <a:srgbClr val="FFFFFF"/>
+              </a:highlight>
+              <a:latin typeface="Open Sans" panose="020B0606030504020204" charset="0"/>
+              <a:ea typeface="Open Sans" panose="020B0606030504020204"/>
+              <a:cs typeface="Open Sans" panose="020B0606030504020204" charset="0"/>
+              <a:sym typeface="Open Sans" panose="020B0606030504020204"/>
+            </a:endParaRPr>
+          </a:p>
+          <a:p>
+            <a:pPr marL="0" lvl="0" algn="l" rtl="0">
+              <a:spcBef>
+                <a:spcPts val="0"/>
+              </a:spcBef>
+              <a:spcAft>
+                <a:spcPts val="0"/>
+              </a:spcAft>
+              <a:buNone/>
+            </a:pPr>
+            <a:endParaRPr lang="en-GB" sz="1400">
+              <a:solidFill>
+                <a:srgbClr val="525C65"/>
+              </a:solidFill>
+              <a:highlight>
+                <a:srgbClr val="FFFFFF"/>
+              </a:highlight>
+              <a:latin typeface="Open Sans" panose="020B0606030504020204"/>
+              <a:ea typeface="Open Sans" panose="020B0606030504020204"/>
+              <a:cs typeface="Open Sans" panose="020B0606030504020204"/>
+              <a:sym typeface="Open Sans" panose="020B0606030504020204"/>
+            </a:endParaRPr>
+          </a:p>
+          <a:p>
+            <a:pPr marL="0" lvl="0" indent="0" algn="just" rtl="0">
+              <a:spcBef>
+                <a:spcPts val="1600"/>
+              </a:spcBef>
+              <a:spcAft>
+                <a:spcPts val="0"/>
+              </a:spcAft>
+              <a:buNone/>
+            </a:pPr>
+            <a:endParaRPr lang="en-US" altLang="en-GB" sz="1600" b="1">
               <a:solidFill>
                 <a:srgbClr val="525C65"/>
               </a:solidFill>
@@ -29537,279 +29606,7 @@
 </p:sld>
 </file>
 
-<file path=ppt/slides/slide2.xml><?xml version="1.0" encoding="utf-8"?>
-<p:sld xmlns:a="http://schemas.openxmlformats.org/drawingml/2006/main" xmlns:r="http://schemas.openxmlformats.org/officeDocument/2006/relationships" xmlns:p="http://schemas.openxmlformats.org/presentationml/2006/main">
-  <p:cSld>
-    <p:spTree>
-      <p:nvGrpSpPr>
-        <p:cNvPr id="184" name="Shape 184"/>
-        <p:cNvGrpSpPr/>
-        <p:nvPr/>
-      </p:nvGrpSpPr>
-      <p:grpSpPr>
-        <a:xfrm>
-          <a:off x="0" y="0"/>
-          <a:ext cx="0" cy="0"/>
-          <a:chOff x="0" y="0"/>
-          <a:chExt cx="0" cy="0"/>
-        </a:xfrm>
-      </p:grpSpPr>
-      <p:sp>
-        <p:nvSpPr>
-          <p:cNvPr id="185" name="Google Shape;185;p52"/>
-          <p:cNvSpPr txBox="1"/>
-          <p:nvPr>
-            <p:ph type="title"/>
-          </p:nvPr>
-        </p:nvSpPr>
-        <p:spPr>
-          <a:xfrm>
-            <a:off x="264945" y="870271"/>
-            <a:ext cx="7242600" cy="1119900"/>
-          </a:xfrm>
-          <a:prstGeom prst="rect">
-            <a:avLst/>
-          </a:prstGeom>
-        </p:spPr>
-        <p:txBody>
-          <a:bodyPr spcFirstLastPara="1" wrap="square" lIns="91425" tIns="91425" rIns="91425" bIns="91425" anchor="ctr" anchorCtr="0">
-            <a:noAutofit/>
-          </a:bodyPr>
-          <a:lstStyle/>
-          <a:p>
-            <a:pPr marL="0" lvl="0" indent="0" algn="l" rtl="0">
-              <a:spcBef>
-                <a:spcPts val="0"/>
-              </a:spcBef>
-              <a:spcAft>
-                <a:spcPts val="0"/>
-              </a:spcAft>
-              <a:buNone/>
-            </a:pPr>
-            <a:r>
-              <a:rPr lang="en-GB"/>
-              <a:t>How to use this Template</a:t>
-            </a:r>
-            <a:endParaRPr lang="en-GB"/>
-          </a:p>
-        </p:txBody>
-      </p:sp>
-      <p:sp>
-        <p:nvSpPr>
-          <p:cNvPr id="186" name="Google Shape;186;p52"/>
-          <p:cNvSpPr txBox="1"/>
-          <p:nvPr>
-            <p:ph type="body" idx="1"/>
-          </p:nvPr>
-        </p:nvSpPr>
-        <p:spPr>
-          <a:xfrm>
-            <a:off x="264945" y="2253729"/>
-            <a:ext cx="7242600" cy="6239700"/>
-          </a:xfrm>
-          <a:prstGeom prst="rect">
-            <a:avLst/>
-          </a:prstGeom>
-        </p:spPr>
-        <p:txBody>
-          <a:bodyPr spcFirstLastPara="1" wrap="square" lIns="91425" tIns="91425" rIns="91425" bIns="91425" anchor="t" anchorCtr="0">
-            <a:noAutofit/>
-          </a:bodyPr>
-          <a:lstStyle/>
-          <a:p>
-            <a:pPr marL="457200" lvl="0" indent="-368300" algn="l" rtl="0">
-              <a:spcBef>
-                <a:spcPts val="0"/>
-              </a:spcBef>
-              <a:spcAft>
-                <a:spcPts val="0"/>
-              </a:spcAft>
-              <a:buSzPts val="2200"/>
-              <a:buChar char="●"/>
-            </a:pPr>
-            <a:r>
-              <a:rPr lang="en-GB" sz="2200"/>
-              <a:t>Theses slides are provided as a guide to ensure that you submit all the required components to successfully complete your project. For detailed instruction, please read the instruction in the classroom.</a:t>
-            </a:r>
-            <a:endParaRPr sz="2200"/>
-          </a:p>
-          <a:p>
-            <a:pPr marL="457200" lvl="0" indent="-368300" algn="l" rtl="0">
-              <a:spcBef>
-                <a:spcPts val="0"/>
-              </a:spcBef>
-              <a:spcAft>
-                <a:spcPts val="0"/>
-              </a:spcAft>
-              <a:buSzPts val="2200"/>
-              <a:buChar char="●"/>
-            </a:pPr>
-            <a:r>
-              <a:rPr lang="en-GB" sz="2200"/>
-              <a:t>When presenting your project, please only think of this as a guide. We encouraged you to use creative freedom when making changes as long as the required information is present. </a:t>
-            </a:r>
-            <a:endParaRPr sz="2200"/>
-          </a:p>
-          <a:p>
-            <a:pPr marL="457200" lvl="0" indent="-368300" algn="l" rtl="0">
-              <a:spcBef>
-                <a:spcPts val="0"/>
-              </a:spcBef>
-              <a:spcAft>
-                <a:spcPts val="0"/>
-              </a:spcAft>
-              <a:buSzPts val="2200"/>
-              <a:buChar char="●"/>
-            </a:pPr>
-            <a:r>
-              <a:rPr lang="en-GB" sz="2200" b="1">
-                <a:latin typeface="Open Sans" panose="020B0606030504020204"/>
-                <a:ea typeface="Open Sans" panose="020B0606030504020204"/>
-                <a:cs typeface="Open Sans" panose="020B0606030504020204"/>
-                <a:sym typeface="Open Sans" panose="020B0606030504020204"/>
-              </a:rPr>
-              <a:t>Remember to delete this and all</a:t>
-            </a:r>
-            <a:r>
-              <a:rPr lang="en-GB" sz="2200"/>
-              <a:t> of the other example slides before you submit your project.</a:t>
-            </a:r>
-            <a:endParaRPr sz="2200"/>
-          </a:p>
-          <a:p>
-            <a:pPr marL="457200" lvl="0" indent="-368300" algn="l" rtl="0">
-              <a:spcBef>
-                <a:spcPts val="0"/>
-              </a:spcBef>
-              <a:spcAft>
-                <a:spcPts val="0"/>
-              </a:spcAft>
-              <a:buSzPts val="2200"/>
-              <a:buChar char="●"/>
-            </a:pPr>
-            <a:r>
-              <a:rPr lang="en-GB" sz="2200" b="1">
-                <a:latin typeface="Open Sans" panose="020B0606030504020204"/>
-                <a:ea typeface="Open Sans" panose="020B0606030504020204"/>
-                <a:cs typeface="Open Sans" panose="020B0606030504020204"/>
-                <a:sym typeface="Open Sans" panose="020B0606030504020204"/>
-              </a:rPr>
-              <a:t>Remember to add your name and the date</a:t>
-            </a:r>
-            <a:r>
-              <a:rPr lang="en-GB" sz="2200"/>
-              <a:t> to the cover slide</a:t>
-            </a:r>
-            <a:endParaRPr sz="2200"/>
-          </a:p>
-          <a:p>
-            <a:pPr marL="457200" lvl="0" indent="0" algn="l" rtl="0">
-              <a:spcBef>
-                <a:spcPts val="1600"/>
-              </a:spcBef>
-              <a:spcAft>
-                <a:spcPts val="1600"/>
-              </a:spcAft>
-              <a:buNone/>
-            </a:pPr>
-            <a:endParaRPr sz="2200"/>
-          </a:p>
-        </p:txBody>
-      </p:sp>
-      <p:sp>
-        <p:nvSpPr>
-          <p:cNvPr id="187" name="Google Shape;187;p52"/>
-          <p:cNvSpPr txBox="1"/>
-          <p:nvPr/>
-        </p:nvSpPr>
-        <p:spPr>
-          <a:xfrm>
-            <a:off x="1028425" y="7749175"/>
-            <a:ext cx="5652900" cy="1119900"/>
-          </a:xfrm>
-          <a:prstGeom prst="rect">
-            <a:avLst/>
-          </a:prstGeom>
-          <a:noFill/>
-          <a:ln>
-            <a:noFill/>
-          </a:ln>
-        </p:spPr>
-        <p:txBody>
-          <a:bodyPr spcFirstLastPara="1" wrap="square" lIns="91425" tIns="91425" rIns="91425" bIns="91425" anchor="t" anchorCtr="0">
-            <a:noAutofit/>
-          </a:bodyPr>
-          <a:lstStyle/>
-          <a:p>
-            <a:pPr marL="0" lvl="0" indent="0" algn="ctr" rtl="0">
-              <a:spcBef>
-                <a:spcPts val="0"/>
-              </a:spcBef>
-              <a:spcAft>
-                <a:spcPts val="0"/>
-              </a:spcAft>
-              <a:buNone/>
-            </a:pPr>
-            <a:r>
-              <a:rPr lang="en-GB" sz="4500">
-                <a:solidFill>
-                  <a:srgbClr val="FFFFFF"/>
-                </a:solidFill>
-                <a:latin typeface="Open Sans" panose="020B0606030504020204"/>
-                <a:ea typeface="Open Sans" panose="020B0606030504020204"/>
-                <a:cs typeface="Open Sans" panose="020B0606030504020204"/>
-                <a:sym typeface="Open Sans" panose="020B0606030504020204"/>
-              </a:rPr>
-              <a:t>Remove this slide</a:t>
-            </a:r>
-            <a:endParaRPr sz="4500">
-              <a:solidFill>
-                <a:srgbClr val="FFFFFF"/>
-              </a:solidFill>
-              <a:latin typeface="Open Sans" panose="020B0606030504020204"/>
-              <a:ea typeface="Open Sans" panose="020B0606030504020204"/>
-              <a:cs typeface="Open Sans" panose="020B0606030504020204"/>
-              <a:sym typeface="Open Sans" panose="020B0606030504020204"/>
-            </a:endParaRPr>
-          </a:p>
-        </p:txBody>
-      </p:sp>
-      <p:pic>
-        <p:nvPicPr>
-          <p:cNvPr id="188" name="Google Shape;188;p52"/>
-          <p:cNvPicPr preferRelativeResize="0"/>
-          <p:nvPr/>
-        </p:nvPicPr>
-        <p:blipFill rotWithShape="1">
-          <a:blip r:embed="rId1"/>
-          <a:srcRect l="18073" t="20988" r="14486" b="11824"/>
-          <a:stretch>
-            <a:fillRect/>
-          </a:stretch>
-        </p:blipFill>
-        <p:spPr>
-          <a:xfrm>
-            <a:off x="374375" y="7823200"/>
-            <a:ext cx="7023750" cy="1749275"/>
-          </a:xfrm>
-          <a:prstGeom prst="rect">
-            <a:avLst/>
-          </a:prstGeom>
-          <a:noFill/>
-          <a:ln>
-            <a:noFill/>
-          </a:ln>
-        </p:spPr>
-      </p:pic>
-    </p:spTree>
-  </p:cSld>
-  <p:clrMapOvr>
-    <a:masterClrMapping/>
-  </p:clrMapOvr>
-</p:sld>
-</file>
-
-<file path=ppt/slides/slide20.xml><?xml version="1.0" encoding="utf-8"?>
+<file path=ppt/slides/slide19.xml><?xml version="1.0" encoding="utf-8"?>
 <p:sld xmlns:a="http://schemas.openxmlformats.org/drawingml/2006/main" xmlns:r="http://schemas.openxmlformats.org/officeDocument/2006/relationships" xmlns:p="http://schemas.openxmlformats.org/presentationml/2006/main">
   <p:cSld>
     <p:bg>
@@ -30040,7 +29837,418 @@
 </p:sld>
 </file>
 
-<file path=ppt/slides/slide21.xml><?xml version="1.0" encoding="utf-8"?>
+<file path=ppt/slides/slide2.xml><?xml version="1.0" encoding="utf-8"?>
+<p:sld xmlns:a="http://schemas.openxmlformats.org/drawingml/2006/main" xmlns:r="http://schemas.openxmlformats.org/officeDocument/2006/relationships" xmlns:p="http://schemas.openxmlformats.org/presentationml/2006/main">
+  <p:cSld>
+    <p:spTree>
+      <p:nvGrpSpPr>
+        <p:cNvPr id="202" name="Shape 202"/>
+        <p:cNvGrpSpPr/>
+        <p:nvPr/>
+      </p:nvGrpSpPr>
+      <p:grpSpPr>
+        <a:xfrm>
+          <a:off x="0" y="0"/>
+          <a:ext cx="0" cy="0"/>
+          <a:chOff x="0" y="0"/>
+          <a:chExt cx="0" cy="0"/>
+        </a:xfrm>
+      </p:grpSpPr>
+      <p:sp>
+        <p:nvSpPr>
+          <p:cNvPr id="203" name="Google Shape;203;p54"/>
+          <p:cNvSpPr txBox="1"/>
+          <p:nvPr>
+            <p:ph type="title"/>
+          </p:nvPr>
+        </p:nvSpPr>
+        <p:spPr>
+          <a:xfrm>
+            <a:off x="264895" y="184471"/>
+            <a:ext cx="7242600" cy="1119900"/>
+          </a:xfrm>
+          <a:prstGeom prst="rect">
+            <a:avLst/>
+          </a:prstGeom>
+        </p:spPr>
+        <p:txBody>
+          <a:bodyPr spcFirstLastPara="1" wrap="square" lIns="91425" tIns="91425" rIns="91425" bIns="91425" anchor="ctr" anchorCtr="0">
+            <a:noAutofit/>
+          </a:bodyPr>
+          <a:lstStyle/>
+          <a:p>
+            <a:pPr marL="0" lvl="0" indent="0" algn="l" rtl="0">
+              <a:spcBef>
+                <a:spcPts val="0"/>
+              </a:spcBef>
+              <a:spcAft>
+                <a:spcPts val="0"/>
+              </a:spcAft>
+              <a:buNone/>
+            </a:pPr>
+            <a:r>
+              <a:rPr lang="en-GB"/>
+              <a:t>Background</a:t>
+            </a:r>
+            <a:endParaRPr lang="en-GB"/>
+          </a:p>
+        </p:txBody>
+      </p:sp>
+      <p:sp>
+        <p:nvSpPr>
+          <p:cNvPr id="204" name="Google Shape;204;p54"/>
+          <p:cNvSpPr txBox="1"/>
+          <p:nvPr>
+            <p:ph type="body" idx="1"/>
+          </p:nvPr>
+        </p:nvSpPr>
+        <p:spPr>
+          <a:xfrm>
+            <a:off x="264900" y="1420950"/>
+            <a:ext cx="6932700" cy="8332800"/>
+          </a:xfrm>
+          <a:prstGeom prst="rect">
+            <a:avLst/>
+          </a:prstGeom>
+        </p:spPr>
+        <p:txBody>
+          <a:bodyPr spcFirstLastPara="1" wrap="square" lIns="91425" tIns="91425" rIns="91425" bIns="91425" anchor="t" anchorCtr="0">
+            <a:noAutofit/>
+          </a:bodyPr>
+          <a:lstStyle/>
+          <a:p>
+            <a:pPr marL="457200" lvl="0" indent="-336550" algn="just" rtl="0">
+              <a:lnSpc>
+                <a:spcPct val="150000"/>
+              </a:lnSpc>
+              <a:spcBef>
+                <a:spcPts val="0"/>
+              </a:spcBef>
+              <a:spcAft>
+                <a:spcPts val="0"/>
+              </a:spcAft>
+              <a:buClr>
+                <a:srgbClr val="525C65"/>
+              </a:buClr>
+              <a:buSzPts val="1700"/>
+              <a:buFont typeface="Open Sans" panose="020B0606030504020204"/>
+              <a:buChar char="●"/>
+            </a:pPr>
+            <a:r>
+              <a:rPr lang="en-GB" sz="1700" b="1">
+                <a:solidFill>
+                  <a:srgbClr val="525C65"/>
+                </a:solidFill>
+                <a:highlight>
+                  <a:srgbClr val="FFFFFF"/>
+                </a:highlight>
+                <a:latin typeface="Open Sans" panose="020B0606030504020204"/>
+                <a:ea typeface="Open Sans" panose="020B0606030504020204"/>
+                <a:cs typeface="Open Sans" panose="020B0606030504020204"/>
+                <a:sym typeface="Open Sans" panose="020B0606030504020204"/>
+              </a:rPr>
+              <a:t>SneakerPark</a:t>
+            </a:r>
+            <a:r>
+              <a:rPr lang="en-GB" sz="1700">
+                <a:solidFill>
+                  <a:srgbClr val="525C65"/>
+                </a:solidFill>
+                <a:highlight>
+                  <a:srgbClr val="FFFFFF"/>
+                </a:highlight>
+                <a:latin typeface="Open Sans" panose="020B0606030504020204"/>
+                <a:ea typeface="Open Sans" panose="020B0606030504020204"/>
+                <a:cs typeface="Open Sans" panose="020B0606030504020204"/>
+                <a:sym typeface="Open Sans" panose="020B0606030504020204"/>
+              </a:rPr>
+              <a:t> is an online shoe reseller that allows people to buy and sell used and new shoes. Buyers can bid for shoes or buy them outright, and sellers can set a price or sell to the highest bidder.</a:t>
+            </a:r>
+            <a:endParaRPr sz="1700">
+              <a:solidFill>
+                <a:srgbClr val="525C65"/>
+              </a:solidFill>
+              <a:highlight>
+                <a:srgbClr val="FFFFFF"/>
+              </a:highlight>
+              <a:latin typeface="Open Sans" panose="020B0606030504020204"/>
+              <a:ea typeface="Open Sans" panose="020B0606030504020204"/>
+              <a:cs typeface="Open Sans" panose="020B0606030504020204"/>
+              <a:sym typeface="Open Sans" panose="020B0606030504020204"/>
+            </a:endParaRPr>
+          </a:p>
+          <a:p>
+            <a:pPr marL="457200" lvl="0" indent="-336550" algn="just" rtl="0">
+              <a:lnSpc>
+                <a:spcPct val="150000"/>
+              </a:lnSpc>
+              <a:spcBef>
+                <a:spcPts val="0"/>
+              </a:spcBef>
+              <a:spcAft>
+                <a:spcPts val="0"/>
+              </a:spcAft>
+              <a:buClr>
+                <a:srgbClr val="525C65"/>
+              </a:buClr>
+              <a:buSzPts val="1700"/>
+              <a:buFont typeface="Open Sans" panose="020B0606030504020204"/>
+              <a:buChar char="●"/>
+            </a:pPr>
+            <a:r>
+              <a:rPr lang="en-GB" sz="1700">
+                <a:solidFill>
+                  <a:srgbClr val="525C65"/>
+                </a:solidFill>
+                <a:highlight>
+                  <a:srgbClr val="FFFFFF"/>
+                </a:highlight>
+                <a:latin typeface="Open Sans" panose="020B0606030504020204"/>
+                <a:ea typeface="Open Sans" panose="020B0606030504020204"/>
+                <a:cs typeface="Open Sans" panose="020B0606030504020204"/>
+                <a:sym typeface="Open Sans" panose="020B0606030504020204"/>
+              </a:rPr>
+              <a:t>Each buyer and seller must have an active account in order to sell, bid, or purchase sneakers using SneakerPark’s website.</a:t>
+            </a:r>
+            <a:endParaRPr sz="1700">
+              <a:solidFill>
+                <a:srgbClr val="525C65"/>
+              </a:solidFill>
+              <a:highlight>
+                <a:srgbClr val="FFFFFF"/>
+              </a:highlight>
+              <a:latin typeface="Open Sans" panose="020B0606030504020204"/>
+              <a:ea typeface="Open Sans" panose="020B0606030504020204"/>
+              <a:cs typeface="Open Sans" panose="020B0606030504020204"/>
+              <a:sym typeface="Open Sans" panose="020B0606030504020204"/>
+            </a:endParaRPr>
+          </a:p>
+          <a:p>
+            <a:pPr marL="457200" lvl="0" indent="-336550" algn="just" rtl="0">
+              <a:lnSpc>
+                <a:spcPct val="150000"/>
+              </a:lnSpc>
+              <a:spcBef>
+                <a:spcPts val="0"/>
+              </a:spcBef>
+              <a:spcAft>
+                <a:spcPts val="0"/>
+              </a:spcAft>
+              <a:buClr>
+                <a:srgbClr val="525C65"/>
+              </a:buClr>
+              <a:buSzPts val="1700"/>
+              <a:buFont typeface="Open Sans" panose="020B0606030504020204"/>
+              <a:buChar char="●"/>
+            </a:pPr>
+            <a:r>
+              <a:rPr lang="en-GB" sz="1700">
+                <a:solidFill>
+                  <a:srgbClr val="525C65"/>
+                </a:solidFill>
+                <a:highlight>
+                  <a:srgbClr val="FFFFFF"/>
+                </a:highlight>
+                <a:latin typeface="Open Sans" panose="020B0606030504020204"/>
+                <a:ea typeface="Open Sans" panose="020B0606030504020204"/>
+                <a:cs typeface="Open Sans" panose="020B0606030504020204"/>
+                <a:sym typeface="Open Sans" panose="020B0606030504020204"/>
+              </a:rPr>
+              <a:t>SneakerPark authenticates the shoes before shipping them to the buyer, so before listing an item, the seller must ship it to SneakerPark’s warehouse. Upon receipt, SneakerPark assigns an item number to each pair of sneakers and notifies the seller that they are now free to list their item. If the item is not listed within 45 days, SneakerPark returns it to the seller and sends an invoice to the seller for the shipping cost.</a:t>
+            </a:r>
+            <a:endParaRPr sz="1700">
+              <a:solidFill>
+                <a:srgbClr val="525C65"/>
+              </a:solidFill>
+              <a:highlight>
+                <a:srgbClr val="FFFFFF"/>
+              </a:highlight>
+              <a:latin typeface="Open Sans" panose="020B0606030504020204"/>
+              <a:ea typeface="Open Sans" panose="020B0606030504020204"/>
+              <a:cs typeface="Open Sans" panose="020B0606030504020204"/>
+              <a:sym typeface="Open Sans" panose="020B0606030504020204"/>
+            </a:endParaRPr>
+          </a:p>
+          <a:p>
+            <a:pPr marL="457200" lvl="0" indent="-336550" algn="just" rtl="0">
+              <a:lnSpc>
+                <a:spcPct val="150000"/>
+              </a:lnSpc>
+              <a:spcBef>
+                <a:spcPts val="0"/>
+              </a:spcBef>
+              <a:spcAft>
+                <a:spcPts val="0"/>
+              </a:spcAft>
+              <a:buClr>
+                <a:srgbClr val="525C65"/>
+              </a:buClr>
+              <a:buSzPts val="1700"/>
+              <a:buFont typeface="Open Sans" panose="020B0606030504020204"/>
+              <a:buChar char="●"/>
+            </a:pPr>
+            <a:r>
+              <a:rPr lang="en-GB" sz="1700">
+                <a:solidFill>
+                  <a:srgbClr val="525C65"/>
+                </a:solidFill>
+                <a:highlight>
+                  <a:srgbClr val="FFFFFF"/>
+                </a:highlight>
+                <a:latin typeface="Open Sans" panose="020B0606030504020204"/>
+                <a:ea typeface="Open Sans" panose="020B0606030504020204"/>
+                <a:cs typeface="Open Sans" panose="020B0606030504020204"/>
+                <a:sym typeface="Open Sans" panose="020B0606030504020204"/>
+              </a:rPr>
+              <a:t>If the item is found to be inauthentic or in an unacceptable condition, it is also returned back to the seller in a similar fashion.</a:t>
+            </a:r>
+            <a:endParaRPr sz="1700">
+              <a:solidFill>
+                <a:srgbClr val="525C65"/>
+              </a:solidFill>
+              <a:highlight>
+                <a:srgbClr val="FFFFFF"/>
+              </a:highlight>
+              <a:latin typeface="Open Sans" panose="020B0606030504020204"/>
+              <a:ea typeface="Open Sans" panose="020B0606030504020204"/>
+              <a:cs typeface="Open Sans" panose="020B0606030504020204"/>
+              <a:sym typeface="Open Sans" panose="020B0606030504020204"/>
+            </a:endParaRPr>
+          </a:p>
+          <a:p>
+            <a:pPr marL="457200" lvl="0" indent="-336550" algn="just" rtl="0">
+              <a:lnSpc>
+                <a:spcPct val="150000"/>
+              </a:lnSpc>
+              <a:spcBef>
+                <a:spcPts val="0"/>
+              </a:spcBef>
+              <a:spcAft>
+                <a:spcPts val="0"/>
+              </a:spcAft>
+              <a:buClr>
+                <a:srgbClr val="525C65"/>
+              </a:buClr>
+              <a:buSzPts val="1700"/>
+              <a:buFont typeface="Open Sans" panose="020B0606030504020204"/>
+              <a:buChar char="●"/>
+            </a:pPr>
+            <a:r>
+              <a:rPr lang="en-GB" sz="1700">
+                <a:solidFill>
+                  <a:srgbClr val="525C65"/>
+                </a:solidFill>
+                <a:highlight>
+                  <a:srgbClr val="FFFFFF"/>
+                </a:highlight>
+                <a:latin typeface="Open Sans" panose="020B0606030504020204"/>
+                <a:ea typeface="Open Sans" panose="020B0606030504020204"/>
+                <a:cs typeface="Open Sans" panose="020B0606030504020204"/>
+                <a:sym typeface="Open Sans" panose="020B0606030504020204"/>
+              </a:rPr>
+              <a:t>When the item sells, the buyer’s account is credited with the purchase price minus the SneakerPark service fee and shipping fees to deliver the item to the buyer.</a:t>
+            </a:r>
+            <a:endParaRPr sz="1700">
+              <a:solidFill>
+                <a:srgbClr val="525C65"/>
+              </a:solidFill>
+              <a:highlight>
+                <a:srgbClr val="FFFFFF"/>
+              </a:highlight>
+              <a:latin typeface="Open Sans" panose="020B0606030504020204"/>
+              <a:ea typeface="Open Sans" panose="020B0606030504020204"/>
+              <a:cs typeface="Open Sans" panose="020B0606030504020204"/>
+              <a:sym typeface="Open Sans" panose="020B0606030504020204"/>
+            </a:endParaRPr>
+          </a:p>
+          <a:p>
+            <a:pPr marL="457200" lvl="0" indent="-336550" algn="just" rtl="0">
+              <a:lnSpc>
+                <a:spcPct val="150000"/>
+              </a:lnSpc>
+              <a:spcBef>
+                <a:spcPts val="0"/>
+              </a:spcBef>
+              <a:spcAft>
+                <a:spcPts val="0"/>
+              </a:spcAft>
+              <a:buClr>
+                <a:srgbClr val="525C65"/>
+              </a:buClr>
+              <a:buSzPts val="1700"/>
+              <a:buFont typeface="Open Sans" panose="020B0606030504020204"/>
+              <a:buChar char="●"/>
+            </a:pPr>
+            <a:r>
+              <a:rPr lang="en-GB" sz="1700">
+                <a:solidFill>
+                  <a:srgbClr val="525C65"/>
+                </a:solidFill>
+                <a:highlight>
+                  <a:srgbClr val="FFFFFF"/>
+                </a:highlight>
+                <a:latin typeface="Open Sans" panose="020B0606030504020204"/>
+                <a:ea typeface="Open Sans" panose="020B0606030504020204"/>
+                <a:cs typeface="Open Sans" panose="020B0606030504020204"/>
+                <a:sym typeface="Open Sans" panose="020B0606030504020204"/>
+              </a:rPr>
+              <a:t>Currently, SneakerPark only supports sales within the United States.</a:t>
+            </a:r>
+            <a:endParaRPr sz="1700">
+              <a:solidFill>
+                <a:srgbClr val="525C65"/>
+              </a:solidFill>
+              <a:highlight>
+                <a:srgbClr val="FFFFFF"/>
+              </a:highlight>
+              <a:latin typeface="Open Sans" panose="020B0606030504020204"/>
+              <a:ea typeface="Open Sans" panose="020B0606030504020204"/>
+              <a:cs typeface="Open Sans" panose="020B0606030504020204"/>
+              <a:sym typeface="Open Sans" panose="020B0606030504020204"/>
+            </a:endParaRPr>
+          </a:p>
+          <a:p>
+            <a:pPr marL="0" marR="241300" lvl="0" indent="0" algn="just" rtl="0">
+              <a:lnSpc>
+                <a:spcPct val="150000"/>
+              </a:lnSpc>
+              <a:spcBef>
+                <a:spcPts val="1100"/>
+              </a:spcBef>
+              <a:spcAft>
+                <a:spcPts val="400"/>
+              </a:spcAft>
+              <a:buClr>
+                <a:schemeClr val="dk1"/>
+              </a:buClr>
+              <a:buSzPts val="1100"/>
+              <a:buFont typeface="Arial" panose="020B0604020202020204"/>
+              <a:buNone/>
+            </a:pPr>
+            <a:endParaRPr sz="1700" b="1">
+              <a:solidFill>
+                <a:srgbClr val="2E3D49"/>
+              </a:solidFill>
+              <a:highlight>
+                <a:srgbClr val="FFFFFF"/>
+              </a:highlight>
+              <a:latin typeface="Open Sans" panose="020B0606030504020204"/>
+              <a:ea typeface="Open Sans" panose="020B0606030504020204"/>
+              <a:cs typeface="Open Sans" panose="020B0606030504020204"/>
+              <a:sym typeface="Open Sans" panose="020B0606030504020204"/>
+            </a:endParaRPr>
+          </a:p>
+        </p:txBody>
+      </p:sp>
+    </p:spTree>
+  </p:cSld>
+  <p:clrMapOvr>
+    <a:masterClrMapping/>
+  </p:clrMapOvr>
+</p:sld>
+</file>
+
+<file path=ppt/slides/slide20.xml><?xml version="1.0" encoding="utf-8"?>
 <p:sld xmlns:a="http://schemas.openxmlformats.org/drawingml/2006/main" xmlns:r="http://schemas.openxmlformats.org/officeDocument/2006/relationships" xmlns:p="http://schemas.openxmlformats.org/presentationml/2006/main">
   <p:cSld>
     <p:spTree>
@@ -30066,7 +30274,7 @@
         <p:spPr>
           <a:xfrm>
             <a:off x="457200" y="447675"/>
-            <a:ext cx="6842100" cy="1152600"/>
+            <a:ext cx="7118985" cy="3255010"/>
           </a:xfrm>
           <a:prstGeom prst="rect">
             <a:avLst/>
@@ -30095,7 +30303,7 @@
               <a:buNone/>
             </a:pPr>
             <a:r>
-              <a:rPr lang="en-GB" sz="1600">
+              <a:rPr lang="en-US" altLang="en-GB" sz="1600">
                 <a:solidFill>
                   <a:srgbClr val="525C65"/>
                 </a:solidFill>
@@ -30107,10 +30315,10 @@
                 <a:cs typeface="Open Sans" panose="020B0606030504020204"/>
                 <a:sym typeface="Open Sans" panose="020B0606030504020204"/>
               </a:rPr>
-              <a:t>Write 1-2 paragraphs discussing what </a:t>
+              <a:t>T</a:t>
             </a:r>
             <a:r>
-              <a:rPr lang="en-GB" sz="1600" b="1">
+              <a:rPr lang="en-GB" sz="1600">
                 <a:solidFill>
                   <a:srgbClr val="525C65"/>
                 </a:solidFill>
@@ -30122,10 +30330,10 @@
                 <a:cs typeface="Open Sans" panose="020B0606030504020204"/>
                 <a:sym typeface="Open Sans" panose="020B0606030504020204"/>
               </a:rPr>
-              <a:t>data governance roles and responsibilities</a:t>
+              <a:t>he responsibilities in the context of at </a:t>
             </a:r>
             <a:r>
-              <a:rPr lang="en-GB" sz="1600">
+              <a:rPr lang="en-GB" sz="1600" b="1">
                 <a:solidFill>
                   <a:srgbClr val="525C65"/>
                 </a:solidFill>
@@ -30137,10 +30345,10 @@
                 <a:cs typeface="Open Sans" panose="020B0606030504020204"/>
                 <a:sym typeface="Open Sans" panose="020B0606030504020204"/>
               </a:rPr>
-              <a:t> will be necessary to oversee this new Data Management initiative. Please be sure to discuss the responsibilities in the context of at </a:t>
+              <a:t>3 different aspects </a:t>
             </a:r>
             <a:r>
-              <a:rPr lang="en-GB" sz="1600" b="1">
+              <a:rPr lang="en-GB" sz="1600">
                 <a:solidFill>
                   <a:srgbClr val="525C65"/>
                 </a:solidFill>
@@ -30152,10 +30360,10 @@
                 <a:cs typeface="Open Sans" panose="020B0606030504020204"/>
                 <a:sym typeface="Open Sans" panose="020B0606030504020204"/>
               </a:rPr>
-              <a:t>least 3 different aspects </a:t>
+              <a:t>of Data Governance </a:t>
             </a:r>
             <a:r>
-              <a:rPr lang="en-GB" sz="1600">
+              <a:rPr lang="en-US" altLang="en-GB" sz="1600">
                 <a:solidFill>
                   <a:srgbClr val="525C65"/>
                 </a:solidFill>
@@ -30167,7 +30375,261 @@
                 <a:cs typeface="Open Sans" panose="020B0606030504020204"/>
                 <a:sym typeface="Open Sans" panose="020B0606030504020204"/>
               </a:rPr>
-              <a:t>of Data Governance (such as Data Quality Management, Metadata Management, MDM, etc). Based on what you know, do SneakerPark's </a:t>
+              <a:t>such as:</a:t>
+            </a:r>
+            <a:endParaRPr lang="en-GB" sz="1600">
+              <a:solidFill>
+                <a:srgbClr val="525C65"/>
+              </a:solidFill>
+              <a:highlight>
+                <a:srgbClr val="FFFFFF"/>
+              </a:highlight>
+              <a:latin typeface="Open Sans" panose="020B0606030504020204"/>
+              <a:ea typeface="Open Sans" panose="020B0606030504020204"/>
+              <a:cs typeface="Open Sans" panose="020B0606030504020204"/>
+              <a:sym typeface="Open Sans" panose="020B0606030504020204"/>
+            </a:endParaRPr>
+          </a:p>
+          <a:p>
+            <a:pPr marL="0" lvl="0" indent="0" algn="just" rtl="0">
+              <a:lnSpc>
+                <a:spcPct val="170000"/>
+              </a:lnSpc>
+              <a:spcBef>
+                <a:spcPts val="0"/>
+              </a:spcBef>
+              <a:spcAft>
+                <a:spcPts val="0"/>
+              </a:spcAft>
+              <a:buNone/>
+            </a:pPr>
+            <a:r>
+              <a:rPr lang="en-US" altLang="en-GB" sz="1600">
+                <a:solidFill>
+                  <a:srgbClr val="525C65"/>
+                </a:solidFill>
+                <a:highlight>
+                  <a:srgbClr val="FFFFFF"/>
+                </a:highlight>
+                <a:latin typeface="Open Sans" panose="020B0606030504020204"/>
+                <a:ea typeface="Open Sans" panose="020B0606030504020204"/>
+                <a:cs typeface="Open Sans" panose="020B0606030504020204"/>
+                <a:sym typeface="Open Sans" panose="020B0606030504020204"/>
+              </a:rPr>
+              <a:t>- </a:t>
+            </a:r>
+            <a:r>
+              <a:rPr lang="en-GB" sz="1600">
+                <a:solidFill>
+                  <a:srgbClr val="525C65"/>
+                </a:solidFill>
+                <a:highlight>
+                  <a:srgbClr val="FFFFFF"/>
+                </a:highlight>
+                <a:latin typeface="Open Sans" panose="020B0606030504020204"/>
+                <a:ea typeface="Open Sans" panose="020B0606030504020204"/>
+                <a:cs typeface="Open Sans" panose="020B0606030504020204"/>
+                <a:sym typeface="Open Sans" panose="020B0606030504020204"/>
+              </a:rPr>
+              <a:t>Data Quality Management</a:t>
+            </a:r>
+            <a:r>
+              <a:rPr lang="en-US" altLang="en-GB" sz="1600">
+                <a:solidFill>
+                  <a:srgbClr val="525C65"/>
+                </a:solidFill>
+                <a:highlight>
+                  <a:srgbClr val="FFFFFF"/>
+                </a:highlight>
+                <a:latin typeface="Open Sans" panose="020B0606030504020204"/>
+                <a:ea typeface="Open Sans" panose="020B0606030504020204"/>
+                <a:cs typeface="Open Sans" panose="020B0606030504020204"/>
+                <a:sym typeface="Open Sans" panose="020B0606030504020204"/>
+              </a:rPr>
+              <a:t> </a:t>
+            </a:r>
+            <a:endParaRPr lang="en-US" altLang="en-GB" sz="1600">
+              <a:solidFill>
+                <a:srgbClr val="525C65"/>
+              </a:solidFill>
+              <a:highlight>
+                <a:srgbClr val="FFFFFF"/>
+              </a:highlight>
+              <a:latin typeface="Open Sans" panose="020B0606030504020204"/>
+              <a:ea typeface="Open Sans" panose="020B0606030504020204"/>
+              <a:cs typeface="Open Sans" panose="020B0606030504020204"/>
+              <a:sym typeface="Open Sans" panose="020B0606030504020204"/>
+            </a:endParaRPr>
+          </a:p>
+          <a:p>
+            <a:pPr marL="0" lvl="0" indent="0" algn="just" rtl="0">
+              <a:lnSpc>
+                <a:spcPct val="170000"/>
+              </a:lnSpc>
+              <a:spcBef>
+                <a:spcPts val="0"/>
+              </a:spcBef>
+              <a:spcAft>
+                <a:spcPts val="0"/>
+              </a:spcAft>
+              <a:buNone/>
+            </a:pPr>
+            <a:r>
+              <a:rPr lang="en-US" altLang="en-GB" sz="1600">
+                <a:solidFill>
+                  <a:srgbClr val="525C65"/>
+                </a:solidFill>
+                <a:highlight>
+                  <a:srgbClr val="FFFFFF"/>
+                </a:highlight>
+                <a:latin typeface="Open Sans" panose="020B0606030504020204"/>
+                <a:ea typeface="Open Sans" panose="020B0606030504020204"/>
+                <a:cs typeface="Open Sans" panose="020B0606030504020204"/>
+                <a:sym typeface="Open Sans" panose="020B0606030504020204"/>
+              </a:rPr>
+              <a:t>- </a:t>
+            </a:r>
+            <a:r>
+              <a:rPr lang="en-GB" sz="1600">
+                <a:solidFill>
+                  <a:srgbClr val="525C65"/>
+                </a:solidFill>
+                <a:highlight>
+                  <a:srgbClr val="FFFFFF"/>
+                </a:highlight>
+                <a:latin typeface="Open Sans" panose="020B0606030504020204"/>
+                <a:ea typeface="Open Sans" panose="020B0606030504020204"/>
+                <a:cs typeface="Open Sans" panose="020B0606030504020204"/>
+                <a:sym typeface="Open Sans" panose="020B0606030504020204"/>
+              </a:rPr>
+              <a:t>Metadata Management</a:t>
+            </a:r>
+            <a:r>
+              <a:rPr lang="en-US" altLang="en-GB" sz="1600">
+                <a:solidFill>
+                  <a:srgbClr val="525C65"/>
+                </a:solidFill>
+                <a:highlight>
+                  <a:srgbClr val="FFFFFF"/>
+                </a:highlight>
+                <a:latin typeface="Open Sans" panose="020B0606030504020204"/>
+                <a:ea typeface="Open Sans" panose="020B0606030504020204"/>
+                <a:cs typeface="Open Sans" panose="020B0606030504020204"/>
+                <a:sym typeface="Open Sans" panose="020B0606030504020204"/>
+              </a:rPr>
+              <a:t> </a:t>
+            </a:r>
+            <a:endParaRPr lang="en-US" altLang="en-GB" sz="1600">
+              <a:solidFill>
+                <a:srgbClr val="525C65"/>
+              </a:solidFill>
+              <a:highlight>
+                <a:srgbClr val="FFFFFF"/>
+              </a:highlight>
+              <a:latin typeface="Open Sans" panose="020B0606030504020204"/>
+              <a:ea typeface="Open Sans" panose="020B0606030504020204"/>
+              <a:cs typeface="Open Sans" panose="020B0606030504020204"/>
+              <a:sym typeface="Open Sans" panose="020B0606030504020204"/>
+            </a:endParaRPr>
+          </a:p>
+          <a:p>
+            <a:pPr marL="0" lvl="0" indent="0" algn="just" rtl="0">
+              <a:lnSpc>
+                <a:spcPct val="170000"/>
+              </a:lnSpc>
+              <a:spcBef>
+                <a:spcPts val="0"/>
+              </a:spcBef>
+              <a:spcAft>
+                <a:spcPts val="0"/>
+              </a:spcAft>
+              <a:buNone/>
+            </a:pPr>
+            <a:r>
+              <a:rPr lang="en-US" altLang="en-GB" sz="1600">
+                <a:solidFill>
+                  <a:srgbClr val="525C65"/>
+                </a:solidFill>
+                <a:highlight>
+                  <a:srgbClr val="FFFFFF"/>
+                </a:highlight>
+                <a:latin typeface="Open Sans" panose="020B0606030504020204"/>
+                <a:ea typeface="Open Sans" panose="020B0606030504020204"/>
+                <a:cs typeface="Open Sans" panose="020B0606030504020204"/>
+                <a:sym typeface="Open Sans" panose="020B0606030504020204"/>
+              </a:rPr>
+              <a:t>- </a:t>
+            </a:r>
+            <a:r>
+              <a:rPr lang="en-GB" sz="1600">
+                <a:solidFill>
+                  <a:srgbClr val="525C65"/>
+                </a:solidFill>
+                <a:highlight>
+                  <a:srgbClr val="FFFFFF"/>
+                </a:highlight>
+                <a:latin typeface="Open Sans" panose="020B0606030504020204"/>
+                <a:ea typeface="Open Sans" panose="020B0606030504020204"/>
+                <a:cs typeface="Open Sans" panose="020B0606030504020204"/>
+                <a:sym typeface="Open Sans" panose="020B0606030504020204"/>
+              </a:rPr>
+              <a:t>MDM. </a:t>
+            </a:r>
+            <a:endParaRPr lang="en-GB" sz="1600">
+              <a:solidFill>
+                <a:srgbClr val="525C65"/>
+              </a:solidFill>
+              <a:highlight>
+                <a:srgbClr val="FFFFFF"/>
+              </a:highlight>
+              <a:latin typeface="Open Sans" panose="020B0606030504020204"/>
+              <a:ea typeface="Open Sans" panose="020B0606030504020204"/>
+              <a:cs typeface="Open Sans" panose="020B0606030504020204"/>
+              <a:sym typeface="Open Sans" panose="020B0606030504020204"/>
+            </a:endParaRPr>
+          </a:p>
+          <a:p>
+            <a:pPr marL="0" lvl="0" indent="0" algn="just" rtl="0">
+              <a:lnSpc>
+                <a:spcPct val="170000"/>
+              </a:lnSpc>
+              <a:spcBef>
+                <a:spcPts val="0"/>
+              </a:spcBef>
+              <a:spcAft>
+                <a:spcPts val="0"/>
+              </a:spcAft>
+              <a:buNone/>
+            </a:pPr>
+            <a:r>
+              <a:rPr lang="en-US" altLang="en-GB" sz="1600">
+                <a:solidFill>
+                  <a:srgbClr val="525C65"/>
+                </a:solidFill>
+                <a:highlight>
+                  <a:srgbClr val="FFFFFF"/>
+                </a:highlight>
+                <a:latin typeface="Open Sans" panose="020B0606030504020204"/>
+                <a:ea typeface="Open Sans" panose="020B0606030504020204"/>
+                <a:cs typeface="Open Sans" panose="020B0606030504020204"/>
+                <a:sym typeface="Open Sans" panose="020B0606030504020204"/>
+              </a:rPr>
+              <a:t>D</a:t>
+            </a:r>
+            <a:r>
+              <a:rPr lang="en-GB" sz="1600">
+                <a:solidFill>
+                  <a:srgbClr val="525C65"/>
+                </a:solidFill>
+                <a:highlight>
+                  <a:srgbClr val="FFFFFF"/>
+                </a:highlight>
+                <a:latin typeface="Open Sans" panose="020B0606030504020204"/>
+                <a:ea typeface="Open Sans" panose="020B0606030504020204"/>
+                <a:cs typeface="Open Sans" panose="020B0606030504020204"/>
+                <a:sym typeface="Open Sans" panose="020B0606030504020204"/>
+              </a:rPr>
+              <a:t>o SneakerPark's </a:t>
             </a:r>
             <a:r>
               <a:rPr lang="en-GB" sz="1600" b="1">
@@ -30245,7 +30707,7 @@
           <a:p>
             <a:pPr marL="0" lvl="0" indent="0" algn="just" rtl="0">
               <a:lnSpc>
-                <a:spcPct val="170000"/>
+                <a:spcPct val="150000"/>
               </a:lnSpc>
               <a:spcBef>
                 <a:spcPts val="1100"/>
@@ -30255,7 +30717,67 @@
               </a:spcAft>
               <a:buNone/>
             </a:pPr>
-            <a:endParaRPr sz="1600">
+            <a:r>
+              <a:rPr sz="1600">
+                <a:solidFill>
+                  <a:srgbClr val="525C65"/>
+                </a:solidFill>
+                <a:highlight>
+                  <a:srgbClr val="FFFFFF"/>
+                </a:highlight>
+                <a:latin typeface="Open Sans" panose="020B0606030504020204"/>
+                <a:ea typeface="Open Sans" panose="020B0606030504020204"/>
+                <a:cs typeface="Open Sans" panose="020B0606030504020204"/>
+                <a:sym typeface="Open Sans" panose="020B0606030504020204"/>
+              </a:rPr>
+              <a:t>Data Steward</a:t>
+            </a:r>
+            <a:r>
+              <a:rPr lang="en-US" sz="1600">
+                <a:solidFill>
+                  <a:srgbClr val="525C65"/>
+                </a:solidFill>
+                <a:highlight>
+                  <a:srgbClr val="FFFFFF"/>
+                </a:highlight>
+                <a:latin typeface="Open Sans" panose="020B0606030504020204"/>
+                <a:ea typeface="Open Sans" panose="020B0606030504020204"/>
+                <a:cs typeface="Open Sans" panose="020B0606030504020204"/>
+                <a:sym typeface="Open Sans" panose="020B0606030504020204"/>
+              </a:rPr>
+              <a:t> is who take ownership of the data and work with the business to define the objectives. This role have the responsbilities to </a:t>
+            </a:r>
+            <a:r>
+              <a:rPr lang="en-US" sz="1600">
+                <a:solidFill>
+                  <a:srgbClr val="525C65"/>
+                </a:solidFill>
+                <a:highlight>
+                  <a:srgbClr val="FFFFFF"/>
+                </a:highlight>
+                <a:latin typeface="Open Sans" panose="020B0606030504020204"/>
+                <a:ea typeface="Open Sans" panose="020B0606030504020204"/>
+                <a:cs typeface="Open Sans" panose="020B0606030504020204"/>
+                <a:sym typeface="Open Sans" panose="020B0606030504020204"/>
+              </a:rPr>
+              <a:t>maintaining the quality of data and master data management initiatives. So that Jessica could be take this role base on her </a:t>
+            </a:r>
+            <a:r>
+              <a:rPr lang="en-US" sz="1600" dirty="0">
+                <a:solidFill>
+                  <a:srgbClr val="525C65"/>
+                </a:solidFill>
+                <a:highlight>
+                  <a:srgbClr val="FFFFFF"/>
+                </a:highlight>
+                <a:latin typeface="Open Sans" panose="020B0606030504020204"/>
+                <a:ea typeface="Open Sans" panose="020B0606030504020204"/>
+                <a:cs typeface="Open Sans" panose="020B0606030504020204"/>
+                <a:sym typeface="Open Sans" panose="020B0606030504020204"/>
+              </a:rPr>
+              <a:t> business understanding through the organization. </a:t>
+            </a:r>
+            <a:endParaRPr lang="en-US" sz="1600" dirty="0">
               <a:solidFill>
                 <a:srgbClr val="525C65"/>
               </a:solidFill>
@@ -30271,17 +30793,163 @@
           <a:p>
             <a:pPr marL="0" lvl="0" indent="0" algn="just" rtl="0">
               <a:lnSpc>
-                <a:spcPct val="170000"/>
+                <a:spcPct val="150000"/>
               </a:lnSpc>
               <a:spcBef>
                 <a:spcPts val="1100"/>
               </a:spcBef>
               <a:spcAft>
+                <a:spcPts val="0"/>
+              </a:spcAft>
+              <a:buNone/>
+            </a:pPr>
+            <a:r>
+              <a:rPr lang="en-US" sz="1600" dirty="0">
+                <a:solidFill>
+                  <a:srgbClr val="525C65"/>
+                </a:solidFill>
+                <a:highlight>
+                  <a:srgbClr val="FFFFFF"/>
+                </a:highlight>
+                <a:latin typeface="Open Sans" panose="020B0606030504020204"/>
+                <a:ea typeface="Open Sans" panose="020B0606030504020204"/>
+                <a:cs typeface="Open Sans" panose="020B0606030504020204"/>
+                <a:sym typeface="Open Sans" panose="020B0606030504020204"/>
+              </a:rPr>
+              <a:t>Beside that  the new hire could be consider to share workload with Jessica to work as Data engineer that </a:t>
+            </a:r>
+            <a:r>
+              <a:rPr sz="1600" dirty="0">
+                <a:solidFill>
+                  <a:srgbClr val="525C65"/>
+                </a:solidFill>
+                <a:highlight>
+                  <a:srgbClr val="FFFFFF"/>
+                </a:highlight>
+                <a:latin typeface="Open Sans" panose="020B0606030504020204"/>
+                <a:ea typeface="Open Sans" panose="020B0606030504020204"/>
+                <a:cs typeface="Open Sans" panose="020B0606030504020204"/>
+                <a:sym typeface="Open Sans" panose="020B0606030504020204"/>
+              </a:rPr>
+              <a:t>work as part of an analytics team </a:t>
+            </a:r>
+            <a:r>
+              <a:rPr lang="en-US" sz="1600" dirty="0">
+                <a:solidFill>
+                  <a:srgbClr val="525C65"/>
+                </a:solidFill>
+                <a:highlight>
+                  <a:srgbClr val="FFFFFF"/>
+                </a:highlight>
+                <a:latin typeface="Open Sans" panose="020B0606030504020204"/>
+                <a:ea typeface="Open Sans" panose="020B0606030504020204"/>
+                <a:cs typeface="Open Sans" panose="020B0606030504020204"/>
+                <a:sym typeface="Open Sans" panose="020B0606030504020204"/>
+              </a:rPr>
+              <a:t>to </a:t>
+            </a:r>
+            <a:r>
+              <a:rPr sz="1600" dirty="0">
+                <a:solidFill>
+                  <a:srgbClr val="525C65"/>
+                </a:solidFill>
+                <a:highlight>
+                  <a:srgbClr val="FFFFFF"/>
+                </a:highlight>
+                <a:latin typeface="Open Sans" panose="020B0606030504020204"/>
+                <a:ea typeface="Open Sans" panose="020B0606030504020204"/>
+                <a:cs typeface="Open Sans" panose="020B0606030504020204"/>
+                <a:sym typeface="Open Sans" panose="020B0606030504020204"/>
+              </a:rPr>
+              <a:t> provide data in usable formats for predictive analytics, machine learning and data mining applications</a:t>
+            </a:r>
+            <a:r>
+              <a:rPr lang="en-US" sz="1600" dirty="0">
+                <a:solidFill>
+                  <a:srgbClr val="525C65"/>
+                </a:solidFill>
+                <a:highlight>
+                  <a:srgbClr val="FFFFFF"/>
+                </a:highlight>
+                <a:latin typeface="Open Sans" panose="020B0606030504020204"/>
+                <a:ea typeface="Open Sans" panose="020B0606030504020204"/>
+                <a:cs typeface="Open Sans" panose="020B0606030504020204"/>
+                <a:sym typeface="Open Sans" panose="020B0606030504020204"/>
+              </a:rPr>
+              <a:t>.</a:t>
+            </a:r>
+            <a:endParaRPr lang="en-US" sz="1600" dirty="0">
+              <a:solidFill>
+                <a:srgbClr val="525C65"/>
+              </a:solidFill>
+              <a:highlight>
+                <a:srgbClr val="FFFFFF"/>
+              </a:highlight>
+              <a:latin typeface="Open Sans" panose="020B0606030504020204"/>
+              <a:ea typeface="Open Sans" panose="020B0606030504020204"/>
+              <a:cs typeface="Open Sans" panose="020B0606030504020204"/>
+              <a:sym typeface="Open Sans" panose="020B0606030504020204"/>
+            </a:endParaRPr>
+          </a:p>
+          <a:p>
+            <a:pPr marL="0" lvl="0" indent="0" algn="just" rtl="0">
+              <a:lnSpc>
+                <a:spcPct val="150000"/>
+              </a:lnSpc>
+              <a:spcBef>
                 <a:spcPts val="1100"/>
+              </a:spcBef>
+              <a:spcAft>
+                <a:spcPts val="0"/>
               </a:spcAft>
               <a:buNone/>
             </a:pPr>
-            <a:endParaRPr sz="1600">
+            <a:r>
+              <a:rPr lang="en-US" sz="1600">
+                <a:solidFill>
+                  <a:srgbClr val="525C65"/>
+                </a:solidFill>
+                <a:highlight>
+                  <a:srgbClr val="FFFFFF"/>
+                </a:highlight>
+                <a:latin typeface="Open Sans" panose="020B0606030504020204"/>
+                <a:ea typeface="Open Sans" panose="020B0606030504020204"/>
+                <a:cs typeface="Open Sans" panose="020B0606030504020204"/>
+                <a:sym typeface="Open Sans" panose="020B0606030504020204"/>
+              </a:rPr>
+              <a:t>Jake was background is in IT suppoer </a:t>
+            </a:r>
+            <a:r>
+              <a:rPr lang="en-GB" sz="1600" dirty="0">
+                <a:solidFill>
+                  <a:srgbClr val="525C65"/>
+                </a:solidFill>
+                <a:highlight>
+                  <a:srgbClr val="FFFFFF"/>
+                </a:highlight>
+                <a:latin typeface="Open Sans" panose="020B0606030504020204"/>
+                <a:ea typeface="Open Sans" panose="020B0606030504020204"/>
+                <a:cs typeface="Open Sans" panose="020B0606030504020204"/>
+                <a:sym typeface="Open Sans" panose="020B0606030504020204"/>
+              </a:rPr>
+              <a:t>will be responsible for providing IT production support</a:t>
+            </a:r>
+            <a:r>
+              <a:rPr lang="en-US" altLang="en-GB" sz="1600" dirty="0">
+                <a:solidFill>
+                  <a:srgbClr val="525C65"/>
+                </a:solidFill>
+                <a:highlight>
+                  <a:srgbClr val="FFFFFF"/>
+                </a:highlight>
+                <a:latin typeface="Open Sans" panose="020B0606030504020204"/>
+                <a:ea typeface="Open Sans" panose="020B0606030504020204"/>
+                <a:cs typeface="Open Sans" panose="020B0606030504020204"/>
+                <a:sym typeface="Open Sans" panose="020B0606030504020204"/>
+              </a:rPr>
+              <a:t>s. He should be trained to adopting devOps strategies by using some tools and ways of working from the devOps world to implement the automation jobs that help to reduces errors, accelerates workflows, and ensures consistent data quality.</a:t>
+            </a:r>
+            <a:endParaRPr lang="en-US" altLang="en-GB" sz="1600" dirty="0">
               <a:solidFill>
                 <a:srgbClr val="525C65"/>
               </a:solidFill>
@@ -30296,6 +30964,31 @@
           </a:p>
         </p:txBody>
       </p:sp>
+      <p:sp>
+        <p:nvSpPr>
+          <p:cNvPr id="2" name="Text Box 1"/>
+          <p:cNvSpPr txBox="1"/>
+          <p:nvPr/>
+        </p:nvSpPr>
+        <p:spPr>
+          <a:xfrm>
+            <a:off x="483870" y="8526780"/>
+            <a:ext cx="2590800" cy="306705"/>
+          </a:xfrm>
+          <a:prstGeom prst="rect">
+            <a:avLst/>
+          </a:prstGeom>
+          <a:noFill/>
+        </p:spPr>
+        <p:txBody>
+          <a:bodyPr wrap="square" rtlCol="0">
+            <a:spAutoFit/>
+          </a:bodyPr>
+          <a:p>
+            <a:endParaRPr lang="en-US"/>
+          </a:p>
+        </p:txBody>
+      </p:sp>
     </p:spTree>
   </p:cSld>
   <p:clrMapOvr>
@@ -30304,7 +30997,7 @@
 </p:sld>
 </file>
 
-<file path=ppt/slides/slide22.xml><?xml version="1.0" encoding="utf-8"?>
+<file path=ppt/slides/slide21.xml><?xml version="1.0" encoding="utf-8"?>
 <p:sld xmlns:a="http://schemas.openxmlformats.org/drawingml/2006/main" xmlns:r="http://schemas.openxmlformats.org/officeDocument/2006/relationships" xmlns:p="http://schemas.openxmlformats.org/presentationml/2006/main">
   <p:cSld>
     <p:bg>
@@ -30457,1276 +31150,7 @@
 </p:sld>
 </file>
 
-<file path=ppt/slides/slide23.xml><?xml version="1.0" encoding="utf-8"?>
-<p:sld xmlns:a="http://schemas.openxmlformats.org/drawingml/2006/main" xmlns:r="http://schemas.openxmlformats.org/officeDocument/2006/relationships" xmlns:p="http://schemas.openxmlformats.org/presentationml/2006/main">
-  <p:cSld>
-    <p:spTree>
-      <p:nvGrpSpPr>
-        <p:cNvPr id="313" name="Shape 313"/>
-        <p:cNvGrpSpPr/>
-        <p:nvPr/>
-      </p:nvGrpSpPr>
-      <p:grpSpPr>
-        <a:xfrm>
-          <a:off x="0" y="0"/>
-          <a:ext cx="0" cy="0"/>
-          <a:chOff x="0" y="0"/>
-          <a:chExt cx="0" cy="0"/>
-        </a:xfrm>
-      </p:grpSpPr>
-      <p:sp>
-        <p:nvSpPr>
-          <p:cNvPr id="314" name="Google Shape;314;p73"/>
-          <p:cNvSpPr txBox="1"/>
-          <p:nvPr/>
-        </p:nvSpPr>
-        <p:spPr>
-          <a:xfrm>
-            <a:off x="457200" y="504825"/>
-            <a:ext cx="6858000" cy="7983600"/>
-          </a:xfrm>
-          <a:prstGeom prst="rect">
-            <a:avLst/>
-          </a:prstGeom>
-          <a:noFill/>
-          <a:ln>
-            <a:noFill/>
-          </a:ln>
-        </p:spPr>
-        <p:txBody>
-          <a:bodyPr spcFirstLastPara="1" wrap="square" lIns="91425" tIns="91425" rIns="91425" bIns="91425" anchor="t" anchorCtr="0">
-            <a:noAutofit/>
-          </a:bodyPr>
-          <a:lstStyle/>
-          <a:p>
-            <a:pPr marL="457200" lvl="0" indent="-342900" algn="l" rtl="0">
-              <a:lnSpc>
-                <a:spcPct val="115000"/>
-              </a:lnSpc>
-              <a:spcBef>
-                <a:spcPts val="0"/>
-              </a:spcBef>
-              <a:spcAft>
-                <a:spcPts val="0"/>
-              </a:spcAft>
-              <a:buClr>
-                <a:srgbClr val="2E3D49"/>
-              </a:buClr>
-              <a:buSzPts val="1800"/>
-              <a:buFont typeface="Open Sans" panose="020B0606030504020204"/>
-              <a:buAutoNum type="arabicPeriod"/>
-            </a:pPr>
-            <a:r>
-              <a:rPr lang="en-GB" sz="1600">
-                <a:solidFill>
-                  <a:srgbClr val="525C65"/>
-                </a:solidFill>
-                <a:highlight>
-                  <a:srgbClr val="FFFFFF"/>
-                </a:highlight>
-                <a:latin typeface="Open Sans" panose="020B0606030504020204"/>
-                <a:ea typeface="Open Sans" panose="020B0606030504020204"/>
-                <a:cs typeface="Open Sans" panose="020B0606030504020204"/>
-                <a:sym typeface="Open Sans" panose="020B0606030504020204"/>
-              </a:rPr>
-              <a:t>Create a Business Glossary for SneakerPark and define common terms such as Item, Buyer, etc. Think and discuss how SneakerPark can improve on the consistency of the terms that its systems currently use. (You can use the “Business Glossary” tab of the same Sheets template you’ve been using for the other parts of this project to get you started.)</a:t>
-            </a:r>
-            <a:endParaRPr sz="1600">
-              <a:solidFill>
-                <a:srgbClr val="525C65"/>
-              </a:solidFill>
-              <a:highlight>
-                <a:srgbClr val="FFFFFF"/>
-              </a:highlight>
-              <a:latin typeface="Open Sans" panose="020B0606030504020204"/>
-              <a:ea typeface="Open Sans" panose="020B0606030504020204"/>
-              <a:cs typeface="Open Sans" panose="020B0606030504020204"/>
-              <a:sym typeface="Open Sans" panose="020B0606030504020204"/>
-            </a:endParaRPr>
-          </a:p>
-          <a:p>
-            <a:pPr marL="457200" lvl="0" indent="0" algn="l" rtl="0">
-              <a:lnSpc>
-                <a:spcPct val="115000"/>
-              </a:lnSpc>
-              <a:spcBef>
-                <a:spcPts val="0"/>
-              </a:spcBef>
-              <a:spcAft>
-                <a:spcPts val="0"/>
-              </a:spcAft>
-              <a:buNone/>
-            </a:pPr>
-            <a:endParaRPr sz="1600">
-              <a:solidFill>
-                <a:srgbClr val="525C65"/>
-              </a:solidFill>
-              <a:highlight>
-                <a:srgbClr val="FFFFFF"/>
-              </a:highlight>
-              <a:latin typeface="Open Sans" panose="020B0606030504020204"/>
-              <a:ea typeface="Open Sans" panose="020B0606030504020204"/>
-              <a:cs typeface="Open Sans" panose="020B0606030504020204"/>
-              <a:sym typeface="Open Sans" panose="020B0606030504020204"/>
-            </a:endParaRPr>
-          </a:p>
-          <a:p>
-            <a:pPr marL="457200" lvl="0" indent="-342900" algn="l" rtl="0">
-              <a:lnSpc>
-                <a:spcPct val="115000"/>
-              </a:lnSpc>
-              <a:spcBef>
-                <a:spcPts val="0"/>
-              </a:spcBef>
-              <a:spcAft>
-                <a:spcPts val="0"/>
-              </a:spcAft>
-              <a:buClr>
-                <a:srgbClr val="2E3D49"/>
-              </a:buClr>
-              <a:buSzPts val="1800"/>
-              <a:buFont typeface="Open Sans" panose="020B0606030504020204"/>
-              <a:buAutoNum type="arabicPeriod"/>
-            </a:pPr>
-            <a:r>
-              <a:rPr lang="en-GB" sz="1600">
-                <a:solidFill>
-                  <a:srgbClr val="525C65"/>
-                </a:solidFill>
-                <a:highlight>
-                  <a:srgbClr val="FFFFFF"/>
-                </a:highlight>
-                <a:latin typeface="Open Sans" panose="020B0606030504020204"/>
-                <a:ea typeface="Open Sans" panose="020B0606030504020204"/>
-                <a:cs typeface="Open Sans" panose="020B0606030504020204"/>
-                <a:sym typeface="Open Sans" panose="020B0606030504020204"/>
-              </a:rPr>
-              <a:t>Document</a:t>
-            </a:r>
-            <a:r>
-              <a:rPr lang="en-GB" sz="1600">
-                <a:solidFill>
-                  <a:srgbClr val="525C65"/>
-                </a:solidFill>
-                <a:highlight>
-                  <a:srgbClr val="FFFFFF"/>
-                </a:highlight>
-                <a:latin typeface="Open Sans" panose="020B0606030504020204"/>
-                <a:ea typeface="Open Sans" panose="020B0606030504020204"/>
-                <a:cs typeface="Open Sans" panose="020B0606030504020204"/>
-                <a:sym typeface="Open Sans" panose="020B0606030504020204"/>
-              </a:rPr>
-              <a:t> SneakerPark’s current naming conventions. Can you think of any improvements?  (You can use the “Standard Naming Conventions” tab of the same Sheets template you’ve been using for the other parts of this project to get you started.) Some examples of Naming Conventions include;</a:t>
-            </a:r>
-            <a:endParaRPr sz="1600">
-              <a:solidFill>
-                <a:srgbClr val="525C65"/>
-              </a:solidFill>
-              <a:highlight>
-                <a:srgbClr val="FFFFFF"/>
-              </a:highlight>
-              <a:latin typeface="Open Sans" panose="020B0606030504020204"/>
-              <a:ea typeface="Open Sans" panose="020B0606030504020204"/>
-              <a:cs typeface="Open Sans" panose="020B0606030504020204"/>
-              <a:sym typeface="Open Sans" panose="020B0606030504020204"/>
-            </a:endParaRPr>
-          </a:p>
-          <a:p>
-            <a:pPr marL="457200" lvl="0" indent="0" algn="l" rtl="0">
-              <a:lnSpc>
-                <a:spcPct val="115000"/>
-              </a:lnSpc>
-              <a:spcBef>
-                <a:spcPts val="0"/>
-              </a:spcBef>
-              <a:spcAft>
-                <a:spcPts val="0"/>
-              </a:spcAft>
-              <a:buNone/>
-            </a:pPr>
-            <a:endParaRPr sz="1600">
-              <a:solidFill>
-                <a:srgbClr val="525C65"/>
-              </a:solidFill>
-              <a:highlight>
-                <a:srgbClr val="FFFFFF"/>
-              </a:highlight>
-              <a:latin typeface="Open Sans" panose="020B0606030504020204"/>
-              <a:ea typeface="Open Sans" panose="020B0606030504020204"/>
-              <a:cs typeface="Open Sans" panose="020B0606030504020204"/>
-              <a:sym typeface="Open Sans" panose="020B0606030504020204"/>
-            </a:endParaRPr>
-          </a:p>
-          <a:p>
-            <a:pPr marL="914400" lvl="0" indent="-330200" algn="l" rtl="0">
-              <a:lnSpc>
-                <a:spcPct val="115000"/>
-              </a:lnSpc>
-              <a:spcBef>
-                <a:spcPts val="0"/>
-              </a:spcBef>
-              <a:spcAft>
-                <a:spcPts val="0"/>
-              </a:spcAft>
-              <a:buClr>
-                <a:srgbClr val="525C65"/>
-              </a:buClr>
-              <a:buSzPts val="1600"/>
-              <a:buFont typeface="Open Sans" panose="020B0606030504020204"/>
-              <a:buChar char="●"/>
-            </a:pPr>
-            <a:r>
-              <a:rPr lang="en-GB" sz="1600">
-                <a:solidFill>
-                  <a:srgbClr val="525C65"/>
-                </a:solidFill>
-                <a:highlight>
-                  <a:srgbClr val="FFFFFF"/>
-                </a:highlight>
-                <a:latin typeface="Open Sans" panose="020B0606030504020204"/>
-                <a:ea typeface="Open Sans" panose="020B0606030504020204"/>
-                <a:cs typeface="Open Sans" panose="020B0606030504020204"/>
-                <a:sym typeface="Open Sans" panose="020B0606030504020204"/>
-              </a:rPr>
-              <a:t>Do not use spaces or special characters.</a:t>
-            </a:r>
-            <a:endParaRPr sz="1600">
-              <a:solidFill>
-                <a:srgbClr val="525C65"/>
-              </a:solidFill>
-              <a:highlight>
-                <a:srgbClr val="FFFFFF"/>
-              </a:highlight>
-              <a:latin typeface="Open Sans" panose="020B0606030504020204"/>
-              <a:ea typeface="Open Sans" panose="020B0606030504020204"/>
-              <a:cs typeface="Open Sans" panose="020B0606030504020204"/>
-              <a:sym typeface="Open Sans" panose="020B0606030504020204"/>
-            </a:endParaRPr>
-          </a:p>
-          <a:p>
-            <a:pPr marL="914400" lvl="0" indent="-330200" algn="l" rtl="0">
-              <a:lnSpc>
-                <a:spcPct val="115000"/>
-              </a:lnSpc>
-              <a:spcBef>
-                <a:spcPts val="0"/>
-              </a:spcBef>
-              <a:spcAft>
-                <a:spcPts val="0"/>
-              </a:spcAft>
-              <a:buClr>
-                <a:srgbClr val="525C65"/>
-              </a:buClr>
-              <a:buSzPts val="1600"/>
-              <a:buFont typeface="Open Sans" panose="020B0606030504020204"/>
-              <a:buChar char="●"/>
-            </a:pPr>
-            <a:r>
-              <a:rPr lang="en-GB" sz="1600">
-                <a:solidFill>
-                  <a:srgbClr val="525C65"/>
-                </a:solidFill>
-                <a:highlight>
-                  <a:srgbClr val="FFFFFF"/>
-                </a:highlight>
-                <a:latin typeface="Open Sans" panose="020B0606030504020204"/>
-                <a:ea typeface="Open Sans" panose="020B0606030504020204"/>
-                <a:cs typeface="Open Sans" panose="020B0606030504020204"/>
-                <a:sym typeface="Open Sans" panose="020B0606030504020204"/>
-              </a:rPr>
-              <a:t>Use only LOWERCASE.</a:t>
-            </a:r>
-            <a:endParaRPr sz="1600">
-              <a:solidFill>
-                <a:srgbClr val="525C65"/>
-              </a:solidFill>
-              <a:highlight>
-                <a:srgbClr val="FFFFFF"/>
-              </a:highlight>
-              <a:latin typeface="Open Sans" panose="020B0606030504020204"/>
-              <a:ea typeface="Open Sans" panose="020B0606030504020204"/>
-              <a:cs typeface="Open Sans" panose="020B0606030504020204"/>
-              <a:sym typeface="Open Sans" panose="020B0606030504020204"/>
-            </a:endParaRPr>
-          </a:p>
-          <a:p>
-            <a:pPr marL="914400" lvl="0" indent="-330200" algn="l" rtl="0">
-              <a:lnSpc>
-                <a:spcPct val="115000"/>
-              </a:lnSpc>
-              <a:spcBef>
-                <a:spcPts val="0"/>
-              </a:spcBef>
-              <a:spcAft>
-                <a:spcPts val="0"/>
-              </a:spcAft>
-              <a:buClr>
-                <a:srgbClr val="525C65"/>
-              </a:buClr>
-              <a:buSzPts val="1600"/>
-              <a:buFont typeface="Open Sans" panose="020B0606030504020204"/>
-              <a:buChar char="●"/>
-            </a:pPr>
-            <a:r>
-              <a:rPr lang="en-GB" sz="1600">
-                <a:solidFill>
-                  <a:srgbClr val="525C65"/>
-                </a:solidFill>
-                <a:highlight>
-                  <a:srgbClr val="FFFFFF"/>
-                </a:highlight>
-                <a:latin typeface="Open Sans" panose="020B0606030504020204"/>
-                <a:ea typeface="Open Sans" panose="020B0606030504020204"/>
-                <a:cs typeface="Open Sans" panose="020B0606030504020204"/>
-                <a:sym typeface="Open Sans" panose="020B0606030504020204"/>
-              </a:rPr>
-              <a:t>All identifier fields should end in “_id”.</a:t>
-            </a:r>
-            <a:endParaRPr sz="1600">
-              <a:solidFill>
-                <a:srgbClr val="525C65"/>
-              </a:solidFill>
-              <a:highlight>
-                <a:srgbClr val="FFFFFF"/>
-              </a:highlight>
-              <a:latin typeface="Open Sans" panose="020B0606030504020204"/>
-              <a:ea typeface="Open Sans" panose="020B0606030504020204"/>
-              <a:cs typeface="Open Sans" panose="020B0606030504020204"/>
-              <a:sym typeface="Open Sans" panose="020B0606030504020204"/>
-            </a:endParaRPr>
-          </a:p>
-          <a:p>
-            <a:pPr marL="914400" lvl="0" indent="-330200" algn="l" rtl="0">
-              <a:lnSpc>
-                <a:spcPct val="115000"/>
-              </a:lnSpc>
-              <a:spcBef>
-                <a:spcPts val="0"/>
-              </a:spcBef>
-              <a:spcAft>
-                <a:spcPts val="0"/>
-              </a:spcAft>
-              <a:buClr>
-                <a:srgbClr val="525C65"/>
-              </a:buClr>
-              <a:buSzPts val="1600"/>
-              <a:buFont typeface="Open Sans" panose="020B0606030504020204"/>
-              <a:buChar char="●"/>
-            </a:pPr>
-            <a:r>
-              <a:rPr lang="en-GB" sz="1600">
-                <a:solidFill>
-                  <a:srgbClr val="525C65"/>
-                </a:solidFill>
-                <a:highlight>
-                  <a:srgbClr val="FFFFFF"/>
-                </a:highlight>
-                <a:latin typeface="Open Sans" panose="020B0606030504020204"/>
-                <a:ea typeface="Open Sans" panose="020B0606030504020204"/>
-                <a:cs typeface="Open Sans" panose="020B0606030504020204"/>
-                <a:sym typeface="Open Sans" panose="020B0606030504020204"/>
-              </a:rPr>
-              <a:t>Avoid acronyms and abbreviations.</a:t>
-            </a:r>
-            <a:endParaRPr sz="1600">
-              <a:solidFill>
-                <a:srgbClr val="525C65"/>
-              </a:solidFill>
-              <a:highlight>
-                <a:srgbClr val="FFFFFF"/>
-              </a:highlight>
-              <a:latin typeface="Open Sans" panose="020B0606030504020204"/>
-              <a:ea typeface="Open Sans" panose="020B0606030504020204"/>
-              <a:cs typeface="Open Sans" panose="020B0606030504020204"/>
-              <a:sym typeface="Open Sans" panose="020B0606030504020204"/>
-            </a:endParaRPr>
-          </a:p>
-          <a:p>
-            <a:pPr marL="457200" lvl="0" indent="0" algn="l" rtl="0">
-              <a:lnSpc>
-                <a:spcPct val="115000"/>
-              </a:lnSpc>
-              <a:spcBef>
-                <a:spcPts val="0"/>
-              </a:spcBef>
-              <a:spcAft>
-                <a:spcPts val="0"/>
-              </a:spcAft>
-              <a:buNone/>
-            </a:pPr>
-            <a:endParaRPr sz="1600">
-              <a:solidFill>
-                <a:srgbClr val="525C65"/>
-              </a:solidFill>
-              <a:highlight>
-                <a:srgbClr val="FFFFFF"/>
-              </a:highlight>
-              <a:latin typeface="Open Sans" panose="020B0606030504020204"/>
-              <a:ea typeface="Open Sans" panose="020B0606030504020204"/>
-              <a:cs typeface="Open Sans" panose="020B0606030504020204"/>
-              <a:sym typeface="Open Sans" panose="020B0606030504020204"/>
-            </a:endParaRPr>
-          </a:p>
-          <a:p>
-            <a:pPr marL="457200" lvl="0" indent="-342900" algn="l" rtl="0">
-              <a:lnSpc>
-                <a:spcPct val="115000"/>
-              </a:lnSpc>
-              <a:spcBef>
-                <a:spcPts val="0"/>
-              </a:spcBef>
-              <a:spcAft>
-                <a:spcPts val="0"/>
-              </a:spcAft>
-              <a:buClr>
-                <a:srgbClr val="2E3D49"/>
-              </a:buClr>
-              <a:buSzPts val="1800"/>
-              <a:buFont typeface="Open Sans" panose="020B0606030504020204"/>
-              <a:buAutoNum type="arabicPeriod"/>
-            </a:pPr>
-            <a:r>
-              <a:rPr lang="en-GB" sz="1600">
-                <a:solidFill>
-                  <a:srgbClr val="525C65"/>
-                </a:solidFill>
-                <a:highlight>
-                  <a:srgbClr val="FFFFFF"/>
-                </a:highlight>
-                <a:latin typeface="Open Sans" panose="020B0606030504020204"/>
-                <a:ea typeface="Open Sans" panose="020B0606030504020204"/>
-                <a:cs typeface="Open Sans" panose="020B0606030504020204"/>
-                <a:sym typeface="Open Sans" panose="020B0606030504020204"/>
-              </a:rPr>
-              <a:t>Write SQL scripts for the matching rules that you’ve created in Step 6. </a:t>
-            </a:r>
-            <a:endParaRPr sz="1800">
-              <a:solidFill>
-                <a:srgbClr val="2E3D49"/>
-              </a:solidFill>
-              <a:latin typeface="Open Sans" panose="020B0606030504020204"/>
-              <a:ea typeface="Open Sans" panose="020B0606030504020204"/>
-              <a:cs typeface="Open Sans" panose="020B0606030504020204"/>
-              <a:sym typeface="Open Sans" panose="020B0606030504020204"/>
-            </a:endParaRPr>
-          </a:p>
-        </p:txBody>
-      </p:sp>
-    </p:spTree>
-  </p:cSld>
-  <p:clrMapOvr>
-    <a:masterClrMapping/>
-  </p:clrMapOvr>
-</p:sld>
-</file>
-
 <file path=ppt/slides/slide3.xml><?xml version="1.0" encoding="utf-8"?>
-<p:sld xmlns:a="http://schemas.openxmlformats.org/drawingml/2006/main" xmlns:r="http://schemas.openxmlformats.org/officeDocument/2006/relationships" xmlns:p="http://schemas.openxmlformats.org/presentationml/2006/main">
-  <p:cSld>
-    <p:spTree>
-      <p:nvGrpSpPr>
-        <p:cNvPr id="192" name="Shape 192"/>
-        <p:cNvGrpSpPr/>
-        <p:nvPr/>
-      </p:nvGrpSpPr>
-      <p:grpSpPr>
-        <a:xfrm>
-          <a:off x="0" y="0"/>
-          <a:ext cx="0" cy="0"/>
-          <a:chOff x="0" y="0"/>
-          <a:chExt cx="0" cy="0"/>
-        </a:xfrm>
-      </p:grpSpPr>
-      <p:sp>
-        <p:nvSpPr>
-          <p:cNvPr id="193" name="Google Shape;193;p53"/>
-          <p:cNvSpPr txBox="1"/>
-          <p:nvPr/>
-        </p:nvSpPr>
-        <p:spPr>
-          <a:xfrm>
-            <a:off x="329725" y="742950"/>
-            <a:ext cx="6135900" cy="895200"/>
-          </a:xfrm>
-          <a:prstGeom prst="rect">
-            <a:avLst/>
-          </a:prstGeom>
-          <a:noFill/>
-          <a:ln>
-            <a:noFill/>
-          </a:ln>
-        </p:spPr>
-        <p:txBody>
-          <a:bodyPr spcFirstLastPara="1" wrap="square" lIns="91425" tIns="91425" rIns="91425" bIns="91425" anchor="ctr" anchorCtr="0">
-            <a:noAutofit/>
-          </a:bodyPr>
-          <a:lstStyle/>
-          <a:p>
-            <a:pPr marL="0" marR="0" lvl="0" indent="0" algn="l" rtl="0">
-              <a:lnSpc>
-                <a:spcPct val="100000"/>
-              </a:lnSpc>
-              <a:spcBef>
-                <a:spcPts val="0"/>
-              </a:spcBef>
-              <a:spcAft>
-                <a:spcPts val="0"/>
-              </a:spcAft>
-              <a:buNone/>
-            </a:pPr>
-            <a:r>
-              <a:rPr lang="en-GB" sz="4000">
-                <a:solidFill>
-                  <a:srgbClr val="2E3D49"/>
-                </a:solidFill>
-                <a:latin typeface="Open Sans" panose="020B0606030504020204"/>
-                <a:ea typeface="Open Sans" panose="020B0606030504020204"/>
-                <a:cs typeface="Open Sans" panose="020B0606030504020204"/>
-                <a:sym typeface="Open Sans" panose="020B0606030504020204"/>
-              </a:rPr>
-              <a:t>What we provide:</a:t>
-            </a:r>
-            <a:endParaRPr sz="4000">
-              <a:solidFill>
-                <a:srgbClr val="2E3D49"/>
-              </a:solidFill>
-              <a:latin typeface="Open Sans" panose="020B0606030504020204"/>
-              <a:ea typeface="Open Sans" panose="020B0606030504020204"/>
-              <a:cs typeface="Open Sans" panose="020B0606030504020204"/>
-              <a:sym typeface="Open Sans" panose="020B0606030504020204"/>
-            </a:endParaRPr>
-          </a:p>
-        </p:txBody>
-      </p:sp>
-      <p:sp>
-        <p:nvSpPr>
-          <p:cNvPr id="194" name="Google Shape;194;p53"/>
-          <p:cNvSpPr txBox="1"/>
-          <p:nvPr/>
-        </p:nvSpPr>
-        <p:spPr>
-          <a:xfrm>
-            <a:off x="1028425" y="7749175"/>
-            <a:ext cx="5652900" cy="1119900"/>
-          </a:xfrm>
-          <a:prstGeom prst="rect">
-            <a:avLst/>
-          </a:prstGeom>
-          <a:noFill/>
-          <a:ln>
-            <a:noFill/>
-          </a:ln>
-        </p:spPr>
-        <p:txBody>
-          <a:bodyPr spcFirstLastPara="1" wrap="square" lIns="91425" tIns="91425" rIns="91425" bIns="91425" anchor="t" anchorCtr="0">
-            <a:noAutofit/>
-          </a:bodyPr>
-          <a:lstStyle/>
-          <a:p>
-            <a:pPr marL="0" lvl="0" indent="0" algn="ctr" rtl="0">
-              <a:spcBef>
-                <a:spcPts val="0"/>
-              </a:spcBef>
-              <a:spcAft>
-                <a:spcPts val="0"/>
-              </a:spcAft>
-              <a:buNone/>
-            </a:pPr>
-            <a:r>
-              <a:rPr lang="en-GB" sz="4500">
-                <a:solidFill>
-                  <a:srgbClr val="FFFFFF"/>
-                </a:solidFill>
-                <a:latin typeface="Open Sans" panose="020B0606030504020204"/>
-                <a:ea typeface="Open Sans" panose="020B0606030504020204"/>
-                <a:cs typeface="Open Sans" panose="020B0606030504020204"/>
-                <a:sym typeface="Open Sans" panose="020B0606030504020204"/>
-              </a:rPr>
-              <a:t>Remove this slide</a:t>
-            </a:r>
-            <a:endParaRPr sz="4500">
-              <a:solidFill>
-                <a:srgbClr val="FFFFFF"/>
-              </a:solidFill>
-              <a:latin typeface="Open Sans" panose="020B0606030504020204"/>
-              <a:ea typeface="Open Sans" panose="020B0606030504020204"/>
-              <a:cs typeface="Open Sans" panose="020B0606030504020204"/>
-              <a:sym typeface="Open Sans" panose="020B0606030504020204"/>
-            </a:endParaRPr>
-          </a:p>
-        </p:txBody>
-      </p:sp>
-      <p:pic>
-        <p:nvPicPr>
-          <p:cNvPr id="195" name="Google Shape;195;p53"/>
-          <p:cNvPicPr preferRelativeResize="0"/>
-          <p:nvPr/>
-        </p:nvPicPr>
-        <p:blipFill rotWithShape="1">
-          <a:blip r:embed="rId1"/>
-          <a:srcRect l="18073" t="20988" r="14486" b="11824"/>
-          <a:stretch>
-            <a:fillRect/>
-          </a:stretch>
-        </p:blipFill>
-        <p:spPr>
-          <a:xfrm>
-            <a:off x="374375" y="7823200"/>
-            <a:ext cx="7023750" cy="1749275"/>
-          </a:xfrm>
-          <a:prstGeom prst="rect">
-            <a:avLst/>
-          </a:prstGeom>
-          <a:noFill/>
-          <a:ln>
-            <a:noFill/>
-          </a:ln>
-        </p:spPr>
-      </p:pic>
-      <p:sp>
-        <p:nvSpPr>
-          <p:cNvPr id="196" name="Google Shape;196;p53"/>
-          <p:cNvSpPr txBox="1"/>
-          <p:nvPr>
-            <p:ph type="title"/>
-          </p:nvPr>
-        </p:nvSpPr>
-        <p:spPr>
-          <a:xfrm>
-            <a:off x="322950" y="5293650"/>
-            <a:ext cx="7242600" cy="1119900"/>
-          </a:xfrm>
-          <a:prstGeom prst="rect">
-            <a:avLst/>
-          </a:prstGeom>
-        </p:spPr>
-        <p:txBody>
-          <a:bodyPr spcFirstLastPara="1" wrap="square" lIns="91425" tIns="91425" rIns="91425" bIns="91425" anchor="ctr" anchorCtr="0">
-            <a:noAutofit/>
-          </a:bodyPr>
-          <a:lstStyle/>
-          <a:p>
-            <a:pPr marL="0" lvl="0" indent="0" algn="l" rtl="0">
-              <a:spcBef>
-                <a:spcPts val="0"/>
-              </a:spcBef>
-              <a:spcAft>
-                <a:spcPts val="0"/>
-              </a:spcAft>
-              <a:buNone/>
-            </a:pPr>
-            <a:r>
-              <a:rPr lang="en-GB"/>
-              <a:t>What you are required to submit:</a:t>
-            </a:r>
-            <a:endParaRPr lang="en-GB"/>
-          </a:p>
-        </p:txBody>
-      </p:sp>
-      <p:sp>
-        <p:nvSpPr>
-          <p:cNvPr id="197" name="Google Shape;197;p53"/>
-          <p:cNvSpPr txBox="1"/>
-          <p:nvPr>
-            <p:ph type="body" idx="1"/>
-          </p:nvPr>
-        </p:nvSpPr>
-        <p:spPr>
-          <a:xfrm>
-            <a:off x="233575" y="6710816"/>
-            <a:ext cx="7242600" cy="1119900"/>
-          </a:xfrm>
-          <a:prstGeom prst="rect">
-            <a:avLst/>
-          </a:prstGeom>
-        </p:spPr>
-        <p:txBody>
-          <a:bodyPr spcFirstLastPara="1" wrap="square" lIns="91425" tIns="91425" rIns="91425" bIns="91425" anchor="t" anchorCtr="0">
-            <a:noAutofit/>
-          </a:bodyPr>
-          <a:lstStyle/>
-          <a:p>
-            <a:pPr marL="457200" marR="0" lvl="0" indent="-355600" algn="l" rtl="0">
-              <a:lnSpc>
-                <a:spcPct val="115000"/>
-              </a:lnSpc>
-              <a:spcBef>
-                <a:spcPts val="0"/>
-              </a:spcBef>
-              <a:spcAft>
-                <a:spcPts val="0"/>
-              </a:spcAft>
-              <a:buSzPts val="2000"/>
-              <a:buFont typeface="Open Sans" panose="020B0606030504020204"/>
-              <a:buChar char="●"/>
-            </a:pPr>
-            <a:r>
-              <a:rPr lang="en-GB" sz="2200"/>
-              <a:t>Filled out Slides template.</a:t>
-            </a:r>
-            <a:endParaRPr sz="2200"/>
-          </a:p>
-          <a:p>
-            <a:pPr marL="457200" marR="0" lvl="0" indent="-355600" algn="l" rtl="0">
-              <a:lnSpc>
-                <a:spcPct val="115000"/>
-              </a:lnSpc>
-              <a:spcBef>
-                <a:spcPts val="0"/>
-              </a:spcBef>
-              <a:spcAft>
-                <a:spcPts val="0"/>
-              </a:spcAft>
-              <a:buSzPts val="2000"/>
-              <a:buFont typeface="Open Sans" panose="020B0606030504020204"/>
-              <a:buChar char="●"/>
-            </a:pPr>
-            <a:r>
-              <a:rPr lang="en-GB" sz="2200"/>
-              <a:t>Filled out Sheets template.</a:t>
-            </a:r>
-            <a:endParaRPr sz="2200"/>
-          </a:p>
-        </p:txBody>
-      </p:sp>
-      <p:sp>
-        <p:nvSpPr>
-          <p:cNvPr id="198" name="Google Shape;198;p53"/>
-          <p:cNvSpPr txBox="1"/>
-          <p:nvPr>
-            <p:ph type="body" idx="1"/>
-          </p:nvPr>
-        </p:nvSpPr>
-        <p:spPr>
-          <a:xfrm>
-            <a:off x="264950" y="1638151"/>
-            <a:ext cx="7242600" cy="2091300"/>
-          </a:xfrm>
-          <a:prstGeom prst="rect">
-            <a:avLst/>
-          </a:prstGeom>
-        </p:spPr>
-        <p:txBody>
-          <a:bodyPr spcFirstLastPara="1" wrap="square" lIns="91425" tIns="91425" rIns="91425" bIns="91425" anchor="t" anchorCtr="0">
-            <a:noAutofit/>
-          </a:bodyPr>
-          <a:lstStyle/>
-          <a:p>
-            <a:pPr marL="457200" lvl="0" indent="-355600" algn="l" rtl="0">
-              <a:spcBef>
-                <a:spcPts val="0"/>
-              </a:spcBef>
-              <a:spcAft>
-                <a:spcPts val="0"/>
-              </a:spcAft>
-              <a:buSzPts val="2000"/>
-              <a:buChar char="●"/>
-            </a:pPr>
-            <a:r>
-              <a:rPr lang="en-GB" sz="2200"/>
-              <a:t>This Starter Slides Template</a:t>
-            </a:r>
-            <a:endParaRPr sz="2200"/>
-          </a:p>
-          <a:p>
-            <a:pPr marL="457200" lvl="0" indent="-355600" algn="l" rtl="0">
-              <a:spcBef>
-                <a:spcPts val="0"/>
-              </a:spcBef>
-              <a:spcAft>
-                <a:spcPts val="0"/>
-              </a:spcAft>
-              <a:buSzPts val="2000"/>
-              <a:buFont typeface="Open Sans" panose="020B0606030504020204"/>
-              <a:buChar char="●"/>
-            </a:pPr>
-            <a:r>
-              <a:rPr lang="en-GB" sz="2200"/>
-              <a:t>Sheets Template with 4 Tabs - Data Dictionary, Data Quality Issues, Standard Naming Convention, and Business Glossary</a:t>
-            </a:r>
-            <a:endParaRPr sz="2200"/>
-          </a:p>
-          <a:p>
-            <a:pPr marL="457200" lvl="0" indent="-355600" algn="l" rtl="0">
-              <a:spcBef>
-                <a:spcPts val="0"/>
-              </a:spcBef>
-              <a:spcAft>
-                <a:spcPts val="0"/>
-              </a:spcAft>
-              <a:buSzPts val="2000"/>
-              <a:buFont typeface="Open Sans" panose="020B0606030504020204"/>
-              <a:buChar char="●"/>
-            </a:pPr>
-            <a:r>
-              <a:rPr lang="en-GB" sz="2200"/>
-              <a:t>Workspace with an instance of Postgres and code that will create and populate the database you will be working with.</a:t>
-            </a:r>
-            <a:endParaRPr sz="2200"/>
-          </a:p>
-          <a:p>
-            <a:pPr marL="457200" lvl="0" indent="-355600" algn="l" rtl="0">
-              <a:spcBef>
-                <a:spcPts val="0"/>
-              </a:spcBef>
-              <a:spcAft>
-                <a:spcPts val="0"/>
-              </a:spcAft>
-              <a:buSzPts val="2000"/>
-              <a:buFont typeface="Open Sans" panose="020B0606030504020204"/>
-              <a:buChar char="●"/>
-            </a:pPr>
-            <a:r>
-              <a:rPr lang="en-GB" sz="2200"/>
-              <a:t>Grading rubric you can use to ensure you have submitted everything that is required. </a:t>
-            </a:r>
-            <a:endParaRPr sz="2200"/>
-          </a:p>
-          <a:p>
-            <a:pPr marL="0" marR="0" lvl="0" indent="0" algn="l" rtl="0">
-              <a:lnSpc>
-                <a:spcPct val="100000"/>
-              </a:lnSpc>
-              <a:spcBef>
-                <a:spcPts val="1600"/>
-              </a:spcBef>
-              <a:spcAft>
-                <a:spcPts val="0"/>
-              </a:spcAft>
-              <a:buNone/>
-            </a:pPr>
-            <a:endParaRPr sz="4000">
-              <a:solidFill>
-                <a:srgbClr val="2E3D49"/>
-              </a:solidFill>
-              <a:latin typeface="Open Sans" panose="020B0606030504020204"/>
-              <a:ea typeface="Open Sans" panose="020B0606030504020204"/>
-              <a:cs typeface="Open Sans" panose="020B0606030504020204"/>
-              <a:sym typeface="Open Sans" panose="020B0606030504020204"/>
-            </a:endParaRPr>
-          </a:p>
-        </p:txBody>
-      </p:sp>
-    </p:spTree>
-  </p:cSld>
-  <p:clrMapOvr>
-    <a:masterClrMapping/>
-  </p:clrMapOvr>
-</p:sld>
-</file>
-
-<file path=ppt/slides/slide4.xml><?xml version="1.0" encoding="utf-8"?>
-<p:sld xmlns:a="http://schemas.openxmlformats.org/drawingml/2006/main" xmlns:r="http://schemas.openxmlformats.org/officeDocument/2006/relationships" xmlns:p="http://schemas.openxmlformats.org/presentationml/2006/main">
-  <p:cSld>
-    <p:spTree>
-      <p:nvGrpSpPr>
-        <p:cNvPr id="202" name="Shape 202"/>
-        <p:cNvGrpSpPr/>
-        <p:nvPr/>
-      </p:nvGrpSpPr>
-      <p:grpSpPr>
-        <a:xfrm>
-          <a:off x="0" y="0"/>
-          <a:ext cx="0" cy="0"/>
-          <a:chOff x="0" y="0"/>
-          <a:chExt cx="0" cy="0"/>
-        </a:xfrm>
-      </p:grpSpPr>
-      <p:sp>
-        <p:nvSpPr>
-          <p:cNvPr id="203" name="Google Shape;203;p54"/>
-          <p:cNvSpPr txBox="1"/>
-          <p:nvPr>
-            <p:ph type="title"/>
-          </p:nvPr>
-        </p:nvSpPr>
-        <p:spPr>
-          <a:xfrm>
-            <a:off x="264895" y="184471"/>
-            <a:ext cx="7242600" cy="1119900"/>
-          </a:xfrm>
-          <a:prstGeom prst="rect">
-            <a:avLst/>
-          </a:prstGeom>
-        </p:spPr>
-        <p:txBody>
-          <a:bodyPr spcFirstLastPara="1" wrap="square" lIns="91425" tIns="91425" rIns="91425" bIns="91425" anchor="ctr" anchorCtr="0">
-            <a:noAutofit/>
-          </a:bodyPr>
-          <a:lstStyle/>
-          <a:p>
-            <a:pPr marL="0" lvl="0" indent="0" algn="l" rtl="0">
-              <a:spcBef>
-                <a:spcPts val="0"/>
-              </a:spcBef>
-              <a:spcAft>
-                <a:spcPts val="0"/>
-              </a:spcAft>
-              <a:buNone/>
-            </a:pPr>
-            <a:r>
-              <a:rPr lang="en-GB"/>
-              <a:t>Background</a:t>
-            </a:r>
-            <a:endParaRPr lang="en-GB"/>
-          </a:p>
-        </p:txBody>
-      </p:sp>
-      <p:sp>
-        <p:nvSpPr>
-          <p:cNvPr id="204" name="Google Shape;204;p54"/>
-          <p:cNvSpPr txBox="1"/>
-          <p:nvPr>
-            <p:ph type="body" idx="1"/>
-          </p:nvPr>
-        </p:nvSpPr>
-        <p:spPr>
-          <a:xfrm>
-            <a:off x="264900" y="1420950"/>
-            <a:ext cx="6932700" cy="8332800"/>
-          </a:xfrm>
-          <a:prstGeom prst="rect">
-            <a:avLst/>
-          </a:prstGeom>
-        </p:spPr>
-        <p:txBody>
-          <a:bodyPr spcFirstLastPara="1" wrap="square" lIns="91425" tIns="91425" rIns="91425" bIns="91425" anchor="t" anchorCtr="0">
-            <a:noAutofit/>
-          </a:bodyPr>
-          <a:lstStyle/>
-          <a:p>
-            <a:pPr marL="457200" lvl="0" indent="-336550" algn="just" rtl="0">
-              <a:lnSpc>
-                <a:spcPct val="150000"/>
-              </a:lnSpc>
-              <a:spcBef>
-                <a:spcPts val="0"/>
-              </a:spcBef>
-              <a:spcAft>
-                <a:spcPts val="0"/>
-              </a:spcAft>
-              <a:buClr>
-                <a:srgbClr val="525C65"/>
-              </a:buClr>
-              <a:buSzPts val="1700"/>
-              <a:buFont typeface="Open Sans" panose="020B0606030504020204"/>
-              <a:buChar char="●"/>
-            </a:pPr>
-            <a:r>
-              <a:rPr lang="en-GB" sz="1700" b="1">
-                <a:solidFill>
-                  <a:srgbClr val="525C65"/>
-                </a:solidFill>
-                <a:highlight>
-                  <a:srgbClr val="FFFFFF"/>
-                </a:highlight>
-                <a:latin typeface="Open Sans" panose="020B0606030504020204"/>
-                <a:ea typeface="Open Sans" panose="020B0606030504020204"/>
-                <a:cs typeface="Open Sans" panose="020B0606030504020204"/>
-                <a:sym typeface="Open Sans" panose="020B0606030504020204"/>
-              </a:rPr>
-              <a:t>SneakerPark</a:t>
-            </a:r>
-            <a:r>
-              <a:rPr lang="en-GB" sz="1700">
-                <a:solidFill>
-                  <a:srgbClr val="525C65"/>
-                </a:solidFill>
-                <a:highlight>
-                  <a:srgbClr val="FFFFFF"/>
-                </a:highlight>
-                <a:latin typeface="Open Sans" panose="020B0606030504020204"/>
-                <a:ea typeface="Open Sans" panose="020B0606030504020204"/>
-                <a:cs typeface="Open Sans" panose="020B0606030504020204"/>
-                <a:sym typeface="Open Sans" panose="020B0606030504020204"/>
-              </a:rPr>
-              <a:t> is an online shoe reseller that allows people to buy and sell used and new shoes. Buyers can bid for shoes or buy them outright, and sellers can set a price or sell to the highest bidder.</a:t>
-            </a:r>
-            <a:endParaRPr sz="1700">
-              <a:solidFill>
-                <a:srgbClr val="525C65"/>
-              </a:solidFill>
-              <a:highlight>
-                <a:srgbClr val="FFFFFF"/>
-              </a:highlight>
-              <a:latin typeface="Open Sans" panose="020B0606030504020204"/>
-              <a:ea typeface="Open Sans" panose="020B0606030504020204"/>
-              <a:cs typeface="Open Sans" panose="020B0606030504020204"/>
-              <a:sym typeface="Open Sans" panose="020B0606030504020204"/>
-            </a:endParaRPr>
-          </a:p>
-          <a:p>
-            <a:pPr marL="457200" lvl="0" indent="-336550" algn="just" rtl="0">
-              <a:lnSpc>
-                <a:spcPct val="150000"/>
-              </a:lnSpc>
-              <a:spcBef>
-                <a:spcPts val="0"/>
-              </a:spcBef>
-              <a:spcAft>
-                <a:spcPts val="0"/>
-              </a:spcAft>
-              <a:buClr>
-                <a:srgbClr val="525C65"/>
-              </a:buClr>
-              <a:buSzPts val="1700"/>
-              <a:buFont typeface="Open Sans" panose="020B0606030504020204"/>
-              <a:buChar char="●"/>
-            </a:pPr>
-            <a:r>
-              <a:rPr lang="en-GB" sz="1700">
-                <a:solidFill>
-                  <a:srgbClr val="525C65"/>
-                </a:solidFill>
-                <a:highlight>
-                  <a:srgbClr val="FFFFFF"/>
-                </a:highlight>
-                <a:latin typeface="Open Sans" panose="020B0606030504020204"/>
-                <a:ea typeface="Open Sans" panose="020B0606030504020204"/>
-                <a:cs typeface="Open Sans" panose="020B0606030504020204"/>
-                <a:sym typeface="Open Sans" panose="020B0606030504020204"/>
-              </a:rPr>
-              <a:t>Each buyer and seller must have an active account in order to sell, bid, or purchase sneakers using SneakerPark’s website.</a:t>
-            </a:r>
-            <a:endParaRPr sz="1700">
-              <a:solidFill>
-                <a:srgbClr val="525C65"/>
-              </a:solidFill>
-              <a:highlight>
-                <a:srgbClr val="FFFFFF"/>
-              </a:highlight>
-              <a:latin typeface="Open Sans" panose="020B0606030504020204"/>
-              <a:ea typeface="Open Sans" panose="020B0606030504020204"/>
-              <a:cs typeface="Open Sans" panose="020B0606030504020204"/>
-              <a:sym typeface="Open Sans" panose="020B0606030504020204"/>
-            </a:endParaRPr>
-          </a:p>
-          <a:p>
-            <a:pPr marL="457200" lvl="0" indent="-336550" algn="just" rtl="0">
-              <a:lnSpc>
-                <a:spcPct val="150000"/>
-              </a:lnSpc>
-              <a:spcBef>
-                <a:spcPts val="0"/>
-              </a:spcBef>
-              <a:spcAft>
-                <a:spcPts val="0"/>
-              </a:spcAft>
-              <a:buClr>
-                <a:srgbClr val="525C65"/>
-              </a:buClr>
-              <a:buSzPts val="1700"/>
-              <a:buFont typeface="Open Sans" panose="020B0606030504020204"/>
-              <a:buChar char="●"/>
-            </a:pPr>
-            <a:r>
-              <a:rPr lang="en-GB" sz="1700">
-                <a:solidFill>
-                  <a:srgbClr val="525C65"/>
-                </a:solidFill>
-                <a:highlight>
-                  <a:srgbClr val="FFFFFF"/>
-                </a:highlight>
-                <a:latin typeface="Open Sans" panose="020B0606030504020204"/>
-                <a:ea typeface="Open Sans" panose="020B0606030504020204"/>
-                <a:cs typeface="Open Sans" panose="020B0606030504020204"/>
-                <a:sym typeface="Open Sans" panose="020B0606030504020204"/>
-              </a:rPr>
-              <a:t>SneakerPark authenticates the shoes before shipping them to the buyer, so before listing an item, the seller must ship it to SneakerPark’s warehouse. Upon receipt, SneakerPark assigns an item number to each pair of sneakers and notifies the seller that they are now free to list their item. If the item is not listed within 45 days, SneakerPark returns it to the seller and sends an invoice to the seller for the shipping cost.</a:t>
-            </a:r>
-            <a:endParaRPr sz="1700">
-              <a:solidFill>
-                <a:srgbClr val="525C65"/>
-              </a:solidFill>
-              <a:highlight>
-                <a:srgbClr val="FFFFFF"/>
-              </a:highlight>
-              <a:latin typeface="Open Sans" panose="020B0606030504020204"/>
-              <a:ea typeface="Open Sans" panose="020B0606030504020204"/>
-              <a:cs typeface="Open Sans" panose="020B0606030504020204"/>
-              <a:sym typeface="Open Sans" panose="020B0606030504020204"/>
-            </a:endParaRPr>
-          </a:p>
-          <a:p>
-            <a:pPr marL="457200" lvl="0" indent="-336550" algn="just" rtl="0">
-              <a:lnSpc>
-                <a:spcPct val="150000"/>
-              </a:lnSpc>
-              <a:spcBef>
-                <a:spcPts val="0"/>
-              </a:spcBef>
-              <a:spcAft>
-                <a:spcPts val="0"/>
-              </a:spcAft>
-              <a:buClr>
-                <a:srgbClr val="525C65"/>
-              </a:buClr>
-              <a:buSzPts val="1700"/>
-              <a:buFont typeface="Open Sans" panose="020B0606030504020204"/>
-              <a:buChar char="●"/>
-            </a:pPr>
-            <a:r>
-              <a:rPr lang="en-GB" sz="1700">
-                <a:solidFill>
-                  <a:srgbClr val="525C65"/>
-                </a:solidFill>
-                <a:highlight>
-                  <a:srgbClr val="FFFFFF"/>
-                </a:highlight>
-                <a:latin typeface="Open Sans" panose="020B0606030504020204"/>
-                <a:ea typeface="Open Sans" panose="020B0606030504020204"/>
-                <a:cs typeface="Open Sans" panose="020B0606030504020204"/>
-                <a:sym typeface="Open Sans" panose="020B0606030504020204"/>
-              </a:rPr>
-              <a:t>If the item is found to be inauthentic or in an unacceptable condition, it is also returned back to the seller in a similar fashion.</a:t>
-            </a:r>
-            <a:endParaRPr sz="1700">
-              <a:solidFill>
-                <a:srgbClr val="525C65"/>
-              </a:solidFill>
-              <a:highlight>
-                <a:srgbClr val="FFFFFF"/>
-              </a:highlight>
-              <a:latin typeface="Open Sans" panose="020B0606030504020204"/>
-              <a:ea typeface="Open Sans" panose="020B0606030504020204"/>
-              <a:cs typeface="Open Sans" panose="020B0606030504020204"/>
-              <a:sym typeface="Open Sans" panose="020B0606030504020204"/>
-            </a:endParaRPr>
-          </a:p>
-          <a:p>
-            <a:pPr marL="457200" lvl="0" indent="-336550" algn="just" rtl="0">
-              <a:lnSpc>
-                <a:spcPct val="150000"/>
-              </a:lnSpc>
-              <a:spcBef>
-                <a:spcPts val="0"/>
-              </a:spcBef>
-              <a:spcAft>
-                <a:spcPts val="0"/>
-              </a:spcAft>
-              <a:buClr>
-                <a:srgbClr val="525C65"/>
-              </a:buClr>
-              <a:buSzPts val="1700"/>
-              <a:buFont typeface="Open Sans" panose="020B0606030504020204"/>
-              <a:buChar char="●"/>
-            </a:pPr>
-            <a:r>
-              <a:rPr lang="en-GB" sz="1700">
-                <a:solidFill>
-                  <a:srgbClr val="525C65"/>
-                </a:solidFill>
-                <a:highlight>
-                  <a:srgbClr val="FFFFFF"/>
-                </a:highlight>
-                <a:latin typeface="Open Sans" panose="020B0606030504020204"/>
-                <a:ea typeface="Open Sans" panose="020B0606030504020204"/>
-                <a:cs typeface="Open Sans" panose="020B0606030504020204"/>
-                <a:sym typeface="Open Sans" panose="020B0606030504020204"/>
-              </a:rPr>
-              <a:t>When the item sells, the buyer’s account is credited with the purchase price minus the SneakerPark service fee and shipping fees to deliver the item to the buyer.</a:t>
-            </a:r>
-            <a:endParaRPr sz="1700">
-              <a:solidFill>
-                <a:srgbClr val="525C65"/>
-              </a:solidFill>
-              <a:highlight>
-                <a:srgbClr val="FFFFFF"/>
-              </a:highlight>
-              <a:latin typeface="Open Sans" panose="020B0606030504020204"/>
-              <a:ea typeface="Open Sans" panose="020B0606030504020204"/>
-              <a:cs typeface="Open Sans" panose="020B0606030504020204"/>
-              <a:sym typeface="Open Sans" panose="020B0606030504020204"/>
-            </a:endParaRPr>
-          </a:p>
-          <a:p>
-            <a:pPr marL="457200" lvl="0" indent="-336550" algn="just" rtl="0">
-              <a:lnSpc>
-                <a:spcPct val="150000"/>
-              </a:lnSpc>
-              <a:spcBef>
-                <a:spcPts val="0"/>
-              </a:spcBef>
-              <a:spcAft>
-                <a:spcPts val="0"/>
-              </a:spcAft>
-              <a:buClr>
-                <a:srgbClr val="525C65"/>
-              </a:buClr>
-              <a:buSzPts val="1700"/>
-              <a:buFont typeface="Open Sans" panose="020B0606030504020204"/>
-              <a:buChar char="●"/>
-            </a:pPr>
-            <a:r>
-              <a:rPr lang="en-GB" sz="1700">
-                <a:solidFill>
-                  <a:srgbClr val="525C65"/>
-                </a:solidFill>
-                <a:highlight>
-                  <a:srgbClr val="FFFFFF"/>
-                </a:highlight>
-                <a:latin typeface="Open Sans" panose="020B0606030504020204"/>
-                <a:ea typeface="Open Sans" panose="020B0606030504020204"/>
-                <a:cs typeface="Open Sans" panose="020B0606030504020204"/>
-                <a:sym typeface="Open Sans" panose="020B0606030504020204"/>
-              </a:rPr>
-              <a:t>Currently, SneakerPark only supports sales within the United States.</a:t>
-            </a:r>
-            <a:endParaRPr sz="1700">
-              <a:solidFill>
-                <a:srgbClr val="525C65"/>
-              </a:solidFill>
-              <a:highlight>
-                <a:srgbClr val="FFFFFF"/>
-              </a:highlight>
-              <a:latin typeface="Open Sans" panose="020B0606030504020204"/>
-              <a:ea typeface="Open Sans" panose="020B0606030504020204"/>
-              <a:cs typeface="Open Sans" panose="020B0606030504020204"/>
-              <a:sym typeface="Open Sans" panose="020B0606030504020204"/>
-            </a:endParaRPr>
-          </a:p>
-          <a:p>
-            <a:pPr marL="0" marR="241300" lvl="0" indent="0" algn="just" rtl="0">
-              <a:lnSpc>
-                <a:spcPct val="150000"/>
-              </a:lnSpc>
-              <a:spcBef>
-                <a:spcPts val="1100"/>
-              </a:spcBef>
-              <a:spcAft>
-                <a:spcPts val="400"/>
-              </a:spcAft>
-              <a:buClr>
-                <a:schemeClr val="dk1"/>
-              </a:buClr>
-              <a:buSzPts val="1100"/>
-              <a:buFont typeface="Arial" panose="020B0604020202020204"/>
-              <a:buNone/>
-            </a:pPr>
-            <a:endParaRPr sz="1700" b="1">
-              <a:solidFill>
-                <a:srgbClr val="2E3D49"/>
-              </a:solidFill>
-              <a:highlight>
-                <a:srgbClr val="FFFFFF"/>
-              </a:highlight>
-              <a:latin typeface="Open Sans" panose="020B0606030504020204"/>
-              <a:ea typeface="Open Sans" panose="020B0606030504020204"/>
-              <a:cs typeface="Open Sans" panose="020B0606030504020204"/>
-              <a:sym typeface="Open Sans" panose="020B0606030504020204"/>
-            </a:endParaRPr>
-          </a:p>
-        </p:txBody>
-      </p:sp>
-    </p:spTree>
-  </p:cSld>
-  <p:clrMapOvr>
-    <a:masterClrMapping/>
-  </p:clrMapOvr>
-</p:sld>
-</file>
-
-<file path=ppt/slides/slide5.xml><?xml version="1.0" encoding="utf-8"?>
 <p:sld xmlns:a="http://schemas.openxmlformats.org/drawingml/2006/main" xmlns:r="http://schemas.openxmlformats.org/officeDocument/2006/relationships" xmlns:p="http://schemas.openxmlformats.org/presentationml/2006/main">
   <p:cSld>
     <p:spTree>
@@ -31994,7 +31418,7 @@
 </p:sld>
 </file>
 
-<file path=ppt/slides/slide6.xml><?xml version="1.0" encoding="utf-8"?>
+<file path=ppt/slides/slide4.xml><?xml version="1.0" encoding="utf-8"?>
 <p:sld xmlns:a="http://schemas.openxmlformats.org/drawingml/2006/main" xmlns:r="http://schemas.openxmlformats.org/officeDocument/2006/relationships" xmlns:p="http://schemas.openxmlformats.org/presentationml/2006/main">
   <p:cSld>
     <p:bg>
@@ -32241,7 +31665,7 @@
 </p:sld>
 </file>
 
-<file path=ppt/slides/slide7.xml><?xml version="1.0" encoding="utf-8"?>
+<file path=ppt/slides/slide5.xml><?xml version="1.0" encoding="utf-8"?>
 <p:sld xmlns:a="http://schemas.openxmlformats.org/drawingml/2006/main" xmlns:r="http://schemas.openxmlformats.org/officeDocument/2006/relationships" xmlns:p="http://schemas.openxmlformats.org/presentationml/2006/main">
   <p:cSld>
     <p:spTree>
@@ -32492,7 +31916,7 @@
       </p:sp>
       <p:pic>
         <p:nvPicPr>
-          <p:cNvPr id="1" name="Picture 0"/>
+          <p:cNvPr id="3" name="Picture 2"/>
           <p:cNvPicPr>
             <a:picLocks noChangeAspect="1"/>
           </p:cNvPicPr>
@@ -32506,8 +31930,8 @@
         </p:blipFill>
         <p:spPr>
           <a:xfrm>
-            <a:off x="-1905" y="2437130"/>
-            <a:ext cx="7334250" cy="4019550"/>
+            <a:off x="358140" y="2220595"/>
+            <a:ext cx="7165340" cy="3856990"/>
           </a:xfrm>
           <a:prstGeom prst="rect">
             <a:avLst/>
@@ -32522,7 +31946,7 @@
 </p:sld>
 </file>
 
-<file path=ppt/slides/slide8.xml><?xml version="1.0" encoding="utf-8"?>
+<file path=ppt/slides/slide6.xml><?xml version="1.0" encoding="utf-8"?>
 <p:sld xmlns:a="http://schemas.openxmlformats.org/drawingml/2006/main" xmlns:r="http://schemas.openxmlformats.org/officeDocument/2006/relationships" xmlns:p="http://schemas.openxmlformats.org/presentationml/2006/main">
   <p:cSld>
     <p:spTree>
@@ -32541,7 +31965,7 @@
       </p:grpSpPr>
       <p:pic>
         <p:nvPicPr>
-          <p:cNvPr id="1" name="Picture 0"/>
+          <p:cNvPr id="2" name="Picture 1"/>
           <p:cNvPicPr>
             <a:picLocks noChangeAspect="1"/>
           </p:cNvPicPr>
@@ -32555,8 +31979,8 @@
         </p:blipFill>
         <p:spPr>
           <a:xfrm>
-            <a:off x="69215" y="1284605"/>
-            <a:ext cx="7608570" cy="4585970"/>
+            <a:off x="220980" y="1649095"/>
+            <a:ext cx="7422515" cy="4469130"/>
           </a:xfrm>
           <a:prstGeom prst="rect">
             <a:avLst/>
@@ -32571,7 +31995,7 @@
 </p:sld>
 </file>
 
-<file path=ppt/slides/slide9.xml><?xml version="1.0" encoding="utf-8"?>
+<file path=ppt/slides/slide7.xml><?xml version="1.0" encoding="utf-8"?>
 <p:sld xmlns:a="http://schemas.openxmlformats.org/drawingml/2006/main" xmlns:r="http://schemas.openxmlformats.org/officeDocument/2006/relationships" xmlns:p="http://schemas.openxmlformats.org/presentationml/2006/main">
   <p:cSld>
     <p:bg>
@@ -32755,6 +32179,601 @@
           </a:p>
         </p:txBody>
       </p:sp>
+    </p:spTree>
+  </p:cSld>
+  <p:clrMapOvr>
+    <a:masterClrMapping/>
+  </p:clrMapOvr>
+</p:sld>
+</file>
+
+<file path=ppt/slides/slide8.xml><?xml version="1.0" encoding="utf-8"?>
+<p:sld xmlns:a="http://schemas.openxmlformats.org/drawingml/2006/main" xmlns:r="http://schemas.openxmlformats.org/officeDocument/2006/relationships" xmlns:p="http://schemas.openxmlformats.org/presentationml/2006/main">
+  <p:cSld>
+    <p:spTree>
+      <p:nvGrpSpPr>
+        <p:cNvPr id="240" name="Shape 240"/>
+        <p:cNvGrpSpPr/>
+        <p:nvPr/>
+      </p:nvGrpSpPr>
+      <p:grpSpPr>
+        <a:xfrm>
+          <a:off x="0" y="0"/>
+          <a:ext cx="0" cy="0"/>
+          <a:chOff x="0" y="0"/>
+          <a:chExt cx="0" cy="0"/>
+        </a:xfrm>
+      </p:grpSpPr>
+      <p:sp>
+        <p:nvSpPr>
+          <p:cNvPr id="241" name="Google Shape;241;p60"/>
+          <p:cNvSpPr txBox="1"/>
+          <p:nvPr>
+            <p:ph type="body" idx="1"/>
+          </p:nvPr>
+        </p:nvSpPr>
+        <p:spPr>
+          <a:xfrm>
+            <a:off x="0" y="-11430"/>
+            <a:ext cx="7822565" cy="937260"/>
+          </a:xfrm>
+          <a:prstGeom prst="rect">
+            <a:avLst/>
+          </a:prstGeom>
+        </p:spPr>
+        <p:txBody>
+          <a:bodyPr spcFirstLastPara="1" wrap="square" lIns="91425" tIns="91425" rIns="91425" bIns="91425" anchor="t" anchorCtr="0">
+            <a:noAutofit/>
+          </a:bodyPr>
+          <a:lstStyle/>
+          <a:p>
+            <a:pPr marL="241300" marR="241300" lvl="0" indent="0" algn="l" rtl="0">
+              <a:lnSpc>
+                <a:spcPct val="180000"/>
+              </a:lnSpc>
+              <a:spcBef>
+                <a:spcPts val="3800"/>
+              </a:spcBef>
+              <a:spcAft>
+                <a:spcPts val="0"/>
+              </a:spcAft>
+              <a:buNone/>
+            </a:pPr>
+            <a:r>
+              <a:rPr lang="en-US" altLang="en-GB" sz="1600">
+                <a:solidFill>
+                  <a:srgbClr val="525C65"/>
+                </a:solidFill>
+                <a:highlight>
+                  <a:srgbClr val="FFFFFF"/>
+                </a:highlight>
+                <a:latin typeface="Open Sans" panose="020B0606030504020204"/>
+                <a:ea typeface="Open Sans" panose="020B0606030504020204"/>
+                <a:cs typeface="Open Sans" panose="020B0606030504020204"/>
+                <a:sym typeface="Open Sans" panose="020B0606030504020204"/>
+              </a:rPr>
+              <a:t>T</a:t>
+            </a:r>
+            <a:r>
+              <a:rPr lang="en-GB" sz="1600">
+                <a:solidFill>
+                  <a:srgbClr val="525C65"/>
+                </a:solidFill>
+                <a:highlight>
+                  <a:srgbClr val="FFFFFF"/>
+                </a:highlight>
+                <a:latin typeface="Open Sans" panose="020B0606030504020204"/>
+                <a:ea typeface="Open Sans" panose="020B0606030504020204"/>
+                <a:cs typeface="Open Sans" panose="020B0606030504020204"/>
+                <a:sym typeface="Open Sans" panose="020B0606030504020204"/>
+              </a:rPr>
+              <a:t>he first version of the Metadata Catalog by documenting the</a:t>
+            </a:r>
+            <a:r>
+              <a:rPr lang="en-US" altLang="en-GB" sz="1600">
+                <a:solidFill>
+                  <a:srgbClr val="525C65"/>
+                </a:solidFill>
+                <a:highlight>
+                  <a:srgbClr val="FFFFFF"/>
+                </a:highlight>
+                <a:latin typeface="Open Sans" panose="020B0606030504020204"/>
+                <a:ea typeface="Open Sans" panose="020B0606030504020204"/>
+                <a:cs typeface="Open Sans" panose="020B0606030504020204"/>
+                <a:sym typeface="Open Sans" panose="020B0606030504020204"/>
+              </a:rPr>
+              <a:t> </a:t>
+            </a:r>
+            <a:r>
+              <a:rPr lang="en-GB" sz="1600">
+                <a:solidFill>
+                  <a:srgbClr val="525C65"/>
+                </a:solidFill>
+                <a:highlight>
+                  <a:srgbClr val="FFFFFF"/>
+                </a:highlight>
+                <a:latin typeface="Open Sans" panose="020B0606030504020204"/>
+                <a:ea typeface="Open Sans" panose="020B0606030504020204"/>
+                <a:cs typeface="Open Sans" panose="020B0606030504020204"/>
+                <a:sym typeface="Open Sans" panose="020B0606030504020204"/>
+              </a:rPr>
+              <a:t>metadata from all systems in the "Data Dictionary" and the “Enterprise Data Catalo</a:t>
+            </a:r>
+            <a:r>
+              <a:rPr lang="en-US" altLang="en-GB" sz="1600">
+                <a:solidFill>
+                  <a:srgbClr val="525C65"/>
+                </a:solidFill>
+                <a:highlight>
+                  <a:srgbClr val="FFFFFF"/>
+                </a:highlight>
+                <a:latin typeface="Open Sans" panose="020B0606030504020204"/>
+                <a:ea typeface="Open Sans" panose="020B0606030504020204"/>
+                <a:cs typeface="Open Sans" panose="020B0606030504020204"/>
+                <a:sym typeface="Open Sans" panose="020B0606030504020204"/>
+              </a:rPr>
+              <a:t>g</a:t>
+            </a:r>
+            <a:endParaRPr lang="en-US" altLang="en-GB" sz="1600">
+              <a:solidFill>
+                <a:srgbClr val="525C65"/>
+              </a:solidFill>
+              <a:highlight>
+                <a:srgbClr val="FFFFFF"/>
+              </a:highlight>
+              <a:latin typeface="Open Sans" panose="020B0606030504020204"/>
+              <a:ea typeface="Open Sans" panose="020B0606030504020204"/>
+              <a:cs typeface="Open Sans" panose="020B0606030504020204"/>
+              <a:sym typeface="Open Sans" panose="020B0606030504020204"/>
+            </a:endParaRPr>
+          </a:p>
+          <a:p>
+            <a:pPr marL="241300" marR="241300" lvl="0" indent="0" algn="l" rtl="0">
+              <a:lnSpc>
+                <a:spcPct val="170000"/>
+              </a:lnSpc>
+              <a:spcBef>
+                <a:spcPts val="3800"/>
+              </a:spcBef>
+              <a:spcAft>
+                <a:spcPts val="1100"/>
+              </a:spcAft>
+              <a:buClr>
+                <a:schemeClr val="dk1"/>
+              </a:buClr>
+              <a:buSzPts val="1100"/>
+              <a:buFont typeface="Arial" panose="020B0604020202020204"/>
+              <a:buNone/>
+            </a:pPr>
+            <a:endParaRPr lang="en-US" sz="1600">
+              <a:solidFill>
+                <a:srgbClr val="525C65"/>
+              </a:solidFill>
+              <a:highlight>
+                <a:srgbClr val="FFFFFF"/>
+              </a:highlight>
+              <a:latin typeface="Open Sans" panose="020B0606030504020204"/>
+              <a:ea typeface="Open Sans" panose="020B0606030504020204"/>
+              <a:cs typeface="Open Sans" panose="020B0606030504020204"/>
+              <a:sym typeface="Open Sans" panose="020B0606030504020204"/>
+            </a:endParaRPr>
+          </a:p>
+        </p:txBody>
+      </p:sp>
+      <p:pic>
+        <p:nvPicPr>
+          <p:cNvPr id="6" name="Picture 5"/>
+          <p:cNvPicPr>
+            <a:picLocks noChangeAspect="1"/>
+          </p:cNvPicPr>
+          <p:nvPr/>
+        </p:nvPicPr>
+        <p:blipFill>
+          <a:blip r:embed="rId1"/>
+          <a:stretch>
+            <a:fillRect/>
+          </a:stretch>
+        </p:blipFill>
+        <p:spPr>
+          <a:xfrm>
+            <a:off x="69850" y="1644650"/>
+            <a:ext cx="7655560" cy="1263650"/>
+          </a:xfrm>
+          <a:prstGeom prst="rect">
+            <a:avLst/>
+          </a:prstGeom>
+        </p:spPr>
+      </p:pic>
+      <p:pic>
+        <p:nvPicPr>
+          <p:cNvPr id="2" name="Picture 1"/>
+          <p:cNvPicPr>
+            <a:picLocks noChangeAspect="1"/>
+          </p:cNvPicPr>
+          <p:nvPr/>
+        </p:nvPicPr>
+        <p:blipFill>
+          <a:blip r:embed="rId2"/>
+          <a:stretch>
+            <a:fillRect/>
+          </a:stretch>
+        </p:blipFill>
+        <p:spPr>
+          <a:xfrm>
+            <a:off x="69850" y="2941320"/>
+            <a:ext cx="7574915" cy="1508760"/>
+          </a:xfrm>
+          <a:prstGeom prst="rect">
+            <a:avLst/>
+          </a:prstGeom>
+        </p:spPr>
+      </p:pic>
+      <p:pic>
+        <p:nvPicPr>
+          <p:cNvPr id="3" name="Picture 2"/>
+          <p:cNvPicPr>
+            <a:picLocks noChangeAspect="1"/>
+          </p:cNvPicPr>
+          <p:nvPr/>
+        </p:nvPicPr>
+        <p:blipFill>
+          <a:blip r:embed="rId3"/>
+          <a:stretch>
+            <a:fillRect/>
+          </a:stretch>
+        </p:blipFill>
+        <p:spPr>
+          <a:xfrm>
+            <a:off x="38735" y="4525010"/>
+            <a:ext cx="7592695" cy="2007870"/>
+          </a:xfrm>
+          <a:prstGeom prst="rect">
+            <a:avLst/>
+          </a:prstGeom>
+        </p:spPr>
+      </p:pic>
+      <p:pic>
+        <p:nvPicPr>
+          <p:cNvPr id="4" name="Picture 3"/>
+          <p:cNvPicPr>
+            <a:picLocks noChangeAspect="1"/>
+          </p:cNvPicPr>
+          <p:nvPr/>
+        </p:nvPicPr>
+        <p:blipFill>
+          <a:blip r:embed="rId4"/>
+          <a:stretch>
+            <a:fillRect/>
+          </a:stretch>
+        </p:blipFill>
+        <p:spPr>
+          <a:xfrm>
+            <a:off x="26035" y="6607810"/>
+            <a:ext cx="7605395" cy="1289685"/>
+          </a:xfrm>
+          <a:prstGeom prst="rect">
+            <a:avLst/>
+          </a:prstGeom>
+        </p:spPr>
+      </p:pic>
+      <p:pic>
+        <p:nvPicPr>
+          <p:cNvPr id="5" name="Picture 4"/>
+          <p:cNvPicPr>
+            <a:picLocks noChangeAspect="1"/>
+          </p:cNvPicPr>
+          <p:nvPr/>
+        </p:nvPicPr>
+        <p:blipFill>
+          <a:blip r:embed="rId5"/>
+          <a:stretch>
+            <a:fillRect/>
+          </a:stretch>
+        </p:blipFill>
+        <p:spPr>
+          <a:xfrm>
+            <a:off x="38735" y="7981950"/>
+            <a:ext cx="7588250" cy="1189990"/>
+          </a:xfrm>
+          <a:prstGeom prst="rect">
+            <a:avLst/>
+          </a:prstGeom>
+        </p:spPr>
+      </p:pic>
+      <p:sp>
+        <p:nvSpPr>
+          <p:cNvPr id="7" name="Text Box 6"/>
+          <p:cNvSpPr txBox="1"/>
+          <p:nvPr/>
+        </p:nvSpPr>
+        <p:spPr>
+          <a:xfrm>
+            <a:off x="-1905" y="815340"/>
+            <a:ext cx="7712710" cy="1555750"/>
+          </a:xfrm>
+          <a:prstGeom prst="rect">
+            <a:avLst/>
+          </a:prstGeom>
+          <a:noFill/>
+        </p:spPr>
+        <p:txBody>
+          <a:bodyPr wrap="square" rtlCol="0" anchor="t">
+            <a:spAutoFit/>
+          </a:bodyPr>
+          <a:p>
+            <a:pPr marL="241300" marR="241300" lvl="0" indent="0" algn="l" rtl="0">
+              <a:lnSpc>
+                <a:spcPct val="170000"/>
+              </a:lnSpc>
+              <a:spcBef>
+                <a:spcPts val="3800"/>
+              </a:spcBef>
+              <a:spcAft>
+                <a:spcPts val="1100"/>
+              </a:spcAft>
+              <a:buClr>
+                <a:schemeClr val="dk1"/>
+              </a:buClr>
+              <a:buSzPts val="1100"/>
+              <a:buFont typeface="Arial" panose="020B0604020202020204"/>
+              <a:buNone/>
+            </a:pPr>
+            <a:r>
+              <a:rPr lang="de-DE" sz="1600" b="1" dirty="0">
+                <a:solidFill>
+                  <a:srgbClr val="525C65"/>
+                </a:solidFill>
+                <a:highlight>
+                  <a:srgbClr val="FFFFFF"/>
+                </a:highlight>
+                <a:latin typeface="Open Sans" panose="020B0606030504020204"/>
+                <a:ea typeface="Open Sans" panose="020B0606030504020204"/>
+                <a:cs typeface="Open Sans" panose="020B0606030504020204"/>
+                <a:sym typeface="Open Sans" panose="020B0606030504020204"/>
+              </a:rPr>
+              <a:t>Data Dictionary:</a:t>
+            </a:r>
+            <a:r>
+              <a:rPr lang="en-US" altLang="de-DE" sz="1600" b="1" dirty="0">
+                <a:solidFill>
+                  <a:srgbClr val="525C65"/>
+                </a:solidFill>
+                <a:highlight>
+                  <a:srgbClr val="FFFFFF"/>
+                </a:highlight>
+                <a:latin typeface="Open Sans" panose="020B0606030504020204"/>
+                <a:ea typeface="Open Sans" panose="020B0606030504020204"/>
+                <a:cs typeface="Open Sans" panose="020B0606030504020204"/>
+                <a:sym typeface="Open Sans" panose="020B0606030504020204"/>
+              </a:rPr>
+              <a:t> </a:t>
+            </a:r>
+            <a:r>
+              <a:rPr sz="1600" i="1">
+                <a:solidFill>
+                  <a:srgbClr val="FF0000"/>
+                </a:solidFill>
+                <a:highlight>
+                  <a:srgbClr val="FFFFFF"/>
+                </a:highlight>
+                <a:latin typeface="Open Sans" panose="020B0606030504020204"/>
+                <a:ea typeface="Open Sans" panose="020B0606030504020204"/>
+                <a:cs typeface="Open Sans" panose="020B0606030504020204"/>
+                <a:sym typeface="Open Sans" panose="020B0606030504020204"/>
+              </a:rPr>
+              <a:t>Please </a:t>
+            </a:r>
+            <a:r>
+              <a:rPr lang="en-US" sz="1600" i="1">
+                <a:solidFill>
+                  <a:srgbClr val="FF0000"/>
+                </a:solidFill>
+                <a:highlight>
+                  <a:srgbClr val="FFFFFF"/>
+                </a:highlight>
+                <a:latin typeface="Open Sans" panose="020B0606030504020204"/>
+                <a:ea typeface="Open Sans" panose="020B0606030504020204"/>
+                <a:cs typeface="Open Sans" panose="020B0606030504020204"/>
+                <a:sym typeface="Open Sans" panose="020B0606030504020204"/>
+              </a:rPr>
+              <a:t>refer to </a:t>
+            </a:r>
+            <a:r>
+              <a:rPr sz="1600" i="1">
+                <a:solidFill>
+                  <a:srgbClr val="FF0000"/>
+                </a:solidFill>
+                <a:highlight>
+                  <a:srgbClr val="FFFFFF"/>
+                </a:highlight>
+                <a:latin typeface="Open Sans" panose="020B0606030504020204"/>
+                <a:ea typeface="Open Sans" panose="020B0606030504020204"/>
+                <a:cs typeface="Open Sans" panose="020B0606030504020204"/>
+                <a:sym typeface="Open Sans" panose="020B0606030504020204"/>
+              </a:rPr>
+              <a:t>‘EnterpriseDataCatalog.xlsx’ File</a:t>
+            </a:r>
+            <a:endParaRPr sz="1600" i="1">
+              <a:solidFill>
+                <a:srgbClr val="FF0000"/>
+              </a:solidFill>
+              <a:highlight>
+                <a:srgbClr val="FFFFFF"/>
+              </a:highlight>
+              <a:latin typeface="Open Sans" panose="020B0606030504020204"/>
+              <a:ea typeface="Open Sans" panose="020B0606030504020204"/>
+              <a:cs typeface="Open Sans" panose="020B0606030504020204"/>
+              <a:sym typeface="Open Sans" panose="020B0606030504020204"/>
+            </a:endParaRPr>
+          </a:p>
+          <a:p>
+            <a:pPr marL="241300" marR="241300" lvl="0" indent="0" algn="l" rtl="0">
+              <a:lnSpc>
+                <a:spcPct val="170000"/>
+              </a:lnSpc>
+              <a:spcBef>
+                <a:spcPts val="3800"/>
+              </a:spcBef>
+              <a:spcAft>
+                <a:spcPts val="1100"/>
+              </a:spcAft>
+              <a:buClr>
+                <a:schemeClr val="dk1"/>
+              </a:buClr>
+              <a:buSzPts val="1100"/>
+              <a:buFont typeface="Arial" panose="020B0604020202020204"/>
+              <a:buNone/>
+            </a:pPr>
+            <a:endParaRPr lang="en-US" altLang="de-DE" sz="1600" b="1" dirty="0">
+              <a:solidFill>
+                <a:srgbClr val="525C65"/>
+              </a:solidFill>
+              <a:highlight>
+                <a:srgbClr val="FFFFFF"/>
+              </a:highlight>
+              <a:latin typeface="Open Sans" panose="020B0606030504020204"/>
+              <a:ea typeface="Open Sans" panose="020B0606030504020204"/>
+              <a:cs typeface="Open Sans" panose="020B0606030504020204"/>
+              <a:sym typeface="Open Sans" panose="020B0606030504020204"/>
+            </a:endParaRPr>
+          </a:p>
+        </p:txBody>
+      </p:sp>
+    </p:spTree>
+  </p:cSld>
+  <p:clrMapOvr>
+    <a:masterClrMapping/>
+  </p:clrMapOvr>
+</p:sld>
+</file>
+
+<file path=ppt/slides/slide9.xml><?xml version="1.0" encoding="utf-8"?>
+<p:sld xmlns:a="http://schemas.openxmlformats.org/drawingml/2006/main" xmlns:r="http://schemas.openxmlformats.org/officeDocument/2006/relationships" xmlns:p="http://schemas.openxmlformats.org/presentationml/2006/main">
+  <p:cSld>
+    <p:spTree>
+      <p:nvGrpSpPr>
+        <p:cNvPr id="1" name=""/>
+        <p:cNvGrpSpPr/>
+        <p:nvPr/>
+      </p:nvGrpSpPr>
+      <p:grpSpPr/>
+      <p:sp>
+        <p:nvSpPr>
+          <p:cNvPr id="5" name="Text Box 4"/>
+          <p:cNvSpPr txBox="1"/>
+          <p:nvPr/>
+        </p:nvSpPr>
+        <p:spPr>
+          <a:xfrm>
+            <a:off x="0" y="60960"/>
+            <a:ext cx="3886200" cy="509270"/>
+          </a:xfrm>
+          <a:prstGeom prst="rect">
+            <a:avLst/>
+          </a:prstGeom>
+          <a:noFill/>
+        </p:spPr>
+        <p:txBody>
+          <a:bodyPr wrap="square" rtlCol="0" anchor="t">
+            <a:spAutoFit/>
+          </a:bodyPr>
+          <a:p>
+            <a:pPr marL="241300" marR="241300" lvl="0" indent="0" algn="just" rtl="0">
+              <a:lnSpc>
+                <a:spcPct val="170000"/>
+              </a:lnSpc>
+              <a:spcBef>
+                <a:spcPts val="3800"/>
+              </a:spcBef>
+              <a:spcAft>
+                <a:spcPts val="0"/>
+              </a:spcAft>
+              <a:buNone/>
+            </a:pPr>
+            <a:r>
+              <a:rPr lang="de-DE" sz="1600" b="1" dirty="0">
+                <a:solidFill>
+                  <a:srgbClr val="525C65"/>
+                </a:solidFill>
+                <a:highlight>
+                  <a:srgbClr val="FFFFFF"/>
+                </a:highlight>
+                <a:latin typeface="Open Sans" panose="020B0606030504020204"/>
+                <a:ea typeface="Open Sans" panose="020B0606030504020204"/>
+                <a:cs typeface="Open Sans" panose="020B0606030504020204"/>
+                <a:sym typeface="Open Sans" panose="020B0606030504020204"/>
+              </a:rPr>
+              <a:t>Business </a:t>
+            </a:r>
+            <a:r>
+              <a:rPr lang="de-DE" sz="1600" b="1" dirty="0" err="1">
+                <a:solidFill>
+                  <a:srgbClr val="525C65"/>
+                </a:solidFill>
+                <a:highlight>
+                  <a:srgbClr val="FFFFFF"/>
+                </a:highlight>
+                <a:latin typeface="Open Sans" panose="020B0606030504020204"/>
+                <a:ea typeface="Open Sans" panose="020B0606030504020204"/>
+                <a:cs typeface="Open Sans" panose="020B0606030504020204"/>
+                <a:sym typeface="Open Sans" panose="020B0606030504020204"/>
+              </a:rPr>
+              <a:t>Metadata</a:t>
+            </a:r>
+            <a:r>
+              <a:rPr lang="de-DE" sz="1600" b="1" dirty="0">
+                <a:solidFill>
+                  <a:srgbClr val="525C65"/>
+                </a:solidFill>
+                <a:highlight>
+                  <a:srgbClr val="FFFFFF"/>
+                </a:highlight>
+                <a:latin typeface="Open Sans" panose="020B0606030504020204"/>
+                <a:ea typeface="Open Sans" panose="020B0606030504020204"/>
+                <a:cs typeface="Open Sans" panose="020B0606030504020204"/>
+                <a:sym typeface="Open Sans" panose="020B0606030504020204"/>
+              </a:rPr>
+              <a:t>:</a:t>
+            </a:r>
+            <a:endParaRPr lang="de-DE" sz="1600" b="1" dirty="0">
+              <a:solidFill>
+                <a:srgbClr val="525C65"/>
+              </a:solidFill>
+              <a:highlight>
+                <a:srgbClr val="FFFFFF"/>
+              </a:highlight>
+              <a:latin typeface="Open Sans" panose="020B0606030504020204"/>
+              <a:ea typeface="Open Sans" panose="020B0606030504020204"/>
+              <a:cs typeface="Open Sans" panose="020B0606030504020204"/>
+              <a:sym typeface="Open Sans" panose="020B0606030504020204"/>
+            </a:endParaRPr>
+          </a:p>
+        </p:txBody>
+      </p:sp>
+      <p:pic>
+        <p:nvPicPr>
+          <p:cNvPr id="6" name="Picture 5"/>
+          <p:cNvPicPr>
+            <a:picLocks noChangeAspect="1"/>
+          </p:cNvPicPr>
+          <p:nvPr/>
+        </p:nvPicPr>
+        <p:blipFill>
+          <a:blip r:embed="rId1"/>
+          <a:stretch>
+            <a:fillRect/>
+          </a:stretch>
+        </p:blipFill>
+        <p:spPr>
+          <a:xfrm>
+            <a:off x="69850" y="781050"/>
+            <a:ext cx="7640320" cy="1809750"/>
+          </a:xfrm>
+          <a:prstGeom prst="rect">
+            <a:avLst/>
+          </a:prstGeom>
+        </p:spPr>
+      </p:pic>
     </p:spTree>
   </p:cSld>
   <p:clrMapOvr>
